--- a/schematic.pptx
+++ b/schematic.pptx
@@ -5,10 +5,11 @@
     <p:sldMasterId id="2147483648" r:id="rId1"/>
   </p:sldMasterIdLst>
   <p:notesMasterIdLst>
-    <p:notesMasterId r:id="rId3"/>
+    <p:notesMasterId r:id="rId4"/>
   </p:notesMasterIdLst>
   <p:sldIdLst>
     <p:sldId id="257" r:id="rId2"/>
+    <p:sldId id="258" r:id="rId3"/>
   </p:sldIdLst>
   <p:sldSz cx="12192000" cy="6858000"/>
   <p:notesSz cx="6858000" cy="9144000"/>
@@ -197,7 +198,7 @@
           <a:p>
             <a:fld id="{D7D2B433-5E90-3A43-8A88-399DA5EBCE59}" type="datetimeFigureOut">
               <a:rPr lang="en-US" smtClean="0"/>
-              <a:t>10/13/25</a:t>
+              <a:t>10/15/25</a:t>
             </a:fld>
             <a:endParaRPr lang="en-US"/>
           </a:p>
@@ -572,6 +573,114 @@
 </p:notes>
 </file>
 
+<file path=ppt/notesSlides/notesSlide2.xml><?xml version="1.0" encoding="utf-8"?>
+<p:notes xmlns:a="http://schemas.openxmlformats.org/drawingml/2006/main" xmlns:r="http://schemas.openxmlformats.org/officeDocument/2006/relationships" xmlns:p="http://schemas.openxmlformats.org/presentationml/2006/main">
+  <p:cSld>
+    <p:spTree>
+      <p:nvGrpSpPr>
+        <p:cNvPr id="1" name="">
+          <a:extLst>
+            <a:ext uri="{FF2B5EF4-FFF2-40B4-BE49-F238E27FC236}">
+              <a16:creationId xmlns:a16="http://schemas.microsoft.com/office/drawing/2014/main" id="{273C4C06-2116-71C6-9F17-1344FBC70A9E}"/>
+            </a:ext>
+          </a:extLst>
+        </p:cNvPr>
+        <p:cNvGrpSpPr/>
+        <p:nvPr/>
+      </p:nvGrpSpPr>
+      <p:grpSpPr>
+        <a:xfrm>
+          <a:off x="0" y="0"/>
+          <a:ext cx="0" cy="0"/>
+          <a:chOff x="0" y="0"/>
+          <a:chExt cx="0" cy="0"/>
+        </a:xfrm>
+      </p:grpSpPr>
+      <p:sp>
+        <p:nvSpPr>
+          <p:cNvPr id="2" name="Slide Image Placeholder 1">
+            <a:extLst>
+              <a:ext uri="{FF2B5EF4-FFF2-40B4-BE49-F238E27FC236}">
+                <a16:creationId xmlns:a16="http://schemas.microsoft.com/office/drawing/2014/main" id="{E475BC4D-2AEE-5207-42BB-75AC070FC2FF}"/>
+              </a:ext>
+            </a:extLst>
+          </p:cNvPr>
+          <p:cNvSpPr>
+            <a:spLocks noGrp="1" noRot="1" noChangeAspect="1"/>
+          </p:cNvSpPr>
+          <p:nvPr>
+            <p:ph type="sldImg"/>
+          </p:nvPr>
+        </p:nvSpPr>
+        <p:spPr/>
+      </p:sp>
+      <p:sp>
+        <p:nvSpPr>
+          <p:cNvPr id="3" name="Notes Placeholder 2">
+            <a:extLst>
+              <a:ext uri="{FF2B5EF4-FFF2-40B4-BE49-F238E27FC236}">
+                <a16:creationId xmlns:a16="http://schemas.microsoft.com/office/drawing/2014/main" id="{2AE333DA-26A9-ABD5-F16B-8291421583B7}"/>
+              </a:ext>
+            </a:extLst>
+          </p:cNvPr>
+          <p:cNvSpPr>
+            <a:spLocks noGrp="1"/>
+          </p:cNvSpPr>
+          <p:nvPr>
+            <p:ph type="body" idx="1"/>
+          </p:nvPr>
+        </p:nvSpPr>
+        <p:spPr/>
+        <p:txBody>
+          <a:bodyPr/>
+          <a:lstStyle/>
+          <a:p>
+            <a:endParaRPr lang="en-US" dirty="0"/>
+          </a:p>
+        </p:txBody>
+      </p:sp>
+      <p:sp>
+        <p:nvSpPr>
+          <p:cNvPr id="4" name="Slide Number Placeholder 3">
+            <a:extLst>
+              <a:ext uri="{FF2B5EF4-FFF2-40B4-BE49-F238E27FC236}">
+                <a16:creationId xmlns:a16="http://schemas.microsoft.com/office/drawing/2014/main" id="{651A562B-76B5-1BCD-5DB2-D23FA419C007}"/>
+              </a:ext>
+            </a:extLst>
+          </p:cNvPr>
+          <p:cNvSpPr>
+            <a:spLocks noGrp="1"/>
+          </p:cNvSpPr>
+          <p:nvPr>
+            <p:ph type="sldNum" sz="quarter" idx="5"/>
+          </p:nvPr>
+        </p:nvSpPr>
+        <p:spPr/>
+        <p:txBody>
+          <a:bodyPr/>
+          <a:lstStyle/>
+          <a:p>
+            <a:fld id="{07DEFD07-853A-654B-A2BC-815F0CA182EA}" type="slidenum">
+              <a:rPr lang="en-US" smtClean="0"/>
+              <a:t>2</a:t>
+            </a:fld>
+            <a:endParaRPr lang="en-US"/>
+          </a:p>
+        </p:txBody>
+      </p:sp>
+    </p:spTree>
+    <p:extLst>
+      <p:ext uri="{BB962C8B-B14F-4D97-AF65-F5344CB8AC3E}">
+        <p14:creationId xmlns:p14="http://schemas.microsoft.com/office/powerpoint/2010/main" val="2217410560"/>
+      </p:ext>
+    </p:extLst>
+  </p:cSld>
+  <p:clrMapOvr>
+    <a:masterClrMapping/>
+  </p:clrMapOvr>
+</p:notes>
+</file>
+
 <file path=ppt/slideLayouts/slideLayout1.xml><?xml version="1.0" encoding="utf-8"?>
 <p:sldLayout xmlns:a="http://schemas.openxmlformats.org/drawingml/2006/main" xmlns:r="http://schemas.openxmlformats.org/officeDocument/2006/relationships" xmlns:p="http://schemas.openxmlformats.org/presentationml/2006/main" type="title" preserve="1">
   <p:cSld name="Title Slide">
@@ -719,7 +828,7 @@
           <a:p>
             <a:fld id="{B4F14743-B42E-C74E-B1FD-FD2197F30C36}" type="datetimeFigureOut">
               <a:rPr lang="en-US" smtClean="0"/>
-              <a:t>10/13/25</a:t>
+              <a:t>10/15/25</a:t>
             </a:fld>
             <a:endParaRPr lang="en-US"/>
           </a:p>
@@ -917,7 +1026,7 @@
           <a:p>
             <a:fld id="{B4F14743-B42E-C74E-B1FD-FD2197F30C36}" type="datetimeFigureOut">
               <a:rPr lang="en-US" smtClean="0"/>
-              <a:t>10/13/25</a:t>
+              <a:t>10/15/25</a:t>
             </a:fld>
             <a:endParaRPr lang="en-US"/>
           </a:p>
@@ -1125,7 +1234,7 @@
           <a:p>
             <a:fld id="{B4F14743-B42E-C74E-B1FD-FD2197F30C36}" type="datetimeFigureOut">
               <a:rPr lang="en-US" smtClean="0"/>
-              <a:t>10/13/25</a:t>
+              <a:t>10/15/25</a:t>
             </a:fld>
             <a:endParaRPr lang="en-US"/>
           </a:p>
@@ -1323,7 +1432,7 @@
           <a:p>
             <a:fld id="{B4F14743-B42E-C74E-B1FD-FD2197F30C36}" type="datetimeFigureOut">
               <a:rPr lang="en-US" smtClean="0"/>
-              <a:t>10/13/25</a:t>
+              <a:t>10/15/25</a:t>
             </a:fld>
             <a:endParaRPr lang="en-US"/>
           </a:p>
@@ -1598,7 +1707,7 @@
           <a:p>
             <a:fld id="{B4F14743-B42E-C74E-B1FD-FD2197F30C36}" type="datetimeFigureOut">
               <a:rPr lang="en-US" smtClean="0"/>
-              <a:t>10/13/25</a:t>
+              <a:t>10/15/25</a:t>
             </a:fld>
             <a:endParaRPr lang="en-US"/>
           </a:p>
@@ -1863,7 +1972,7 @@
           <a:p>
             <a:fld id="{B4F14743-B42E-C74E-B1FD-FD2197F30C36}" type="datetimeFigureOut">
               <a:rPr lang="en-US" smtClean="0"/>
-              <a:t>10/13/25</a:t>
+              <a:t>10/15/25</a:t>
             </a:fld>
             <a:endParaRPr lang="en-US"/>
           </a:p>
@@ -2275,7 +2384,7 @@
           <a:p>
             <a:fld id="{B4F14743-B42E-C74E-B1FD-FD2197F30C36}" type="datetimeFigureOut">
               <a:rPr lang="en-US" smtClean="0"/>
-              <a:t>10/13/25</a:t>
+              <a:t>10/15/25</a:t>
             </a:fld>
             <a:endParaRPr lang="en-US"/>
           </a:p>
@@ -2416,7 +2525,7 @@
           <a:p>
             <a:fld id="{B4F14743-B42E-C74E-B1FD-FD2197F30C36}" type="datetimeFigureOut">
               <a:rPr lang="en-US" smtClean="0"/>
-              <a:t>10/13/25</a:t>
+              <a:t>10/15/25</a:t>
             </a:fld>
             <a:endParaRPr lang="en-US"/>
           </a:p>
@@ -2529,7 +2638,7 @@
           <a:p>
             <a:fld id="{B4F14743-B42E-C74E-B1FD-FD2197F30C36}" type="datetimeFigureOut">
               <a:rPr lang="en-US" smtClean="0"/>
-              <a:t>10/13/25</a:t>
+              <a:t>10/15/25</a:t>
             </a:fld>
             <a:endParaRPr lang="en-US"/>
           </a:p>
@@ -2840,7 +2949,7 @@
           <a:p>
             <a:fld id="{B4F14743-B42E-C74E-B1FD-FD2197F30C36}" type="datetimeFigureOut">
               <a:rPr lang="en-US" smtClean="0"/>
-              <a:t>10/13/25</a:t>
+              <a:t>10/15/25</a:t>
             </a:fld>
             <a:endParaRPr lang="en-US"/>
           </a:p>
@@ -3128,7 +3237,7 @@
           <a:p>
             <a:fld id="{B4F14743-B42E-C74E-B1FD-FD2197F30C36}" type="datetimeFigureOut">
               <a:rPr lang="en-US" smtClean="0"/>
-              <a:t>10/13/25</a:t>
+              <a:t>10/15/25</a:t>
             </a:fld>
             <a:endParaRPr lang="en-US"/>
           </a:p>
@@ -3369,7 +3478,7 @@
           <a:p>
             <a:fld id="{B4F14743-B42E-C74E-B1FD-FD2197F30C36}" type="datetimeFigureOut">
               <a:rPr lang="en-US" smtClean="0"/>
-              <a:t>10/13/25</a:t>
+              <a:t>10/15/25</a:t>
             </a:fld>
             <a:endParaRPr lang="en-US"/>
           </a:p>
@@ -7105,8 +7214,8 @@
           </a:fontRef>
         </p:style>
       </p:cxnSp>
-      <mc:AlternateContent xmlns:mc="http://schemas.openxmlformats.org/markup-compatibility/2006">
-        <mc:Choice xmlns:a14="http://schemas.microsoft.com/office/drawing/2010/main" Requires="a14">
+      <mc:AlternateContent xmlns:mc="http://schemas.openxmlformats.org/markup-compatibility/2006" xmlns:a14="http://schemas.microsoft.com/office/drawing/2010/main">
+        <mc:Choice Requires="a14">
           <p:sp>
             <p:nvSpPr>
               <p:cNvPr id="229" name="TextBox 228">
@@ -7156,7 +7265,7 @@
             </p:txBody>
           </p:sp>
         </mc:Choice>
-        <mc:Fallback>
+        <mc:Fallback xmlns="">
           <p:sp>
             <p:nvSpPr>
               <p:cNvPr id="229" name="TextBox 228">
@@ -7201,8 +7310,8 @@
           </p:sp>
         </mc:Fallback>
       </mc:AlternateContent>
-      <mc:AlternateContent xmlns:mc="http://schemas.openxmlformats.org/markup-compatibility/2006">
-        <mc:Choice xmlns:a14="http://schemas.microsoft.com/office/drawing/2010/main" Requires="a14">
+      <mc:AlternateContent xmlns:mc="http://schemas.openxmlformats.org/markup-compatibility/2006" xmlns:a14="http://schemas.microsoft.com/office/drawing/2010/main">
+        <mc:Choice Requires="a14">
           <p:sp>
             <p:nvSpPr>
               <p:cNvPr id="232" name="TextBox 231">
@@ -7383,7 +7492,7 @@
             </p:txBody>
           </p:sp>
         </mc:Choice>
-        <mc:Fallback>
+        <mc:Fallback xmlns="">
           <p:sp>
             <p:nvSpPr>
               <p:cNvPr id="232" name="TextBox 231">
@@ -7561,8 +7670,8 @@
           </a:fontRef>
         </p:style>
       </p:cxnSp>
-      <mc:AlternateContent xmlns:mc="http://schemas.openxmlformats.org/markup-compatibility/2006">
-        <mc:Choice xmlns:a14="http://schemas.microsoft.com/office/drawing/2010/main" Requires="a14">
+      <mc:AlternateContent xmlns:mc="http://schemas.openxmlformats.org/markup-compatibility/2006" xmlns:a14="http://schemas.microsoft.com/office/drawing/2010/main">
+        <mc:Choice Requires="a14">
           <p:sp>
             <p:nvSpPr>
               <p:cNvPr id="239" name="TextBox 238">
@@ -7658,7 +7767,7 @@
             </p:txBody>
           </p:sp>
         </mc:Choice>
-        <mc:Fallback>
+        <mc:Fallback xmlns="">
           <p:sp>
             <p:nvSpPr>
               <p:cNvPr id="239" name="TextBox 238">
@@ -7703,8 +7812,8 @@
           </p:sp>
         </mc:Fallback>
       </mc:AlternateContent>
-      <mc:AlternateContent xmlns:mc="http://schemas.openxmlformats.org/markup-compatibility/2006">
-        <mc:Choice xmlns:a14="http://schemas.microsoft.com/office/drawing/2010/main" Requires="a14">
+      <mc:AlternateContent xmlns:mc="http://schemas.openxmlformats.org/markup-compatibility/2006" xmlns:a14="http://schemas.microsoft.com/office/drawing/2010/main">
+        <mc:Choice Requires="a14">
           <p:sp>
             <p:nvSpPr>
               <p:cNvPr id="240" name="TextBox 239">
@@ -7824,7 +7933,7 @@
             </p:txBody>
           </p:sp>
         </mc:Choice>
-        <mc:Fallback>
+        <mc:Fallback xmlns="">
           <p:sp>
             <p:nvSpPr>
               <p:cNvPr id="240" name="TextBox 239">
@@ -8094,8 +8203,8 @@
           </a:fontRef>
         </p:style>
       </p:cxnSp>
-      <mc:AlternateContent xmlns:mc="http://schemas.openxmlformats.org/markup-compatibility/2006">
-        <mc:Choice xmlns:a14="http://schemas.microsoft.com/office/drawing/2010/main" Requires="a14">
+      <mc:AlternateContent xmlns:mc="http://schemas.openxmlformats.org/markup-compatibility/2006" xmlns:a14="http://schemas.microsoft.com/office/drawing/2010/main">
+        <mc:Choice Requires="a14">
           <p:sp>
             <p:nvSpPr>
               <p:cNvPr id="257" name="TextBox 256">
@@ -8149,7 +8258,7 @@
             </p:txBody>
           </p:sp>
         </mc:Choice>
-        <mc:Fallback>
+        <mc:Fallback xmlns="">
           <p:sp>
             <p:nvSpPr>
               <p:cNvPr id="257" name="TextBox 256">
@@ -8194,8 +8303,8 @@
           </p:sp>
         </mc:Fallback>
       </mc:AlternateContent>
-      <mc:AlternateContent xmlns:mc="http://schemas.openxmlformats.org/markup-compatibility/2006">
-        <mc:Choice xmlns:a14="http://schemas.microsoft.com/office/drawing/2010/main" Requires="a14">
+      <mc:AlternateContent xmlns:mc="http://schemas.openxmlformats.org/markup-compatibility/2006" xmlns:a14="http://schemas.microsoft.com/office/drawing/2010/main">
+        <mc:Choice Requires="a14">
           <p:sp>
             <p:nvSpPr>
               <p:cNvPr id="258" name="TextBox 257">
@@ -8255,7 +8364,7 @@
             </p:txBody>
           </p:sp>
         </mc:Choice>
-        <mc:Fallback>
+        <mc:Fallback xmlns="">
           <p:sp>
             <p:nvSpPr>
               <p:cNvPr id="258" name="TextBox 257">
@@ -8300,8 +8409,8 @@
           </p:sp>
         </mc:Fallback>
       </mc:AlternateContent>
-      <mc:AlternateContent xmlns:mc="http://schemas.openxmlformats.org/markup-compatibility/2006">
-        <mc:Choice xmlns:a14="http://schemas.microsoft.com/office/drawing/2010/main" Requires="a14">
+      <mc:AlternateContent xmlns:mc="http://schemas.openxmlformats.org/markup-compatibility/2006" xmlns:a14="http://schemas.microsoft.com/office/drawing/2010/main">
+        <mc:Choice Requires="a14">
           <p:sp>
             <p:nvSpPr>
               <p:cNvPr id="259" name="TextBox 258">
@@ -8361,7 +8470,7 @@
             </p:txBody>
           </p:sp>
         </mc:Choice>
-        <mc:Fallback>
+        <mc:Fallback xmlns="">
           <p:sp>
             <p:nvSpPr>
               <p:cNvPr id="259" name="TextBox 258">
@@ -8406,8 +8515,8 @@
           </p:sp>
         </mc:Fallback>
       </mc:AlternateContent>
-      <mc:AlternateContent xmlns:mc="http://schemas.openxmlformats.org/markup-compatibility/2006">
-        <mc:Choice xmlns:a14="http://schemas.microsoft.com/office/drawing/2010/main" Requires="a14">
+      <mc:AlternateContent xmlns:mc="http://schemas.openxmlformats.org/markup-compatibility/2006" xmlns:a14="http://schemas.microsoft.com/office/drawing/2010/main">
+        <mc:Choice Requires="a14">
           <p:sp>
             <p:nvSpPr>
               <p:cNvPr id="260" name="TextBox 259">
@@ -8467,7 +8576,7 @@
             </p:txBody>
           </p:sp>
         </mc:Choice>
-        <mc:Fallback>
+        <mc:Fallback xmlns="">
           <p:sp>
             <p:nvSpPr>
               <p:cNvPr id="260" name="TextBox 259">
@@ -8512,8 +8621,8 @@
           </p:sp>
         </mc:Fallback>
       </mc:AlternateContent>
-      <mc:AlternateContent xmlns:mc="http://schemas.openxmlformats.org/markup-compatibility/2006">
-        <mc:Choice xmlns:a14="http://schemas.microsoft.com/office/drawing/2010/main" Requires="a14">
+      <mc:AlternateContent xmlns:mc="http://schemas.openxmlformats.org/markup-compatibility/2006" xmlns:a14="http://schemas.microsoft.com/office/drawing/2010/main">
+        <mc:Choice Requires="a14">
           <p:sp>
             <p:nvSpPr>
               <p:cNvPr id="261" name="TextBox 260">
@@ -8694,7 +8803,7 @@
             </p:txBody>
           </p:sp>
         </mc:Choice>
-        <mc:Fallback>
+        <mc:Fallback xmlns="">
           <p:sp>
             <p:nvSpPr>
               <p:cNvPr id="261" name="TextBox 260">
@@ -8909,8 +9018,8 @@
           </a:fontRef>
         </p:style>
       </p:cxnSp>
-      <mc:AlternateContent xmlns:mc="http://schemas.openxmlformats.org/markup-compatibility/2006">
-        <mc:Choice xmlns:a14="http://schemas.microsoft.com/office/drawing/2010/main" Requires="a14">
+      <mc:AlternateContent xmlns:mc="http://schemas.openxmlformats.org/markup-compatibility/2006" xmlns:a14="http://schemas.microsoft.com/office/drawing/2010/main">
+        <mc:Choice Requires="a14">
           <p:sp>
             <p:nvSpPr>
               <p:cNvPr id="273" name="TextBox 272">
@@ -8980,7 +9089,7 @@
             </p:txBody>
           </p:sp>
         </mc:Choice>
-        <mc:Fallback>
+        <mc:Fallback xmlns="">
           <p:sp>
             <p:nvSpPr>
               <p:cNvPr id="273" name="TextBox 272">
@@ -9148,8 +9257,8 @@
           </a:fontRef>
         </p:style>
       </p:cxnSp>
-      <mc:AlternateContent xmlns:mc="http://schemas.openxmlformats.org/markup-compatibility/2006">
-        <mc:Choice xmlns:a14="http://schemas.microsoft.com/office/drawing/2010/main" Requires="a14">
+      <mc:AlternateContent xmlns:mc="http://schemas.openxmlformats.org/markup-compatibility/2006" xmlns:a14="http://schemas.microsoft.com/office/drawing/2010/main">
+        <mc:Choice Requires="a14">
           <p:sp>
             <p:nvSpPr>
               <p:cNvPr id="282" name="TextBox 281">
@@ -9364,7 +9473,7 @@
             </p:txBody>
           </p:sp>
         </mc:Choice>
-        <mc:Fallback>
+        <mc:Fallback xmlns="">
           <p:sp>
             <p:nvSpPr>
               <p:cNvPr id="282" name="TextBox 281">
@@ -9450,8 +9559,8 @@
           </a:p>
         </p:txBody>
       </p:sp>
-      <mc:AlternateContent xmlns:mc="http://schemas.openxmlformats.org/markup-compatibility/2006">
-        <mc:Choice xmlns:a14="http://schemas.microsoft.com/office/drawing/2010/main" Requires="a14">
+      <mc:AlternateContent xmlns:mc="http://schemas.openxmlformats.org/markup-compatibility/2006" xmlns:a14="http://schemas.microsoft.com/office/drawing/2010/main">
+        <mc:Choice Requires="a14">
           <p:sp>
             <p:nvSpPr>
               <p:cNvPr id="284" name="TextBox 283">
@@ -9540,7 +9649,7 @@
             </p:txBody>
           </p:sp>
         </mc:Choice>
-        <mc:Fallback>
+        <mc:Fallback xmlns="">
           <p:sp>
             <p:nvSpPr>
               <p:cNvPr id="284" name="TextBox 283">
@@ -9776,8 +9885,8 @@
           </a:fontRef>
         </p:style>
       </p:cxnSp>
-      <mc:AlternateContent xmlns:mc="http://schemas.openxmlformats.org/markup-compatibility/2006">
-        <mc:Choice xmlns:a14="http://schemas.microsoft.com/office/drawing/2010/main" Requires="a14">
+      <mc:AlternateContent xmlns:mc="http://schemas.openxmlformats.org/markup-compatibility/2006" xmlns:a14="http://schemas.microsoft.com/office/drawing/2010/main">
+        <mc:Choice Requires="a14">
           <p:sp>
             <p:nvSpPr>
               <p:cNvPr id="300" name="TextBox 299">
@@ -9834,7 +9943,7 @@
             </p:txBody>
           </p:sp>
         </mc:Choice>
-        <mc:Fallback>
+        <mc:Fallback xmlns="">
           <p:sp>
             <p:nvSpPr>
               <p:cNvPr id="300" name="TextBox 299">
@@ -9882,8 +9991,8 @@
           </p:sp>
         </mc:Fallback>
       </mc:AlternateContent>
-      <mc:AlternateContent xmlns:mc="http://schemas.openxmlformats.org/markup-compatibility/2006">
-        <mc:Choice xmlns:a14="http://schemas.microsoft.com/office/drawing/2010/main" Requires="a14">
+      <mc:AlternateContent xmlns:mc="http://schemas.openxmlformats.org/markup-compatibility/2006" xmlns:a14="http://schemas.microsoft.com/office/drawing/2010/main">
+        <mc:Choice Requires="a14">
           <p:sp>
             <p:nvSpPr>
               <p:cNvPr id="301" name="TextBox 300">
@@ -9940,7 +10049,7 @@
             </p:txBody>
           </p:sp>
         </mc:Choice>
-        <mc:Fallback>
+        <mc:Fallback xmlns="">
           <p:sp>
             <p:nvSpPr>
               <p:cNvPr id="301" name="TextBox 300">
@@ -9988,8 +10097,8 @@
           </p:sp>
         </mc:Fallback>
       </mc:AlternateContent>
-      <mc:AlternateContent xmlns:mc="http://schemas.openxmlformats.org/markup-compatibility/2006">
-        <mc:Choice xmlns:a14="http://schemas.microsoft.com/office/drawing/2010/main" Requires="a14">
+      <mc:AlternateContent xmlns:mc="http://schemas.openxmlformats.org/markup-compatibility/2006" xmlns:a14="http://schemas.microsoft.com/office/drawing/2010/main">
+        <mc:Choice Requires="a14">
           <p:sp>
             <p:nvSpPr>
               <p:cNvPr id="302" name="TextBox 301">
@@ -10043,7 +10152,7 @@
             </p:txBody>
           </p:sp>
         </mc:Choice>
-        <mc:Fallback>
+        <mc:Fallback xmlns="">
           <p:sp>
             <p:nvSpPr>
               <p:cNvPr id="302" name="TextBox 301">
@@ -10088,8 +10197,8 @@
           </p:sp>
         </mc:Fallback>
       </mc:AlternateContent>
-      <mc:AlternateContent xmlns:mc="http://schemas.openxmlformats.org/markup-compatibility/2006">
-        <mc:Choice xmlns:a14="http://schemas.microsoft.com/office/drawing/2010/main" Requires="a14">
+      <mc:AlternateContent xmlns:mc="http://schemas.openxmlformats.org/markup-compatibility/2006" xmlns:a14="http://schemas.microsoft.com/office/drawing/2010/main">
+        <mc:Choice Requires="a14">
           <p:sp>
             <p:nvSpPr>
               <p:cNvPr id="303" name="TextBox 302">
@@ -10175,7 +10284,7 @@
             </p:txBody>
           </p:sp>
         </mc:Choice>
-        <mc:Fallback>
+        <mc:Fallback xmlns="">
           <p:sp>
             <p:nvSpPr>
               <p:cNvPr id="303" name="TextBox 302">
@@ -10401,8 +10510,8 @@
           </a:p>
         </p:txBody>
       </p:sp>
-      <mc:AlternateContent xmlns:mc="http://schemas.openxmlformats.org/markup-compatibility/2006">
-        <mc:Choice xmlns:a14="http://schemas.microsoft.com/office/drawing/2010/main" Requires="a14">
+      <mc:AlternateContent xmlns:mc="http://schemas.openxmlformats.org/markup-compatibility/2006" xmlns:a14="http://schemas.microsoft.com/office/drawing/2010/main">
+        <mc:Choice Requires="a14">
           <p:sp>
             <p:nvSpPr>
               <p:cNvPr id="309" name="TextBox 308">
@@ -10495,7 +10604,7 @@
             </p:txBody>
           </p:sp>
         </mc:Choice>
-        <mc:Fallback>
+        <mc:Fallback xmlns="">
           <p:sp>
             <p:nvSpPr>
               <p:cNvPr id="309" name="TextBox 308">
@@ -10547,6 +10656,6716 @@
     <p:extLst>
       <p:ext uri="{BB962C8B-B14F-4D97-AF65-F5344CB8AC3E}">
         <p14:creationId xmlns:p14="http://schemas.microsoft.com/office/powerpoint/2010/main" val="3809936513"/>
+      </p:ext>
+    </p:extLst>
+  </p:cSld>
+  <p:clrMapOvr>
+    <a:masterClrMapping/>
+  </p:clrMapOvr>
+</p:sld>
+</file>
+
+<file path=ppt/slides/slide2.xml><?xml version="1.0" encoding="utf-8"?>
+<p:sld xmlns:a="http://schemas.openxmlformats.org/drawingml/2006/main" xmlns:r="http://schemas.openxmlformats.org/officeDocument/2006/relationships" xmlns:p="http://schemas.openxmlformats.org/presentationml/2006/main">
+  <p:cSld>
+    <p:spTree>
+      <p:nvGrpSpPr>
+        <p:cNvPr id="1" name="">
+          <a:extLst>
+            <a:ext uri="{FF2B5EF4-FFF2-40B4-BE49-F238E27FC236}">
+              <a16:creationId xmlns:a16="http://schemas.microsoft.com/office/drawing/2014/main" id="{0D8B14E8-0307-8E25-DCF8-9E93A0B6DE54}"/>
+            </a:ext>
+          </a:extLst>
+        </p:cNvPr>
+        <p:cNvGrpSpPr/>
+        <p:nvPr/>
+      </p:nvGrpSpPr>
+      <p:grpSpPr>
+        <a:xfrm>
+          <a:off x="0" y="0"/>
+          <a:ext cx="0" cy="0"/>
+          <a:chOff x="0" y="0"/>
+          <a:chExt cx="0" cy="0"/>
+        </a:xfrm>
+      </p:grpSpPr>
+      <p:sp>
+        <p:nvSpPr>
+          <p:cNvPr id="42" name="Cube 41">
+            <a:extLst>
+              <a:ext uri="{FF2B5EF4-FFF2-40B4-BE49-F238E27FC236}">
+                <a16:creationId xmlns:a16="http://schemas.microsoft.com/office/drawing/2014/main" id="{385A89E0-6711-EFD5-6B11-58C68A07C7FA}"/>
+              </a:ext>
+            </a:extLst>
+          </p:cNvPr>
+          <p:cNvSpPr/>
+          <p:nvPr/>
+        </p:nvSpPr>
+        <p:spPr>
+          <a:xfrm>
+            <a:off x="5424614" y="2771265"/>
+            <a:ext cx="2370018" cy="2483337"/>
+          </a:xfrm>
+          <a:prstGeom prst="cube">
+            <a:avLst>
+              <a:gd name="adj" fmla="val 0"/>
+            </a:avLst>
+          </a:prstGeom>
+          <a:solidFill>
+            <a:schemeClr val="accent6">
+              <a:lumMod val="75000"/>
+            </a:schemeClr>
+          </a:solidFill>
+          <a:ln>
+            <a:prstDash val="sysDash"/>
+            <a:headEnd type="none" w="med" len="med"/>
+            <a:tailEnd type="none" w="med" len="med"/>
+          </a:ln>
+        </p:spPr>
+        <p:style>
+          <a:lnRef idx="1">
+            <a:schemeClr val="dk1"/>
+          </a:lnRef>
+          <a:fillRef idx="2">
+            <a:schemeClr val="dk1"/>
+          </a:fillRef>
+          <a:effectRef idx="1">
+            <a:schemeClr val="dk1"/>
+          </a:effectRef>
+          <a:fontRef idx="minor">
+            <a:schemeClr val="dk1"/>
+          </a:fontRef>
+        </p:style>
+        <p:txBody>
+          <a:bodyPr rtlCol="0" anchor="ctr"/>
+          <a:lstStyle/>
+          <a:p>
+            <a:pPr algn="ctr"/>
+            <a:endParaRPr lang="en-US" dirty="0"/>
+          </a:p>
+        </p:txBody>
+      </p:sp>
+      <p:sp>
+        <p:nvSpPr>
+          <p:cNvPr id="36" name="Cube 35">
+            <a:extLst>
+              <a:ext uri="{FF2B5EF4-FFF2-40B4-BE49-F238E27FC236}">
+                <a16:creationId xmlns:a16="http://schemas.microsoft.com/office/drawing/2014/main" id="{49C0A3A8-F5CB-7840-794B-9E401583CF42}"/>
+              </a:ext>
+            </a:extLst>
+          </p:cNvPr>
+          <p:cNvSpPr>
+            <a:spLocks noChangeAspect="1"/>
+          </p:cNvSpPr>
+          <p:nvPr/>
+        </p:nvSpPr>
+        <p:spPr>
+          <a:xfrm rot="5400000" flipH="1">
+            <a:off x="5822266" y="4079452"/>
+            <a:ext cx="777495" cy="3127793"/>
+          </a:xfrm>
+          <a:prstGeom prst="cube">
+            <a:avLst>
+              <a:gd name="adj" fmla="val 98447"/>
+            </a:avLst>
+          </a:prstGeom>
+          <a:solidFill>
+            <a:schemeClr val="accent6">
+              <a:lumMod val="75000"/>
+            </a:schemeClr>
+          </a:solidFill>
+          <a:ln w="9525" cap="flat" cmpd="sng" algn="ctr">
+            <a:solidFill>
+              <a:schemeClr val="dk1"/>
+            </a:solidFill>
+            <a:prstDash val="sysDash"/>
+            <a:round/>
+            <a:headEnd type="none" w="med" len="med"/>
+            <a:tailEnd type="none" w="med" len="med"/>
+          </a:ln>
+        </p:spPr>
+        <p:style>
+          <a:lnRef idx="0">
+            <a:scrgbClr r="0" g="0" b="0"/>
+          </a:lnRef>
+          <a:fillRef idx="0">
+            <a:scrgbClr r="0" g="0" b="0"/>
+          </a:fillRef>
+          <a:effectRef idx="0">
+            <a:scrgbClr r="0" g="0" b="0"/>
+          </a:effectRef>
+          <a:fontRef idx="minor">
+            <a:schemeClr val="dk1"/>
+          </a:fontRef>
+        </p:style>
+        <p:txBody>
+          <a:bodyPr rtlCol="0" anchor="ctr"/>
+          <a:lstStyle/>
+          <a:p>
+            <a:pPr algn="ctr"/>
+            <a:endParaRPr lang="en-US" dirty="0"/>
+          </a:p>
+        </p:txBody>
+      </p:sp>
+      <p:cxnSp>
+        <p:nvCxnSpPr>
+          <p:cNvPr id="8" name="Straight Connector 7">
+            <a:extLst>
+              <a:ext uri="{FF2B5EF4-FFF2-40B4-BE49-F238E27FC236}">
+                <a16:creationId xmlns:a16="http://schemas.microsoft.com/office/drawing/2014/main" id="{7805ED0A-3309-78EF-37D5-69B45040B012}"/>
+              </a:ext>
+            </a:extLst>
+          </p:cNvPr>
+          <p:cNvCxnSpPr>
+            <a:cxnSpLocks/>
+          </p:cNvCxnSpPr>
+          <p:nvPr/>
+        </p:nvCxnSpPr>
+        <p:spPr>
+          <a:xfrm>
+            <a:off x="1792224" y="1495717"/>
+            <a:ext cx="7305477" cy="55345"/>
+          </a:xfrm>
+          <a:prstGeom prst="line">
+            <a:avLst/>
+          </a:prstGeom>
+        </p:spPr>
+        <p:style>
+          <a:lnRef idx="2">
+            <a:schemeClr val="dk1"/>
+          </a:lnRef>
+          <a:fillRef idx="0">
+            <a:schemeClr val="dk1"/>
+          </a:fillRef>
+          <a:effectRef idx="1">
+            <a:schemeClr val="dk1"/>
+          </a:effectRef>
+          <a:fontRef idx="minor">
+            <a:schemeClr val="tx1"/>
+          </a:fontRef>
+        </p:style>
+      </p:cxnSp>
+      <p:cxnSp>
+        <p:nvCxnSpPr>
+          <p:cNvPr id="35" name="Straight Connector 34">
+            <a:extLst>
+              <a:ext uri="{FF2B5EF4-FFF2-40B4-BE49-F238E27FC236}">
+                <a16:creationId xmlns:a16="http://schemas.microsoft.com/office/drawing/2014/main" id="{A98D1453-40A7-F06F-5A29-3BE8605F3641}"/>
+              </a:ext>
+            </a:extLst>
+          </p:cNvPr>
+          <p:cNvCxnSpPr>
+            <a:cxnSpLocks/>
+          </p:cNvCxnSpPr>
+          <p:nvPr/>
+        </p:nvCxnSpPr>
+        <p:spPr>
+          <a:xfrm>
+            <a:off x="2294869" y="1502010"/>
+            <a:ext cx="0" cy="2935513"/>
+          </a:xfrm>
+          <a:prstGeom prst="line">
+            <a:avLst/>
+          </a:prstGeom>
+          <a:ln w="9525" cap="flat" cmpd="sng" algn="ctr">
+            <a:solidFill>
+              <a:schemeClr val="dk1"/>
+            </a:solidFill>
+            <a:prstDash val="solid"/>
+            <a:round/>
+            <a:headEnd type="triangle" w="med" len="med"/>
+            <a:tailEnd type="triangle" w="med" len="med"/>
+          </a:ln>
+        </p:spPr>
+        <p:style>
+          <a:lnRef idx="0">
+            <a:scrgbClr r="0" g="0" b="0"/>
+          </a:lnRef>
+          <a:fillRef idx="0">
+            <a:scrgbClr r="0" g="0" b="0"/>
+          </a:fillRef>
+          <a:effectRef idx="0">
+            <a:scrgbClr r="0" g="0" b="0"/>
+          </a:effectRef>
+          <a:fontRef idx="minor">
+            <a:schemeClr val="tx1"/>
+          </a:fontRef>
+        </p:style>
+      </p:cxnSp>
+      <p:pic>
+        <p:nvPicPr>
+          <p:cNvPr id="86" name="Graphic 85" descr="Lightning bolt with solid fill">
+            <a:extLst>
+              <a:ext uri="{FF2B5EF4-FFF2-40B4-BE49-F238E27FC236}">
+                <a16:creationId xmlns:a16="http://schemas.microsoft.com/office/drawing/2014/main" id="{42BE9EFF-AB1B-95BA-17F9-ED1015C0F759}"/>
+              </a:ext>
+            </a:extLst>
+          </p:cNvPr>
+          <p:cNvPicPr>
+            <a:picLocks noChangeAspect="1"/>
+          </p:cNvPicPr>
+          <p:nvPr/>
+        </p:nvPicPr>
+        <p:blipFill>
+          <a:blip r:embed="rId3">
+            <a:extLst>
+              <a:ext uri="{96DAC541-7B7A-43D3-8B79-37D633B846F1}">
+                <asvg:svgBlip xmlns:asvg="http://schemas.microsoft.com/office/drawing/2016/SVG/main" r:embed="rId4"/>
+              </a:ext>
+            </a:extLst>
+          </a:blip>
+          <a:stretch>
+            <a:fillRect/>
+          </a:stretch>
+        </p:blipFill>
+        <p:spPr>
+          <a:xfrm rot="1707198">
+            <a:off x="3717038" y="1528238"/>
+            <a:ext cx="182880" cy="182880"/>
+          </a:xfrm>
+          <a:prstGeom prst="rect">
+            <a:avLst/>
+          </a:prstGeom>
+        </p:spPr>
+      </p:pic>
+      <p:pic>
+        <p:nvPicPr>
+          <p:cNvPr id="87" name="Graphic 86" descr="Lightning bolt with solid fill">
+            <a:extLst>
+              <a:ext uri="{FF2B5EF4-FFF2-40B4-BE49-F238E27FC236}">
+                <a16:creationId xmlns:a16="http://schemas.microsoft.com/office/drawing/2014/main" id="{0A1BD38C-E7C9-3E79-0770-F7566CDB0D8A}"/>
+              </a:ext>
+            </a:extLst>
+          </p:cNvPr>
+          <p:cNvPicPr>
+            <a:picLocks noChangeAspect="1"/>
+          </p:cNvPicPr>
+          <p:nvPr/>
+        </p:nvPicPr>
+        <p:blipFill>
+          <a:blip r:embed="rId3">
+            <a:extLst>
+              <a:ext uri="{96DAC541-7B7A-43D3-8B79-37D633B846F1}">
+                <asvg:svgBlip xmlns:asvg="http://schemas.microsoft.com/office/drawing/2016/SVG/main" r:embed="rId4"/>
+              </a:ext>
+            </a:extLst>
+          </a:blip>
+          <a:stretch>
+            <a:fillRect/>
+          </a:stretch>
+        </p:blipFill>
+        <p:spPr>
+          <a:xfrm rot="1707198">
+            <a:off x="3782891" y="1528238"/>
+            <a:ext cx="182880" cy="182880"/>
+          </a:xfrm>
+          <a:prstGeom prst="rect">
+            <a:avLst/>
+          </a:prstGeom>
+        </p:spPr>
+      </p:pic>
+      <p:pic>
+        <p:nvPicPr>
+          <p:cNvPr id="88" name="Graphic 87" descr="Lightning bolt with solid fill">
+            <a:extLst>
+              <a:ext uri="{FF2B5EF4-FFF2-40B4-BE49-F238E27FC236}">
+                <a16:creationId xmlns:a16="http://schemas.microsoft.com/office/drawing/2014/main" id="{03BA33B2-E012-5C1A-FE20-A28AFD67CC57}"/>
+              </a:ext>
+            </a:extLst>
+          </p:cNvPr>
+          <p:cNvPicPr>
+            <a:picLocks noChangeAspect="1"/>
+          </p:cNvPicPr>
+          <p:nvPr/>
+        </p:nvPicPr>
+        <p:blipFill>
+          <a:blip r:embed="rId3">
+            <a:extLst>
+              <a:ext uri="{96DAC541-7B7A-43D3-8B79-37D633B846F1}">
+                <asvg:svgBlip xmlns:asvg="http://schemas.microsoft.com/office/drawing/2016/SVG/main" r:embed="rId4"/>
+              </a:ext>
+            </a:extLst>
+          </a:blip>
+          <a:stretch>
+            <a:fillRect/>
+          </a:stretch>
+        </p:blipFill>
+        <p:spPr>
+          <a:xfrm rot="1707198">
+            <a:off x="3845669" y="1530357"/>
+            <a:ext cx="182880" cy="182880"/>
+          </a:xfrm>
+          <a:prstGeom prst="rect">
+            <a:avLst/>
+          </a:prstGeom>
+        </p:spPr>
+      </p:pic>
+      <p:sp>
+        <p:nvSpPr>
+          <p:cNvPr id="32" name="Cube 31">
+            <a:extLst>
+              <a:ext uri="{FF2B5EF4-FFF2-40B4-BE49-F238E27FC236}">
+                <a16:creationId xmlns:a16="http://schemas.microsoft.com/office/drawing/2014/main" id="{CED36775-5CE5-5CCD-E709-3E0D8E3C3D03}"/>
+              </a:ext>
+            </a:extLst>
+          </p:cNvPr>
+          <p:cNvSpPr>
+            <a:spLocks noChangeAspect="1"/>
+          </p:cNvSpPr>
+          <p:nvPr/>
+        </p:nvSpPr>
+        <p:spPr>
+          <a:xfrm>
+            <a:off x="4647118" y="2771275"/>
+            <a:ext cx="777495" cy="3239075"/>
+          </a:xfrm>
+          <a:prstGeom prst="cube">
+            <a:avLst>
+              <a:gd name="adj" fmla="val 98447"/>
+            </a:avLst>
+          </a:prstGeom>
+          <a:solidFill>
+            <a:schemeClr val="accent6">
+              <a:lumMod val="75000"/>
+            </a:schemeClr>
+          </a:solidFill>
+          <a:ln w="9525" cap="flat" cmpd="sng" algn="ctr">
+            <a:solidFill>
+              <a:schemeClr val="dk1"/>
+            </a:solidFill>
+            <a:prstDash val="sysDash"/>
+            <a:round/>
+            <a:headEnd type="none" w="med" len="med"/>
+            <a:tailEnd type="none" w="med" len="med"/>
+          </a:ln>
+        </p:spPr>
+        <p:style>
+          <a:lnRef idx="0">
+            <a:scrgbClr r="0" g="0" b="0"/>
+          </a:lnRef>
+          <a:fillRef idx="0">
+            <a:scrgbClr r="0" g="0" b="0"/>
+          </a:fillRef>
+          <a:effectRef idx="0">
+            <a:scrgbClr r="0" g="0" b="0"/>
+          </a:effectRef>
+          <a:fontRef idx="minor">
+            <a:schemeClr val="dk1"/>
+          </a:fontRef>
+        </p:style>
+        <p:txBody>
+          <a:bodyPr rtlCol="0" anchor="ctr"/>
+          <a:lstStyle/>
+          <a:p>
+            <a:pPr algn="ctr"/>
+            <a:endParaRPr lang="en-US"/>
+          </a:p>
+        </p:txBody>
+      </p:sp>
+      <p:sp>
+        <p:nvSpPr>
+          <p:cNvPr id="12" name="Cube 11">
+            <a:extLst>
+              <a:ext uri="{FF2B5EF4-FFF2-40B4-BE49-F238E27FC236}">
+                <a16:creationId xmlns:a16="http://schemas.microsoft.com/office/drawing/2014/main" id="{2455E006-CD00-D835-A778-85E3FDA29D02}"/>
+              </a:ext>
+            </a:extLst>
+          </p:cNvPr>
+          <p:cNvSpPr/>
+          <p:nvPr/>
+        </p:nvSpPr>
+        <p:spPr>
+          <a:xfrm>
+            <a:off x="5054056" y="3109126"/>
+            <a:ext cx="2373686" cy="2507342"/>
+          </a:xfrm>
+          <a:prstGeom prst="cube">
+            <a:avLst>
+              <a:gd name="adj" fmla="val 1811"/>
+            </a:avLst>
+          </a:prstGeom>
+          <a:ln>
+            <a:headEnd type="none" w="med" len="med"/>
+            <a:tailEnd type="none" w="med" len="med"/>
+          </a:ln>
+        </p:spPr>
+        <p:style>
+          <a:lnRef idx="2">
+            <a:schemeClr val="accent2">
+              <a:shade val="15000"/>
+            </a:schemeClr>
+          </a:lnRef>
+          <a:fillRef idx="1">
+            <a:schemeClr val="accent2"/>
+          </a:fillRef>
+          <a:effectRef idx="0">
+            <a:schemeClr val="accent2"/>
+          </a:effectRef>
+          <a:fontRef idx="minor">
+            <a:schemeClr val="lt1"/>
+          </a:fontRef>
+        </p:style>
+        <p:txBody>
+          <a:bodyPr rtlCol="0" anchor="ctr"/>
+          <a:lstStyle/>
+          <a:p>
+            <a:pPr algn="ctr"/>
+            <a:endParaRPr lang="en-US" dirty="0"/>
+          </a:p>
+        </p:txBody>
+      </p:sp>
+      <p:sp>
+        <p:nvSpPr>
+          <p:cNvPr id="11" name="Cube 10">
+            <a:extLst>
+              <a:ext uri="{FF2B5EF4-FFF2-40B4-BE49-F238E27FC236}">
+                <a16:creationId xmlns:a16="http://schemas.microsoft.com/office/drawing/2014/main" id="{3DD758D8-6BC9-10D8-84E6-F21FD8FED0C8}"/>
+              </a:ext>
+            </a:extLst>
+          </p:cNvPr>
+          <p:cNvSpPr/>
+          <p:nvPr/>
+        </p:nvSpPr>
+        <p:spPr>
+          <a:xfrm>
+            <a:off x="4640015" y="2795017"/>
+            <a:ext cx="3154617" cy="3239085"/>
+          </a:xfrm>
+          <a:prstGeom prst="cube">
+            <a:avLst>
+              <a:gd name="adj" fmla="val 24232"/>
+            </a:avLst>
+          </a:prstGeom>
+          <a:blipFill dpi="0" rotWithShape="1">
+            <a:blip r:embed="rId5">
+              <a:alphaModFix amt="61061"/>
+            </a:blip>
+            <a:srcRect/>
+            <a:tile tx="0" ty="0" sx="100000" sy="100000" flip="none" algn="tl"/>
+          </a:blipFill>
+          <a:ln w="9525" cap="flat" cmpd="sng" algn="ctr">
+            <a:gradFill>
+              <a:gsLst>
+                <a:gs pos="0">
+                  <a:schemeClr val="accent1">
+                    <a:lumMod val="5000"/>
+                    <a:lumOff val="95000"/>
+                    <a:alpha val="0"/>
+                  </a:schemeClr>
+                </a:gs>
+                <a:gs pos="74000">
+                  <a:schemeClr val="accent1">
+                    <a:lumMod val="45000"/>
+                    <a:lumOff val="55000"/>
+                  </a:schemeClr>
+                </a:gs>
+                <a:gs pos="83000">
+                  <a:schemeClr val="accent1">
+                    <a:lumMod val="45000"/>
+                    <a:lumOff val="55000"/>
+                  </a:schemeClr>
+                </a:gs>
+                <a:gs pos="100000">
+                  <a:schemeClr val="accent1">
+                    <a:lumMod val="30000"/>
+                    <a:lumOff val="70000"/>
+                  </a:schemeClr>
+                </a:gs>
+              </a:gsLst>
+              <a:lin ang="5400000" scaled="1"/>
+            </a:gradFill>
+            <a:prstDash val="solid"/>
+            <a:round/>
+            <a:headEnd type="none" w="med" len="med"/>
+            <a:tailEnd type="none" w="med" len="med"/>
+          </a:ln>
+        </p:spPr>
+        <p:style>
+          <a:lnRef idx="0">
+            <a:scrgbClr r="0" g="0" b="0"/>
+          </a:lnRef>
+          <a:fillRef idx="0">
+            <a:scrgbClr r="0" g="0" b="0"/>
+          </a:fillRef>
+          <a:effectRef idx="0">
+            <a:scrgbClr r="0" g="0" b="0"/>
+          </a:effectRef>
+          <a:fontRef idx="minor">
+            <a:schemeClr val="dk1"/>
+          </a:fontRef>
+        </p:style>
+        <p:txBody>
+          <a:bodyPr rtlCol="0" anchor="ctr"/>
+          <a:lstStyle/>
+          <a:p>
+            <a:pPr algn="ctr"/>
+            <a:endParaRPr lang="en-US" dirty="0"/>
+          </a:p>
+        </p:txBody>
+      </p:sp>
+      <p:cxnSp>
+        <p:nvCxnSpPr>
+          <p:cNvPr id="71" name="Straight Connector 70">
+            <a:extLst>
+              <a:ext uri="{FF2B5EF4-FFF2-40B4-BE49-F238E27FC236}">
+                <a16:creationId xmlns:a16="http://schemas.microsoft.com/office/drawing/2014/main" id="{36ACE591-EE7F-848B-107A-0A35EF3B88C7}"/>
+              </a:ext>
+            </a:extLst>
+          </p:cNvPr>
+          <p:cNvCxnSpPr>
+            <a:cxnSpLocks/>
+          </p:cNvCxnSpPr>
+          <p:nvPr/>
+        </p:nvCxnSpPr>
+        <p:spPr>
+          <a:xfrm>
+            <a:off x="3539746" y="3582067"/>
+            <a:ext cx="0" cy="2454660"/>
+          </a:xfrm>
+          <a:prstGeom prst="line">
+            <a:avLst/>
+          </a:prstGeom>
+          <a:ln w="9525" cap="flat" cmpd="sng" algn="ctr">
+            <a:solidFill>
+              <a:schemeClr val="dk1"/>
+            </a:solidFill>
+            <a:prstDash val="solid"/>
+            <a:round/>
+            <a:headEnd type="triangle" w="med" len="med"/>
+            <a:tailEnd type="triangle" w="med" len="med"/>
+          </a:ln>
+        </p:spPr>
+        <p:style>
+          <a:lnRef idx="0">
+            <a:scrgbClr r="0" g="0" b="0"/>
+          </a:lnRef>
+          <a:fillRef idx="0">
+            <a:scrgbClr r="0" g="0" b="0"/>
+          </a:fillRef>
+          <a:effectRef idx="0">
+            <a:scrgbClr r="0" g="0" b="0"/>
+          </a:effectRef>
+          <a:fontRef idx="minor">
+            <a:schemeClr val="tx1"/>
+          </a:fontRef>
+        </p:style>
+      </p:cxnSp>
+      <p:cxnSp>
+        <p:nvCxnSpPr>
+          <p:cNvPr id="75" name="Straight Connector 74">
+            <a:extLst>
+              <a:ext uri="{FF2B5EF4-FFF2-40B4-BE49-F238E27FC236}">
+                <a16:creationId xmlns:a16="http://schemas.microsoft.com/office/drawing/2014/main" id="{70F91C38-9B85-4ACD-D0DB-632BDAA4D5CF}"/>
+              </a:ext>
+            </a:extLst>
+          </p:cNvPr>
+          <p:cNvCxnSpPr>
+            <a:cxnSpLocks/>
+          </p:cNvCxnSpPr>
+          <p:nvPr/>
+        </p:nvCxnSpPr>
+        <p:spPr>
+          <a:xfrm flipH="1">
+            <a:off x="3526308" y="2782180"/>
+            <a:ext cx="811109" cy="799887"/>
+          </a:xfrm>
+          <a:prstGeom prst="line">
+            <a:avLst/>
+          </a:prstGeom>
+          <a:ln w="9525" cap="flat" cmpd="sng" algn="ctr">
+            <a:solidFill>
+              <a:schemeClr val="dk1"/>
+            </a:solidFill>
+            <a:prstDash val="solid"/>
+            <a:round/>
+            <a:headEnd type="triangle" w="med" len="med"/>
+            <a:tailEnd type="triangle" w="med" len="med"/>
+          </a:ln>
+        </p:spPr>
+        <p:style>
+          <a:lnRef idx="0">
+            <a:scrgbClr r="0" g="0" b="0"/>
+          </a:lnRef>
+          <a:fillRef idx="0">
+            <a:scrgbClr r="0" g="0" b="0"/>
+          </a:fillRef>
+          <a:effectRef idx="0">
+            <a:scrgbClr r="0" g="0" b="0"/>
+          </a:effectRef>
+          <a:fontRef idx="minor">
+            <a:schemeClr val="tx1"/>
+          </a:fontRef>
+        </p:style>
+      </p:cxnSp>
+      <p:cxnSp>
+        <p:nvCxnSpPr>
+          <p:cNvPr id="93" name="Straight Connector 92">
+            <a:extLst>
+              <a:ext uri="{FF2B5EF4-FFF2-40B4-BE49-F238E27FC236}">
+                <a16:creationId xmlns:a16="http://schemas.microsoft.com/office/drawing/2014/main" id="{0F010452-CBF7-3230-2E54-65DCD63181BF}"/>
+              </a:ext>
+            </a:extLst>
+          </p:cNvPr>
+          <p:cNvCxnSpPr>
+            <a:cxnSpLocks/>
+          </p:cNvCxnSpPr>
+          <p:nvPr/>
+        </p:nvCxnSpPr>
+        <p:spPr>
+          <a:xfrm flipH="1">
+            <a:off x="5405992" y="2282463"/>
+            <a:ext cx="2350297" cy="5518"/>
+          </a:xfrm>
+          <a:prstGeom prst="line">
+            <a:avLst/>
+          </a:prstGeom>
+          <a:ln w="9525" cap="flat" cmpd="sng" algn="ctr">
+            <a:solidFill>
+              <a:schemeClr val="dk1"/>
+            </a:solidFill>
+            <a:prstDash val="solid"/>
+            <a:round/>
+            <a:headEnd type="triangle" w="med" len="med"/>
+            <a:tailEnd type="triangle" w="med" len="med"/>
+          </a:ln>
+        </p:spPr>
+        <p:style>
+          <a:lnRef idx="0">
+            <a:scrgbClr r="0" g="0" b="0"/>
+          </a:lnRef>
+          <a:fillRef idx="0">
+            <a:scrgbClr r="0" g="0" b="0"/>
+          </a:fillRef>
+          <a:effectRef idx="0">
+            <a:scrgbClr r="0" g="0" b="0"/>
+          </a:effectRef>
+          <a:fontRef idx="minor">
+            <a:schemeClr val="tx1"/>
+          </a:fontRef>
+        </p:style>
+      </p:cxnSp>
+      <p:grpSp>
+        <p:nvGrpSpPr>
+          <p:cNvPr id="2" name="Group 1">
+            <a:extLst>
+              <a:ext uri="{FF2B5EF4-FFF2-40B4-BE49-F238E27FC236}">
+                <a16:creationId xmlns:a16="http://schemas.microsoft.com/office/drawing/2014/main" id="{33111405-3F41-AA40-56C8-47B55BB30846}"/>
+              </a:ext>
+            </a:extLst>
+          </p:cNvPr>
+          <p:cNvGrpSpPr/>
+          <p:nvPr/>
+        </p:nvGrpSpPr>
+        <p:grpSpPr>
+          <a:xfrm>
+            <a:off x="4638048" y="2432899"/>
+            <a:ext cx="3158482" cy="1115817"/>
+            <a:chOff x="4638048" y="2432899"/>
+            <a:chExt cx="3158482" cy="1115817"/>
+          </a:xfrm>
+        </p:grpSpPr>
+        <p:cxnSp>
+          <p:nvCxnSpPr>
+            <p:cNvPr id="108" name="Straight Connector 107">
+              <a:extLst>
+                <a:ext uri="{FF2B5EF4-FFF2-40B4-BE49-F238E27FC236}">
+                  <a16:creationId xmlns:a16="http://schemas.microsoft.com/office/drawing/2014/main" id="{19CD7F0F-4D52-E60C-1070-6BE2B8F32425}"/>
+                </a:ext>
+              </a:extLst>
+            </p:cNvPr>
+            <p:cNvCxnSpPr>
+              <a:cxnSpLocks/>
+            </p:cNvCxnSpPr>
+            <p:nvPr/>
+          </p:nvCxnSpPr>
+          <p:spPr>
+            <a:xfrm rot="5400000">
+              <a:off x="6860951" y="3370833"/>
+              <a:ext cx="343734" cy="0"/>
+            </a:xfrm>
+            <a:prstGeom prst="line">
+              <a:avLst/>
+            </a:prstGeom>
+            <a:ln w="19050" cap="flat" cmpd="sng" algn="ctr">
+              <a:solidFill>
+                <a:srgbClr val="004BB8"/>
+              </a:solidFill>
+              <a:prstDash val="solid"/>
+              <a:round/>
+              <a:headEnd type="none" w="med" len="med"/>
+              <a:tailEnd type="arrow" w="med" len="med"/>
+            </a:ln>
+          </p:spPr>
+          <p:style>
+            <a:lnRef idx="0">
+              <a:scrgbClr r="0" g="0" b="0"/>
+            </a:lnRef>
+            <a:fillRef idx="0">
+              <a:scrgbClr r="0" g="0" b="0"/>
+            </a:fillRef>
+            <a:effectRef idx="0">
+              <a:scrgbClr r="0" g="0" b="0"/>
+            </a:effectRef>
+            <a:fontRef idx="minor">
+              <a:schemeClr val="tx1"/>
+            </a:fontRef>
+          </p:style>
+        </p:cxnSp>
+        <p:cxnSp>
+          <p:nvCxnSpPr>
+            <p:cNvPr id="109" name="Straight Connector 108">
+              <a:extLst>
+                <a:ext uri="{FF2B5EF4-FFF2-40B4-BE49-F238E27FC236}">
+                  <a16:creationId xmlns:a16="http://schemas.microsoft.com/office/drawing/2014/main" id="{B7F5DA06-16E5-1AB2-69EA-01C72101F355}"/>
+                </a:ext>
+              </a:extLst>
+            </p:cNvPr>
+            <p:cNvCxnSpPr>
+              <a:cxnSpLocks/>
+            </p:cNvCxnSpPr>
+            <p:nvPr/>
+          </p:nvCxnSpPr>
+          <p:spPr>
+            <a:xfrm rot="5400000">
+              <a:off x="6489325" y="3370833"/>
+              <a:ext cx="343734" cy="0"/>
+            </a:xfrm>
+            <a:prstGeom prst="line">
+              <a:avLst/>
+            </a:prstGeom>
+            <a:ln w="19050" cap="flat" cmpd="sng" algn="ctr">
+              <a:solidFill>
+                <a:srgbClr val="004BB8"/>
+              </a:solidFill>
+              <a:prstDash val="solid"/>
+              <a:round/>
+              <a:headEnd type="none" w="med" len="med"/>
+              <a:tailEnd type="arrow" w="med" len="med"/>
+            </a:ln>
+          </p:spPr>
+          <p:style>
+            <a:lnRef idx="0">
+              <a:scrgbClr r="0" g="0" b="0"/>
+            </a:lnRef>
+            <a:fillRef idx="0">
+              <a:scrgbClr r="0" g="0" b="0"/>
+            </a:fillRef>
+            <a:effectRef idx="0">
+              <a:scrgbClr r="0" g="0" b="0"/>
+            </a:effectRef>
+            <a:fontRef idx="minor">
+              <a:schemeClr val="tx1"/>
+            </a:fontRef>
+          </p:style>
+        </p:cxnSp>
+        <p:cxnSp>
+          <p:nvCxnSpPr>
+            <p:cNvPr id="110" name="Straight Connector 109">
+              <a:extLst>
+                <a:ext uri="{FF2B5EF4-FFF2-40B4-BE49-F238E27FC236}">
+                  <a16:creationId xmlns:a16="http://schemas.microsoft.com/office/drawing/2014/main" id="{506E6474-41D9-D853-78AD-7FA28A525769}"/>
+                </a:ext>
+              </a:extLst>
+            </p:cNvPr>
+            <p:cNvCxnSpPr>
+              <a:cxnSpLocks/>
+            </p:cNvCxnSpPr>
+            <p:nvPr/>
+          </p:nvCxnSpPr>
+          <p:spPr>
+            <a:xfrm rot="5400000">
+              <a:off x="6097607" y="3369816"/>
+              <a:ext cx="343734" cy="0"/>
+            </a:xfrm>
+            <a:prstGeom prst="line">
+              <a:avLst/>
+            </a:prstGeom>
+            <a:ln w="19050" cap="flat" cmpd="sng" algn="ctr">
+              <a:solidFill>
+                <a:srgbClr val="004BB8"/>
+              </a:solidFill>
+              <a:prstDash val="solid"/>
+              <a:round/>
+              <a:headEnd type="none" w="med" len="med"/>
+              <a:tailEnd type="arrow" w="med" len="med"/>
+            </a:ln>
+          </p:spPr>
+          <p:style>
+            <a:lnRef idx="0">
+              <a:scrgbClr r="0" g="0" b="0"/>
+            </a:lnRef>
+            <a:fillRef idx="0">
+              <a:scrgbClr r="0" g="0" b="0"/>
+            </a:fillRef>
+            <a:effectRef idx="0">
+              <a:scrgbClr r="0" g="0" b="0"/>
+            </a:effectRef>
+            <a:fontRef idx="minor">
+              <a:schemeClr val="tx1"/>
+            </a:fontRef>
+          </p:style>
+        </p:cxnSp>
+        <p:cxnSp>
+          <p:nvCxnSpPr>
+            <p:cNvPr id="111" name="Straight Connector 110">
+              <a:extLst>
+                <a:ext uri="{FF2B5EF4-FFF2-40B4-BE49-F238E27FC236}">
+                  <a16:creationId xmlns:a16="http://schemas.microsoft.com/office/drawing/2014/main" id="{8DE738F7-5B97-6596-5DCE-1F7C903DB060}"/>
+                </a:ext>
+              </a:extLst>
+            </p:cNvPr>
+            <p:cNvCxnSpPr>
+              <a:cxnSpLocks/>
+            </p:cNvCxnSpPr>
+            <p:nvPr/>
+          </p:nvCxnSpPr>
+          <p:spPr>
+            <a:xfrm rot="5400000">
+              <a:off x="5690680" y="3376849"/>
+              <a:ext cx="343734" cy="0"/>
+            </a:xfrm>
+            <a:prstGeom prst="line">
+              <a:avLst/>
+            </a:prstGeom>
+            <a:ln w="19050" cap="flat" cmpd="sng" algn="ctr">
+              <a:solidFill>
+                <a:srgbClr val="004BB8"/>
+              </a:solidFill>
+              <a:prstDash val="solid"/>
+              <a:round/>
+              <a:headEnd type="none" w="med" len="med"/>
+              <a:tailEnd type="arrow" w="med" len="med"/>
+            </a:ln>
+          </p:spPr>
+          <p:style>
+            <a:lnRef idx="0">
+              <a:scrgbClr r="0" g="0" b="0"/>
+            </a:lnRef>
+            <a:fillRef idx="0">
+              <a:scrgbClr r="0" g="0" b="0"/>
+            </a:fillRef>
+            <a:effectRef idx="0">
+              <a:scrgbClr r="0" g="0" b="0"/>
+            </a:effectRef>
+            <a:fontRef idx="minor">
+              <a:schemeClr val="tx1"/>
+            </a:fontRef>
+          </p:style>
+        </p:cxnSp>
+        <p:cxnSp>
+          <p:nvCxnSpPr>
+            <p:cNvPr id="113" name="Straight Connector 112">
+              <a:extLst>
+                <a:ext uri="{FF2B5EF4-FFF2-40B4-BE49-F238E27FC236}">
+                  <a16:creationId xmlns:a16="http://schemas.microsoft.com/office/drawing/2014/main" id="{07703619-9CF9-7CB5-D423-ED0902F3D331}"/>
+                </a:ext>
+              </a:extLst>
+            </p:cNvPr>
+            <p:cNvCxnSpPr>
+              <a:cxnSpLocks/>
+            </p:cNvCxnSpPr>
+            <p:nvPr/>
+          </p:nvCxnSpPr>
+          <p:spPr>
+            <a:xfrm rot="5400000">
+              <a:off x="5314854" y="3376849"/>
+              <a:ext cx="343734" cy="0"/>
+            </a:xfrm>
+            <a:prstGeom prst="line">
+              <a:avLst/>
+            </a:prstGeom>
+            <a:ln w="19050" cap="flat" cmpd="sng" algn="ctr">
+              <a:solidFill>
+                <a:srgbClr val="004BB8"/>
+              </a:solidFill>
+              <a:prstDash val="solid"/>
+              <a:round/>
+              <a:headEnd type="none" w="med" len="med"/>
+              <a:tailEnd type="arrow" w="med" len="med"/>
+            </a:ln>
+          </p:spPr>
+          <p:style>
+            <a:lnRef idx="0">
+              <a:scrgbClr r="0" g="0" b="0"/>
+            </a:lnRef>
+            <a:fillRef idx="0">
+              <a:scrgbClr r="0" g="0" b="0"/>
+            </a:fillRef>
+            <a:effectRef idx="0">
+              <a:scrgbClr r="0" g="0" b="0"/>
+            </a:effectRef>
+            <a:fontRef idx="minor">
+              <a:schemeClr val="tx1"/>
+            </a:fontRef>
+          </p:style>
+        </p:cxnSp>
+        <p:cxnSp>
+          <p:nvCxnSpPr>
+            <p:cNvPr id="114" name="Straight Connector 113">
+              <a:extLst>
+                <a:ext uri="{FF2B5EF4-FFF2-40B4-BE49-F238E27FC236}">
+                  <a16:creationId xmlns:a16="http://schemas.microsoft.com/office/drawing/2014/main" id="{A9A68DF6-83D3-10FD-B6BC-A327553D25B6}"/>
+                </a:ext>
+              </a:extLst>
+            </p:cNvPr>
+            <p:cNvCxnSpPr>
+              <a:cxnSpLocks/>
+            </p:cNvCxnSpPr>
+            <p:nvPr/>
+          </p:nvCxnSpPr>
+          <p:spPr>
+            <a:xfrm rot="5400000">
+              <a:off x="4885012" y="3376849"/>
+              <a:ext cx="343734" cy="0"/>
+            </a:xfrm>
+            <a:prstGeom prst="line">
+              <a:avLst/>
+            </a:prstGeom>
+            <a:ln w="19050" cap="flat" cmpd="sng" algn="ctr">
+              <a:solidFill>
+                <a:srgbClr val="004BB8"/>
+              </a:solidFill>
+              <a:prstDash val="solid"/>
+              <a:round/>
+              <a:headEnd type="none" w="med" len="med"/>
+              <a:tailEnd type="arrow" w="med" len="med"/>
+            </a:ln>
+          </p:spPr>
+          <p:style>
+            <a:lnRef idx="0">
+              <a:scrgbClr r="0" g="0" b="0"/>
+            </a:lnRef>
+            <a:fillRef idx="0">
+              <a:scrgbClr r="0" g="0" b="0"/>
+            </a:fillRef>
+            <a:effectRef idx="0">
+              <a:scrgbClr r="0" g="0" b="0"/>
+            </a:effectRef>
+            <a:fontRef idx="minor">
+              <a:schemeClr val="tx1"/>
+            </a:fontRef>
+          </p:style>
+        </p:cxnSp>
+        <p:cxnSp>
+          <p:nvCxnSpPr>
+            <p:cNvPr id="115" name="Straight Connector 114">
+              <a:extLst>
+                <a:ext uri="{FF2B5EF4-FFF2-40B4-BE49-F238E27FC236}">
+                  <a16:creationId xmlns:a16="http://schemas.microsoft.com/office/drawing/2014/main" id="{A13F390C-28AA-97EC-F108-AD3C0F0BC787}"/>
+                </a:ext>
+              </a:extLst>
+            </p:cNvPr>
+            <p:cNvCxnSpPr>
+              <a:cxnSpLocks/>
+            </p:cNvCxnSpPr>
+            <p:nvPr/>
+          </p:nvCxnSpPr>
+          <p:spPr>
+            <a:xfrm rot="5400000">
+              <a:off x="4477274" y="3370833"/>
+              <a:ext cx="343734" cy="0"/>
+            </a:xfrm>
+            <a:prstGeom prst="line">
+              <a:avLst/>
+            </a:prstGeom>
+            <a:ln w="19050" cap="flat" cmpd="sng" algn="ctr">
+              <a:solidFill>
+                <a:srgbClr val="004BB8"/>
+              </a:solidFill>
+              <a:prstDash val="solid"/>
+              <a:round/>
+              <a:headEnd type="none" w="med" len="med"/>
+              <a:tailEnd type="arrow" w="med" len="med"/>
+            </a:ln>
+          </p:spPr>
+          <p:style>
+            <a:lnRef idx="0">
+              <a:scrgbClr r="0" g="0" b="0"/>
+            </a:lnRef>
+            <a:fillRef idx="0">
+              <a:scrgbClr r="0" g="0" b="0"/>
+            </a:fillRef>
+            <a:effectRef idx="0">
+              <a:scrgbClr r="0" g="0" b="0"/>
+            </a:effectRef>
+            <a:fontRef idx="minor">
+              <a:schemeClr val="tx1"/>
+            </a:fontRef>
+          </p:style>
+        </p:cxnSp>
+        <p:cxnSp>
+          <p:nvCxnSpPr>
+            <p:cNvPr id="118" name="Straight Connector 117">
+              <a:extLst>
+                <a:ext uri="{FF2B5EF4-FFF2-40B4-BE49-F238E27FC236}">
+                  <a16:creationId xmlns:a16="http://schemas.microsoft.com/office/drawing/2014/main" id="{9188B8DD-CF91-5102-9338-CB5F5C891F50}"/>
+                </a:ext>
+              </a:extLst>
+            </p:cNvPr>
+            <p:cNvCxnSpPr>
+              <a:cxnSpLocks/>
+            </p:cNvCxnSpPr>
+            <p:nvPr/>
+          </p:nvCxnSpPr>
+          <p:spPr>
+            <a:xfrm flipH="1">
+              <a:off x="4652126" y="3197949"/>
+              <a:ext cx="2393081" cy="9731"/>
+            </a:xfrm>
+            <a:prstGeom prst="line">
+              <a:avLst/>
+            </a:prstGeom>
+            <a:ln>
+              <a:solidFill>
+                <a:srgbClr val="004BB8"/>
+              </a:solidFill>
+            </a:ln>
+          </p:spPr>
+          <p:style>
+            <a:lnRef idx="2">
+              <a:schemeClr val="accent1"/>
+            </a:lnRef>
+            <a:fillRef idx="0">
+              <a:schemeClr val="accent1"/>
+            </a:fillRef>
+            <a:effectRef idx="1">
+              <a:schemeClr val="accent1"/>
+            </a:effectRef>
+            <a:fontRef idx="minor">
+              <a:schemeClr val="tx1"/>
+            </a:fontRef>
+          </p:style>
+        </p:cxnSp>
+        <p:grpSp>
+          <p:nvGrpSpPr>
+            <p:cNvPr id="131" name="Group 130">
+              <a:extLst>
+                <a:ext uri="{FF2B5EF4-FFF2-40B4-BE49-F238E27FC236}">
+                  <a16:creationId xmlns:a16="http://schemas.microsoft.com/office/drawing/2014/main" id="{092F9A0A-9A6C-1A98-AFE5-8E07DD9C0CBC}"/>
+                </a:ext>
+              </a:extLst>
+            </p:cNvPr>
+            <p:cNvGrpSpPr/>
+            <p:nvPr/>
+          </p:nvGrpSpPr>
+          <p:grpSpPr>
+            <a:xfrm>
+              <a:off x="5400464" y="2435943"/>
+              <a:ext cx="2396066" cy="350767"/>
+              <a:chOff x="4801541" y="3350349"/>
+              <a:chExt cx="2396066" cy="350767"/>
+            </a:xfrm>
+          </p:grpSpPr>
+          <p:cxnSp>
+            <p:nvCxnSpPr>
+              <p:cNvPr id="120" name="Straight Connector 119">
+                <a:extLst>
+                  <a:ext uri="{FF2B5EF4-FFF2-40B4-BE49-F238E27FC236}">
+                    <a16:creationId xmlns:a16="http://schemas.microsoft.com/office/drawing/2014/main" id="{3CD52903-118A-6BD6-A233-C58F95997559}"/>
+                  </a:ext>
+                </a:extLst>
+              </p:cNvPr>
+              <p:cNvCxnSpPr>
+                <a:cxnSpLocks/>
+              </p:cNvCxnSpPr>
+              <p:nvPr/>
+            </p:nvCxnSpPr>
+            <p:spPr>
+              <a:xfrm rot="5400000">
+                <a:off x="7013351" y="3523233"/>
+                <a:ext cx="343734" cy="0"/>
+              </a:xfrm>
+              <a:prstGeom prst="line">
+                <a:avLst/>
+              </a:prstGeom>
+              <a:ln w="19050" cap="flat" cmpd="sng" algn="ctr">
+                <a:solidFill>
+                  <a:srgbClr val="004BB8"/>
+                </a:solidFill>
+                <a:prstDash val="solid"/>
+                <a:round/>
+                <a:headEnd type="none" w="med" len="med"/>
+                <a:tailEnd type="arrow" w="med" len="med"/>
+              </a:ln>
+            </p:spPr>
+            <p:style>
+              <a:lnRef idx="0">
+                <a:scrgbClr r="0" g="0" b="0"/>
+              </a:lnRef>
+              <a:fillRef idx="0">
+                <a:scrgbClr r="0" g="0" b="0"/>
+              </a:fillRef>
+              <a:effectRef idx="0">
+                <a:scrgbClr r="0" g="0" b="0"/>
+              </a:effectRef>
+              <a:fontRef idx="minor">
+                <a:schemeClr val="tx1"/>
+              </a:fontRef>
+            </p:style>
+          </p:cxnSp>
+          <p:cxnSp>
+            <p:nvCxnSpPr>
+              <p:cNvPr id="121" name="Straight Connector 120">
+                <a:extLst>
+                  <a:ext uri="{FF2B5EF4-FFF2-40B4-BE49-F238E27FC236}">
+                    <a16:creationId xmlns:a16="http://schemas.microsoft.com/office/drawing/2014/main" id="{54C82200-B35F-9F17-A44C-08BD8BA56CEC}"/>
+                  </a:ext>
+                </a:extLst>
+              </p:cNvPr>
+              <p:cNvCxnSpPr>
+                <a:cxnSpLocks/>
+              </p:cNvCxnSpPr>
+              <p:nvPr/>
+            </p:nvCxnSpPr>
+            <p:spPr>
+              <a:xfrm rot="5400000">
+                <a:off x="6641725" y="3523233"/>
+                <a:ext cx="343734" cy="0"/>
+              </a:xfrm>
+              <a:prstGeom prst="line">
+                <a:avLst/>
+              </a:prstGeom>
+              <a:ln w="19050" cap="flat" cmpd="sng" algn="ctr">
+                <a:solidFill>
+                  <a:srgbClr val="004BB8"/>
+                </a:solidFill>
+                <a:prstDash val="solid"/>
+                <a:round/>
+                <a:headEnd type="none" w="med" len="med"/>
+                <a:tailEnd type="arrow" w="med" len="med"/>
+              </a:ln>
+            </p:spPr>
+            <p:style>
+              <a:lnRef idx="0">
+                <a:scrgbClr r="0" g="0" b="0"/>
+              </a:lnRef>
+              <a:fillRef idx="0">
+                <a:scrgbClr r="0" g="0" b="0"/>
+              </a:fillRef>
+              <a:effectRef idx="0">
+                <a:scrgbClr r="0" g="0" b="0"/>
+              </a:effectRef>
+              <a:fontRef idx="minor">
+                <a:schemeClr val="tx1"/>
+              </a:fontRef>
+            </p:style>
+          </p:cxnSp>
+          <p:cxnSp>
+            <p:nvCxnSpPr>
+              <p:cNvPr id="122" name="Straight Connector 121">
+                <a:extLst>
+                  <a:ext uri="{FF2B5EF4-FFF2-40B4-BE49-F238E27FC236}">
+                    <a16:creationId xmlns:a16="http://schemas.microsoft.com/office/drawing/2014/main" id="{829A1ECC-9D9E-932F-958B-C24B7373B50F}"/>
+                  </a:ext>
+                </a:extLst>
+              </p:cNvPr>
+              <p:cNvCxnSpPr>
+                <a:cxnSpLocks/>
+              </p:cNvCxnSpPr>
+              <p:nvPr/>
+            </p:nvCxnSpPr>
+            <p:spPr>
+              <a:xfrm rot="5400000">
+                <a:off x="6250007" y="3522216"/>
+                <a:ext cx="343734" cy="0"/>
+              </a:xfrm>
+              <a:prstGeom prst="line">
+                <a:avLst/>
+              </a:prstGeom>
+              <a:ln w="19050" cap="flat" cmpd="sng" algn="ctr">
+                <a:solidFill>
+                  <a:srgbClr val="004BB8"/>
+                </a:solidFill>
+                <a:prstDash val="solid"/>
+                <a:round/>
+                <a:headEnd type="none" w="med" len="med"/>
+                <a:tailEnd type="arrow" w="med" len="med"/>
+              </a:ln>
+            </p:spPr>
+            <p:style>
+              <a:lnRef idx="0">
+                <a:scrgbClr r="0" g="0" b="0"/>
+              </a:lnRef>
+              <a:fillRef idx="0">
+                <a:scrgbClr r="0" g="0" b="0"/>
+              </a:fillRef>
+              <a:effectRef idx="0">
+                <a:scrgbClr r="0" g="0" b="0"/>
+              </a:effectRef>
+              <a:fontRef idx="minor">
+                <a:schemeClr val="tx1"/>
+              </a:fontRef>
+            </p:style>
+          </p:cxnSp>
+          <p:cxnSp>
+            <p:nvCxnSpPr>
+              <p:cNvPr id="123" name="Straight Connector 122">
+                <a:extLst>
+                  <a:ext uri="{FF2B5EF4-FFF2-40B4-BE49-F238E27FC236}">
+                    <a16:creationId xmlns:a16="http://schemas.microsoft.com/office/drawing/2014/main" id="{CC9ADE13-BC9E-113C-8FAC-6599AEA55A31}"/>
+                  </a:ext>
+                </a:extLst>
+              </p:cNvPr>
+              <p:cNvCxnSpPr>
+                <a:cxnSpLocks/>
+              </p:cNvCxnSpPr>
+              <p:nvPr/>
+            </p:nvCxnSpPr>
+            <p:spPr>
+              <a:xfrm rot="5400000">
+                <a:off x="5843080" y="3529249"/>
+                <a:ext cx="343734" cy="0"/>
+              </a:xfrm>
+              <a:prstGeom prst="line">
+                <a:avLst/>
+              </a:prstGeom>
+              <a:ln w="19050" cap="flat" cmpd="sng" algn="ctr">
+                <a:solidFill>
+                  <a:srgbClr val="004BB8"/>
+                </a:solidFill>
+                <a:prstDash val="solid"/>
+                <a:round/>
+                <a:headEnd type="none" w="med" len="med"/>
+                <a:tailEnd type="arrow" w="med" len="med"/>
+              </a:ln>
+            </p:spPr>
+            <p:style>
+              <a:lnRef idx="0">
+                <a:scrgbClr r="0" g="0" b="0"/>
+              </a:lnRef>
+              <a:fillRef idx="0">
+                <a:scrgbClr r="0" g="0" b="0"/>
+              </a:fillRef>
+              <a:effectRef idx="0">
+                <a:scrgbClr r="0" g="0" b="0"/>
+              </a:effectRef>
+              <a:fontRef idx="minor">
+                <a:schemeClr val="tx1"/>
+              </a:fontRef>
+            </p:style>
+          </p:cxnSp>
+          <p:cxnSp>
+            <p:nvCxnSpPr>
+              <p:cNvPr id="127" name="Straight Connector 126">
+                <a:extLst>
+                  <a:ext uri="{FF2B5EF4-FFF2-40B4-BE49-F238E27FC236}">
+                    <a16:creationId xmlns:a16="http://schemas.microsoft.com/office/drawing/2014/main" id="{15A6112D-9B4C-7271-5760-538DF11C619B}"/>
+                  </a:ext>
+                </a:extLst>
+              </p:cNvPr>
+              <p:cNvCxnSpPr>
+                <a:cxnSpLocks/>
+              </p:cNvCxnSpPr>
+              <p:nvPr/>
+            </p:nvCxnSpPr>
+            <p:spPr>
+              <a:xfrm rot="5400000">
+                <a:off x="5467254" y="3529249"/>
+                <a:ext cx="343734" cy="0"/>
+              </a:xfrm>
+              <a:prstGeom prst="line">
+                <a:avLst/>
+              </a:prstGeom>
+              <a:ln w="19050" cap="flat" cmpd="sng" algn="ctr">
+                <a:solidFill>
+                  <a:srgbClr val="004BB8"/>
+                </a:solidFill>
+                <a:prstDash val="solid"/>
+                <a:round/>
+                <a:headEnd type="none" w="med" len="med"/>
+                <a:tailEnd type="arrow" w="med" len="med"/>
+              </a:ln>
+            </p:spPr>
+            <p:style>
+              <a:lnRef idx="0">
+                <a:scrgbClr r="0" g="0" b="0"/>
+              </a:lnRef>
+              <a:fillRef idx="0">
+                <a:scrgbClr r="0" g="0" b="0"/>
+              </a:fillRef>
+              <a:effectRef idx="0">
+                <a:scrgbClr r="0" g="0" b="0"/>
+              </a:effectRef>
+              <a:fontRef idx="minor">
+                <a:schemeClr val="tx1"/>
+              </a:fontRef>
+            </p:style>
+          </p:cxnSp>
+          <p:cxnSp>
+            <p:nvCxnSpPr>
+              <p:cNvPr id="128" name="Straight Connector 127">
+                <a:extLst>
+                  <a:ext uri="{FF2B5EF4-FFF2-40B4-BE49-F238E27FC236}">
+                    <a16:creationId xmlns:a16="http://schemas.microsoft.com/office/drawing/2014/main" id="{F50E5F58-FD8D-60C7-2AFA-87509CBFF82C}"/>
+                  </a:ext>
+                </a:extLst>
+              </p:cNvPr>
+              <p:cNvCxnSpPr>
+                <a:cxnSpLocks/>
+              </p:cNvCxnSpPr>
+              <p:nvPr/>
+            </p:nvCxnSpPr>
+            <p:spPr>
+              <a:xfrm rot="5400000">
+                <a:off x="5037412" y="3529249"/>
+                <a:ext cx="343734" cy="0"/>
+              </a:xfrm>
+              <a:prstGeom prst="line">
+                <a:avLst/>
+              </a:prstGeom>
+              <a:ln w="19050" cap="flat" cmpd="sng" algn="ctr">
+                <a:solidFill>
+                  <a:srgbClr val="004BB8"/>
+                </a:solidFill>
+                <a:prstDash val="solid"/>
+                <a:round/>
+                <a:headEnd type="none" w="med" len="med"/>
+                <a:tailEnd type="arrow" w="med" len="med"/>
+              </a:ln>
+            </p:spPr>
+            <p:style>
+              <a:lnRef idx="0">
+                <a:scrgbClr r="0" g="0" b="0"/>
+              </a:lnRef>
+              <a:fillRef idx="0">
+                <a:scrgbClr r="0" g="0" b="0"/>
+              </a:fillRef>
+              <a:effectRef idx="0">
+                <a:scrgbClr r="0" g="0" b="0"/>
+              </a:effectRef>
+              <a:fontRef idx="minor">
+                <a:schemeClr val="tx1"/>
+              </a:fontRef>
+            </p:style>
+          </p:cxnSp>
+          <p:cxnSp>
+            <p:nvCxnSpPr>
+              <p:cNvPr id="129" name="Straight Connector 128">
+                <a:extLst>
+                  <a:ext uri="{FF2B5EF4-FFF2-40B4-BE49-F238E27FC236}">
+                    <a16:creationId xmlns:a16="http://schemas.microsoft.com/office/drawing/2014/main" id="{DB51CEE5-DC65-202C-585D-791D8BB33077}"/>
+                  </a:ext>
+                </a:extLst>
+              </p:cNvPr>
+              <p:cNvCxnSpPr>
+                <a:cxnSpLocks/>
+              </p:cNvCxnSpPr>
+              <p:nvPr/>
+            </p:nvCxnSpPr>
+            <p:spPr>
+              <a:xfrm rot="5400000">
+                <a:off x="4629674" y="3523233"/>
+                <a:ext cx="343734" cy="0"/>
+              </a:xfrm>
+              <a:prstGeom prst="line">
+                <a:avLst/>
+              </a:prstGeom>
+              <a:ln w="19050" cap="flat" cmpd="sng" algn="ctr">
+                <a:solidFill>
+                  <a:srgbClr val="004BB8"/>
+                </a:solidFill>
+                <a:prstDash val="solid"/>
+                <a:round/>
+                <a:headEnd type="none" w="med" len="med"/>
+                <a:tailEnd type="arrow" w="med" len="med"/>
+              </a:ln>
+            </p:spPr>
+            <p:style>
+              <a:lnRef idx="0">
+                <a:scrgbClr r="0" g="0" b="0"/>
+              </a:lnRef>
+              <a:fillRef idx="0">
+                <a:scrgbClr r="0" g="0" b="0"/>
+              </a:fillRef>
+              <a:effectRef idx="0">
+                <a:scrgbClr r="0" g="0" b="0"/>
+              </a:effectRef>
+              <a:fontRef idx="minor">
+                <a:schemeClr val="tx1"/>
+              </a:fontRef>
+            </p:style>
+          </p:cxnSp>
+          <p:cxnSp>
+            <p:nvCxnSpPr>
+              <p:cNvPr id="130" name="Straight Connector 129">
+                <a:extLst>
+                  <a:ext uri="{FF2B5EF4-FFF2-40B4-BE49-F238E27FC236}">
+                    <a16:creationId xmlns:a16="http://schemas.microsoft.com/office/drawing/2014/main" id="{F8109AE9-6C5B-5B9D-BC46-D9E9A5E5C94F}"/>
+                  </a:ext>
+                </a:extLst>
+              </p:cNvPr>
+              <p:cNvCxnSpPr>
+                <a:cxnSpLocks/>
+              </p:cNvCxnSpPr>
+              <p:nvPr/>
+            </p:nvCxnSpPr>
+            <p:spPr>
+              <a:xfrm flipH="1">
+                <a:off x="4804526" y="3350349"/>
+                <a:ext cx="2393081" cy="9731"/>
+              </a:xfrm>
+              <a:prstGeom prst="line">
+                <a:avLst/>
+              </a:prstGeom>
+              <a:ln>
+                <a:solidFill>
+                  <a:srgbClr val="004BB8"/>
+                </a:solidFill>
+              </a:ln>
+            </p:spPr>
+            <p:style>
+              <a:lnRef idx="2">
+                <a:schemeClr val="accent1"/>
+              </a:lnRef>
+              <a:fillRef idx="0">
+                <a:schemeClr val="accent1"/>
+              </a:fillRef>
+              <a:effectRef idx="1">
+                <a:schemeClr val="accent1"/>
+              </a:effectRef>
+              <a:fontRef idx="minor">
+                <a:schemeClr val="tx1"/>
+              </a:fontRef>
+            </p:style>
+          </p:cxnSp>
+        </p:grpSp>
+        <p:cxnSp>
+          <p:nvCxnSpPr>
+            <p:cNvPr id="132" name="Straight Connector 131">
+              <a:extLst>
+                <a:ext uri="{FF2B5EF4-FFF2-40B4-BE49-F238E27FC236}">
+                  <a16:creationId xmlns:a16="http://schemas.microsoft.com/office/drawing/2014/main" id="{751809CF-CEF5-7B86-6B6A-AF5F09E4FDC1}"/>
+                </a:ext>
+              </a:extLst>
+            </p:cNvPr>
+            <p:cNvCxnSpPr/>
+            <p:nvPr/>
+          </p:nvCxnSpPr>
+          <p:spPr>
+            <a:xfrm flipH="1">
+              <a:off x="7030707" y="2432899"/>
+              <a:ext cx="765823" cy="766622"/>
+            </a:xfrm>
+            <a:prstGeom prst="line">
+              <a:avLst/>
+            </a:prstGeom>
+            <a:ln>
+              <a:solidFill>
+                <a:srgbClr val="004BB8"/>
+              </a:solidFill>
+            </a:ln>
+          </p:spPr>
+          <p:style>
+            <a:lnRef idx="2">
+              <a:schemeClr val="accent1"/>
+            </a:lnRef>
+            <a:fillRef idx="0">
+              <a:schemeClr val="accent1"/>
+            </a:fillRef>
+            <a:effectRef idx="1">
+              <a:schemeClr val="accent1"/>
+            </a:effectRef>
+            <a:fontRef idx="minor">
+              <a:schemeClr val="tx1"/>
+            </a:fontRef>
+          </p:style>
+        </p:cxnSp>
+        <p:cxnSp>
+          <p:nvCxnSpPr>
+            <p:cNvPr id="133" name="Straight Connector 132">
+              <a:extLst>
+                <a:ext uri="{FF2B5EF4-FFF2-40B4-BE49-F238E27FC236}">
+                  <a16:creationId xmlns:a16="http://schemas.microsoft.com/office/drawing/2014/main" id="{35EF9620-3E91-C983-AB92-0FD382BC4CA8}"/>
+                </a:ext>
+              </a:extLst>
+            </p:cNvPr>
+            <p:cNvCxnSpPr/>
+            <p:nvPr/>
+          </p:nvCxnSpPr>
+          <p:spPr>
+            <a:xfrm flipH="1">
+              <a:off x="4638048" y="2446382"/>
+              <a:ext cx="765823" cy="766622"/>
+            </a:xfrm>
+            <a:prstGeom prst="line">
+              <a:avLst/>
+            </a:prstGeom>
+            <a:ln>
+              <a:solidFill>
+                <a:srgbClr val="004BB8"/>
+              </a:solidFill>
+            </a:ln>
+          </p:spPr>
+          <p:style>
+            <a:lnRef idx="2">
+              <a:schemeClr val="accent1"/>
+            </a:lnRef>
+            <a:fillRef idx="0">
+              <a:schemeClr val="accent1"/>
+            </a:fillRef>
+            <a:effectRef idx="1">
+              <a:schemeClr val="accent1"/>
+            </a:effectRef>
+            <a:fontRef idx="minor">
+              <a:schemeClr val="tx1"/>
+            </a:fontRef>
+          </p:style>
+        </p:cxnSp>
+      </p:grpSp>
+      <p:cxnSp>
+        <p:nvCxnSpPr>
+          <p:cNvPr id="228" name="Straight Arrow Connector 227">
+            <a:extLst>
+              <a:ext uri="{FF2B5EF4-FFF2-40B4-BE49-F238E27FC236}">
+                <a16:creationId xmlns:a16="http://schemas.microsoft.com/office/drawing/2014/main" id="{514C2D57-0F5E-C9F2-4523-570CF0A3DBD5}"/>
+              </a:ext>
+            </a:extLst>
+          </p:cNvPr>
+          <p:cNvCxnSpPr/>
+          <p:nvPr/>
+        </p:nvCxnSpPr>
+        <p:spPr>
+          <a:xfrm>
+            <a:off x="6145130" y="4627353"/>
+            <a:ext cx="0" cy="363656"/>
+          </a:xfrm>
+          <a:prstGeom prst="straightConnector1">
+            <a:avLst/>
+          </a:prstGeom>
+          <a:ln w="19050" cap="flat" cmpd="sng" algn="ctr">
+            <a:solidFill>
+              <a:schemeClr val="dk1"/>
+            </a:solidFill>
+            <a:prstDash val="solid"/>
+            <a:round/>
+            <a:headEnd type="none" w="med" len="med"/>
+            <a:tailEnd type="arrow" w="med" len="med"/>
+          </a:ln>
+        </p:spPr>
+        <p:style>
+          <a:lnRef idx="0">
+            <a:scrgbClr r="0" g="0" b="0"/>
+          </a:lnRef>
+          <a:fillRef idx="0">
+            <a:scrgbClr r="0" g="0" b="0"/>
+          </a:fillRef>
+          <a:effectRef idx="0">
+            <a:scrgbClr r="0" g="0" b="0"/>
+          </a:effectRef>
+          <a:fontRef idx="minor">
+            <a:schemeClr val="tx1"/>
+          </a:fontRef>
+        </p:style>
+      </p:cxnSp>
+      <mc:AlternateContent xmlns:mc="http://schemas.openxmlformats.org/markup-compatibility/2006" xmlns:a14="http://schemas.microsoft.com/office/drawing/2010/main">
+        <mc:Choice Requires="a14">
+          <p:sp>
+            <p:nvSpPr>
+              <p:cNvPr id="229" name="TextBox 228">
+                <a:extLst>
+                  <a:ext uri="{FF2B5EF4-FFF2-40B4-BE49-F238E27FC236}">
+                    <a16:creationId xmlns:a16="http://schemas.microsoft.com/office/drawing/2014/main" id="{965FC6EA-33E9-0774-7545-7AA372CD862D}"/>
+                  </a:ext>
+                </a:extLst>
+              </p:cNvPr>
+              <p:cNvSpPr txBox="1"/>
+              <p:nvPr/>
+            </p:nvSpPr>
+            <p:spPr>
+              <a:xfrm>
+                <a:off x="6011055" y="4658466"/>
+                <a:ext cx="510146" cy="307777"/>
+              </a:xfrm>
+              <a:prstGeom prst="rect">
+                <a:avLst/>
+              </a:prstGeom>
+              <a:noFill/>
+            </p:spPr>
+            <p:txBody>
+              <a:bodyPr wrap="square">
+                <a:spAutoFit/>
+              </a:bodyPr>
+              <a:lstStyle/>
+              <a:p>
+                <a:pPr/>
+                <a14:m>
+                  <m:oMathPara xmlns:m="http://schemas.openxmlformats.org/officeDocument/2006/math">
+                    <m:oMathParaPr>
+                      <m:jc m:val="centerGroup"/>
+                    </m:oMathParaPr>
+                    <m:oMath xmlns:m="http://schemas.openxmlformats.org/officeDocument/2006/math">
+                      <m:r>
+                        <a:rPr lang="en-US" sz="1400" b="1" i="0" smtClean="0">
+                          <a:latin typeface="Cambria Math" panose="02040503050406030204" pitchFamily="18" charset="0"/>
+                        </a:rPr>
+                        <m:t>𝐠</m:t>
+                      </m:r>
+                    </m:oMath>
+                  </m:oMathPara>
+                </a14:m>
+                <a:endParaRPr lang="en-US" sz="1200" dirty="0"/>
+              </a:p>
+            </p:txBody>
+          </p:sp>
+        </mc:Choice>
+        <mc:Fallback xmlns="">
+          <p:sp>
+            <p:nvSpPr>
+              <p:cNvPr id="229" name="TextBox 228">
+                <a:extLst>
+                  <a:ext uri="{FF2B5EF4-FFF2-40B4-BE49-F238E27FC236}">
+                    <a16:creationId xmlns:a16="http://schemas.microsoft.com/office/drawing/2014/main" id="{FCD5F845-1CA2-B2EC-BCB8-C70B14F984E5}"/>
+                  </a:ext>
+                </a:extLst>
+              </p:cNvPr>
+              <p:cNvSpPr txBox="1">
+                <a:spLocks noRot="1" noChangeAspect="1" noMove="1" noResize="1" noEditPoints="1" noAdjustHandles="1" noChangeArrowheads="1" noChangeShapeType="1" noTextEdit="1"/>
+              </p:cNvSpPr>
+              <p:nvPr/>
+            </p:nvSpPr>
+            <p:spPr>
+              <a:xfrm>
+                <a:off x="6011055" y="4658466"/>
+                <a:ext cx="510146" cy="307777"/>
+              </a:xfrm>
+              <a:prstGeom prst="rect">
+                <a:avLst/>
+              </a:prstGeom>
+              <a:blipFill>
+                <a:blip r:embed="rId6"/>
+                <a:stretch>
+                  <a:fillRect/>
+                </a:stretch>
+              </a:blipFill>
+            </p:spPr>
+            <p:txBody>
+              <a:bodyPr/>
+              <a:lstStyle/>
+              <a:p>
+                <a:r>
+                  <a:rPr lang="en-US">
+                    <a:noFill/>
+                  </a:rPr>
+                  <a:t> </a:t>
+                </a:r>
+              </a:p>
+            </p:txBody>
+          </p:sp>
+        </mc:Fallback>
+      </mc:AlternateContent>
+      <mc:AlternateContent xmlns:mc="http://schemas.openxmlformats.org/markup-compatibility/2006">
+        <mc:Choice xmlns:a14="http://schemas.microsoft.com/office/drawing/2010/main" Requires="a14">
+          <p:sp>
+            <p:nvSpPr>
+              <p:cNvPr id="232" name="TextBox 231">
+                <a:extLst>
+                  <a:ext uri="{FF2B5EF4-FFF2-40B4-BE49-F238E27FC236}">
+                    <a16:creationId xmlns:a16="http://schemas.microsoft.com/office/drawing/2014/main" id="{27AEE348-AD2F-BE36-5483-58389864D98C}"/>
+                  </a:ext>
+                </a:extLst>
+              </p:cNvPr>
+              <p:cNvSpPr txBox="1"/>
+              <p:nvPr/>
+            </p:nvSpPr>
+            <p:spPr>
+              <a:xfrm>
+                <a:off x="5359809" y="2612307"/>
+                <a:ext cx="1722186" cy="516745"/>
+              </a:xfrm>
+              <a:prstGeom prst="rect">
+                <a:avLst/>
+              </a:prstGeom>
+              <a:noFill/>
+            </p:spPr>
+            <p:txBody>
+              <a:bodyPr wrap="square" lIns="0" tIns="0" rIns="0" bIns="0" rtlCol="0">
+                <a:spAutoFit/>
+              </a:bodyPr>
+              <a:lstStyle/>
+              <a:p>
+                <a:pPr/>
+                <a14:m>
+                  <m:oMathPara xmlns:m="http://schemas.openxmlformats.org/officeDocument/2006/math">
+                    <m:oMathParaPr>
+                      <m:jc m:val="centerGroup"/>
+                    </m:oMathParaPr>
+                    <m:oMath xmlns:m="http://schemas.openxmlformats.org/officeDocument/2006/math">
+                      <m:sSub>
+                        <m:sSubPr>
+                          <m:ctrlPr>
+                            <a:rPr lang="en-US" i="1" smtClean="0">
+                              <a:solidFill>
+                                <a:srgbClr val="004BB8"/>
+                              </a:solidFill>
+                              <a:latin typeface="Cambria Math" panose="02040503050406030204" pitchFamily="18" charset="0"/>
+                            </a:rPr>
+                          </m:ctrlPr>
+                        </m:sSubPr>
+                        <m:e>
+                          <m:r>
+                            <a:rPr lang="en-US" b="0" i="1" smtClean="0">
+                              <a:solidFill>
+                                <a:srgbClr val="004BB8"/>
+                              </a:solidFill>
+                              <a:latin typeface="Cambria Math" panose="02040503050406030204" pitchFamily="18" charset="0"/>
+                            </a:rPr>
+                            <m:t>𝜎</m:t>
+                          </m:r>
+                        </m:e>
+                        <m:sub>
+                          <m:r>
+                            <a:rPr lang="en-US" b="0" i="1" smtClean="0">
+                              <a:solidFill>
+                                <a:srgbClr val="004BB8"/>
+                              </a:solidFill>
+                              <a:latin typeface="Cambria Math" panose="02040503050406030204" pitchFamily="18" charset="0"/>
+                            </a:rPr>
+                            <m:t>𝑣</m:t>
+                          </m:r>
+                        </m:sub>
+                      </m:sSub>
+                      <m:r>
+                        <a:rPr lang="en-US" b="0" i="1">
+                          <a:solidFill>
+                            <a:srgbClr val="004BB8"/>
+                          </a:solidFill>
+                          <a:latin typeface="Cambria Math" panose="02040503050406030204" pitchFamily="18" charset="0"/>
+                        </a:rPr>
+                        <m:t>=</m:t>
+                      </m:r>
+                      <m:r>
+                        <a:rPr lang="en-US" b="0" i="1" smtClean="0">
+                          <a:solidFill>
+                            <a:srgbClr val="004BB8"/>
+                          </a:solidFill>
+                          <a:latin typeface="Cambria Math" panose="02040503050406030204" pitchFamily="18" charset="0"/>
+                        </a:rPr>
+                        <m:t>𝜌</m:t>
+                      </m:r>
+                      <m:r>
+                        <m:rPr>
+                          <m:sty m:val="p"/>
+                        </m:rPr>
+                        <a:rPr lang="en-US" b="0" i="1">
+                          <a:solidFill>
+                            <a:srgbClr val="004BB8"/>
+                          </a:solidFill>
+                          <a:latin typeface="Cambria Math" panose="02040503050406030204" pitchFamily="18" charset="0"/>
+                        </a:rPr>
+                        <m:t>g</m:t>
+                      </m:r>
+                      <m:r>
+                        <a:rPr lang="en-US" b="0" i="1">
+                          <a:solidFill>
+                            <a:srgbClr val="004BB8"/>
+                          </a:solidFill>
+                          <a:latin typeface="Cambria Math" panose="02040503050406030204" pitchFamily="18" charset="0"/>
+                        </a:rPr>
+                        <m:t>(</m:t>
+                      </m:r>
+                      <m:r>
+                        <a:rPr lang="en-US" b="0" i="1" smtClean="0">
+                          <a:solidFill>
+                            <a:srgbClr val="004BB8"/>
+                          </a:solidFill>
+                          <a:latin typeface="Cambria Math" panose="02040503050406030204" pitchFamily="18" charset="0"/>
+                        </a:rPr>
+                        <m:t>h</m:t>
+                      </m:r>
+                      <m:r>
+                        <a:rPr lang="en-US" b="0" i="1" smtClean="0">
+                          <a:solidFill>
+                            <a:srgbClr val="004BB8"/>
+                          </a:solidFill>
+                          <a:latin typeface="Cambria Math" panose="02040503050406030204" pitchFamily="18" charset="0"/>
+                        </a:rPr>
+                        <m:t>+</m:t>
+                      </m:r>
+                      <m:f>
+                        <m:fPr>
+                          <m:ctrlPr>
+                            <a:rPr lang="en-US" i="1" smtClean="0">
+                              <a:solidFill>
+                                <a:srgbClr val="004BB8"/>
+                              </a:solidFill>
+                              <a:latin typeface="Cambria Math" panose="02040503050406030204" pitchFamily="18" charset="0"/>
+                            </a:rPr>
+                          </m:ctrlPr>
+                        </m:fPr>
+                        <m:num>
+                          <m:r>
+                            <a:rPr lang="en-US" b="0" i="1" smtClean="0">
+                              <a:solidFill>
+                                <a:srgbClr val="004BB8"/>
+                              </a:solidFill>
+                              <a:latin typeface="Cambria Math" panose="02040503050406030204" pitchFamily="18" charset="0"/>
+                            </a:rPr>
+                            <m:t>𝐻</m:t>
+                          </m:r>
+                        </m:num>
+                        <m:den>
+                          <m:r>
+                            <a:rPr lang="en-US" b="0" i="1" smtClean="0">
+                              <a:solidFill>
+                                <a:srgbClr val="004BB8"/>
+                              </a:solidFill>
+                              <a:latin typeface="Cambria Math" panose="02040503050406030204" pitchFamily="18" charset="0"/>
+                            </a:rPr>
+                            <m:t>2</m:t>
+                          </m:r>
+                        </m:den>
+                      </m:f>
+                      <m:r>
+                        <a:rPr lang="en-US" b="0" i="1">
+                          <a:solidFill>
+                            <a:srgbClr val="004BB8"/>
+                          </a:solidFill>
+                          <a:latin typeface="Cambria Math" panose="02040503050406030204" pitchFamily="18" charset="0"/>
+                        </a:rPr>
+                        <m:t>)</m:t>
+                      </m:r>
+                    </m:oMath>
+                  </m:oMathPara>
+                </a14:m>
+                <a:endParaRPr lang="en-US" dirty="0">
+                  <a:solidFill>
+                    <a:srgbClr val="004BB8"/>
+                  </a:solidFill>
+                  <a:latin typeface="Times New Roman" panose="02020603050405020304" pitchFamily="18" charset="0"/>
+                  <a:cs typeface="Times New Roman" panose="02020603050405020304" pitchFamily="18" charset="0"/>
+                </a:endParaRPr>
+              </a:p>
+            </p:txBody>
+          </p:sp>
+        </mc:Choice>
+        <mc:Fallback>
+          <p:sp>
+            <p:nvSpPr>
+              <p:cNvPr id="232" name="TextBox 231">
+                <a:extLst>
+                  <a:ext uri="{FF2B5EF4-FFF2-40B4-BE49-F238E27FC236}">
+                    <a16:creationId xmlns:a16="http://schemas.microsoft.com/office/drawing/2014/main" id="{27AEE348-AD2F-BE36-5483-58389864D98C}"/>
+                  </a:ext>
+                </a:extLst>
+              </p:cNvPr>
+              <p:cNvSpPr txBox="1">
+                <a:spLocks noRot="1" noChangeAspect="1" noMove="1" noResize="1" noEditPoints="1" noAdjustHandles="1" noChangeArrowheads="1" noChangeShapeType="1" noTextEdit="1"/>
+              </p:cNvSpPr>
+              <p:nvPr/>
+            </p:nvSpPr>
+            <p:spPr>
+              <a:xfrm>
+                <a:off x="5359809" y="2612307"/>
+                <a:ext cx="1722186" cy="516745"/>
+              </a:xfrm>
+              <a:prstGeom prst="rect">
+                <a:avLst/>
+              </a:prstGeom>
+              <a:blipFill>
+                <a:blip r:embed="rId7"/>
+                <a:stretch>
+                  <a:fillRect t="-2381" r="-730" b="-14286"/>
+                </a:stretch>
+              </a:blipFill>
+            </p:spPr>
+            <p:txBody>
+              <a:bodyPr/>
+              <a:lstStyle/>
+              <a:p>
+                <a:r>
+                  <a:rPr lang="en-US">
+                    <a:noFill/>
+                  </a:rPr>
+                  <a:t> </a:t>
+                </a:r>
+              </a:p>
+            </p:txBody>
+          </p:sp>
+        </mc:Fallback>
+      </mc:AlternateContent>
+      <p:cxnSp>
+        <p:nvCxnSpPr>
+          <p:cNvPr id="233" name="Straight Connector 232">
+            <a:extLst>
+              <a:ext uri="{FF2B5EF4-FFF2-40B4-BE49-F238E27FC236}">
+                <a16:creationId xmlns:a16="http://schemas.microsoft.com/office/drawing/2014/main" id="{84408090-7FF5-62E0-4A42-777B3F60DD77}"/>
+              </a:ext>
+            </a:extLst>
+          </p:cNvPr>
+          <p:cNvCxnSpPr>
+            <a:cxnSpLocks/>
+          </p:cNvCxnSpPr>
+          <p:nvPr/>
+        </p:nvCxnSpPr>
+        <p:spPr>
+          <a:xfrm>
+            <a:off x="1792224" y="1982259"/>
+            <a:ext cx="7305477" cy="43300"/>
+          </a:xfrm>
+          <a:prstGeom prst="line">
+            <a:avLst/>
+          </a:prstGeom>
+          <a:ln/>
+        </p:spPr>
+        <p:style>
+          <a:lnRef idx="3">
+            <a:schemeClr val="accent4"/>
+          </a:lnRef>
+          <a:fillRef idx="0">
+            <a:schemeClr val="accent4"/>
+          </a:fillRef>
+          <a:effectRef idx="2">
+            <a:schemeClr val="accent4"/>
+          </a:effectRef>
+          <a:fontRef idx="minor">
+            <a:schemeClr val="tx1"/>
+          </a:fontRef>
+        </p:style>
+      </p:cxnSp>
+      <p:cxnSp>
+        <p:nvCxnSpPr>
+          <p:cNvPr id="234" name="Straight Connector 233">
+            <a:extLst>
+              <a:ext uri="{FF2B5EF4-FFF2-40B4-BE49-F238E27FC236}">
+                <a16:creationId xmlns:a16="http://schemas.microsoft.com/office/drawing/2014/main" id="{479230A8-E027-8B9D-B211-795AB2950FA1}"/>
+              </a:ext>
+            </a:extLst>
+          </p:cNvPr>
+          <p:cNvCxnSpPr>
+            <a:cxnSpLocks/>
+          </p:cNvCxnSpPr>
+          <p:nvPr/>
+        </p:nvCxnSpPr>
+        <p:spPr>
+          <a:xfrm flipH="1">
+            <a:off x="2637351" y="2002638"/>
+            <a:ext cx="8732" cy="2441836"/>
+          </a:xfrm>
+          <a:prstGeom prst="line">
+            <a:avLst/>
+          </a:prstGeom>
+          <a:ln w="9525" cap="flat" cmpd="sng" algn="ctr">
+            <a:solidFill>
+              <a:schemeClr val="dk1"/>
+            </a:solidFill>
+            <a:prstDash val="solid"/>
+            <a:round/>
+            <a:headEnd type="triangle" w="med" len="med"/>
+            <a:tailEnd type="triangle" w="med" len="med"/>
+          </a:ln>
+        </p:spPr>
+        <p:style>
+          <a:lnRef idx="0">
+            <a:scrgbClr r="0" g="0" b="0"/>
+          </a:lnRef>
+          <a:fillRef idx="0">
+            <a:scrgbClr r="0" g="0" b="0"/>
+          </a:fillRef>
+          <a:effectRef idx="0">
+            <a:scrgbClr r="0" g="0" b="0"/>
+          </a:effectRef>
+          <a:fontRef idx="minor">
+            <a:schemeClr val="tx1"/>
+          </a:fontRef>
+        </p:style>
+      </p:cxnSp>
+      <p:cxnSp>
+        <p:nvCxnSpPr>
+          <p:cNvPr id="235" name="Straight Connector 234">
+            <a:extLst>
+              <a:ext uri="{FF2B5EF4-FFF2-40B4-BE49-F238E27FC236}">
+                <a16:creationId xmlns:a16="http://schemas.microsoft.com/office/drawing/2014/main" id="{2A8D7521-CC2E-8EC6-28BA-047958CCAD32}"/>
+              </a:ext>
+            </a:extLst>
+          </p:cNvPr>
+          <p:cNvCxnSpPr>
+            <a:cxnSpLocks/>
+          </p:cNvCxnSpPr>
+          <p:nvPr/>
+        </p:nvCxnSpPr>
+        <p:spPr>
+          <a:xfrm>
+            <a:off x="2642814" y="1516563"/>
+            <a:ext cx="0" cy="454152"/>
+          </a:xfrm>
+          <a:prstGeom prst="line">
+            <a:avLst/>
+          </a:prstGeom>
+          <a:ln w="9525" cap="flat" cmpd="sng" algn="ctr">
+            <a:solidFill>
+              <a:schemeClr val="dk1"/>
+            </a:solidFill>
+            <a:prstDash val="solid"/>
+            <a:round/>
+            <a:headEnd type="triangle" w="med" len="med"/>
+            <a:tailEnd type="triangle" w="med" len="med"/>
+          </a:ln>
+        </p:spPr>
+        <p:style>
+          <a:lnRef idx="0">
+            <a:scrgbClr r="0" g="0" b="0"/>
+          </a:lnRef>
+          <a:fillRef idx="0">
+            <a:scrgbClr r="0" g="0" b="0"/>
+          </a:fillRef>
+          <a:effectRef idx="0">
+            <a:scrgbClr r="0" g="0" b="0"/>
+          </a:effectRef>
+          <a:fontRef idx="minor">
+            <a:schemeClr val="tx1"/>
+          </a:fontRef>
+        </p:style>
+      </p:cxnSp>
+      <mc:AlternateContent xmlns:mc="http://schemas.openxmlformats.org/markup-compatibility/2006" xmlns:a14="http://schemas.microsoft.com/office/drawing/2010/main">
+        <mc:Choice Requires="a14">
+          <p:sp>
+            <p:nvSpPr>
+              <p:cNvPr id="239" name="TextBox 238">
+                <a:extLst>
+                  <a:ext uri="{FF2B5EF4-FFF2-40B4-BE49-F238E27FC236}">
+                    <a16:creationId xmlns:a16="http://schemas.microsoft.com/office/drawing/2014/main" id="{61B1E86C-D84C-109F-016F-2C7847686CD4}"/>
+                  </a:ext>
+                </a:extLst>
+              </p:cNvPr>
+              <p:cNvSpPr txBox="1"/>
+              <p:nvPr/>
+            </p:nvSpPr>
+            <p:spPr>
+              <a:xfrm>
+                <a:off x="2705593" y="1586774"/>
+                <a:ext cx="410472" cy="235834"/>
+              </a:xfrm>
+              <a:prstGeom prst="rect">
+                <a:avLst/>
+              </a:prstGeom>
+              <a:noFill/>
+            </p:spPr>
+            <p:txBody>
+              <a:bodyPr wrap="square" lIns="0" tIns="0" rIns="0" bIns="0" rtlCol="0">
+                <a:spAutoFit/>
+              </a:bodyPr>
+              <a:lstStyle/>
+              <a:p>
+                <a:pPr/>
+                <a14:m>
+                  <m:oMathPara xmlns:m="http://schemas.openxmlformats.org/officeDocument/2006/math">
+                    <m:oMathParaPr>
+                      <m:jc m:val="centerGroup"/>
+                    </m:oMathParaPr>
+                    <m:oMath xmlns:m="http://schemas.openxmlformats.org/officeDocument/2006/math">
+                      <m:sSub>
+                        <m:sSubPr>
+                          <m:ctrlPr>
+                            <a:rPr lang="en-US" sz="1400" b="0" i="1" smtClean="0">
+                              <a:solidFill>
+                                <a:schemeClr val="accent1">
+                                  <a:lumMod val="40000"/>
+                                  <a:lumOff val="60000"/>
+                                </a:schemeClr>
+                              </a:solidFill>
+                              <a:latin typeface="Cambria Math" panose="02040503050406030204" pitchFamily="18" charset="0"/>
+                            </a:rPr>
+                          </m:ctrlPr>
+                        </m:sSubPr>
+                        <m:e>
+                          <m:r>
+                            <a:rPr lang="en-US" sz="1400" b="0" i="1" smtClean="0">
+                              <a:solidFill>
+                                <a:schemeClr val="accent1">
+                                  <a:lumMod val="40000"/>
+                                  <a:lumOff val="60000"/>
+                                </a:schemeClr>
+                              </a:solidFill>
+                              <a:latin typeface="Cambria Math" panose="02040503050406030204" pitchFamily="18" charset="0"/>
+                            </a:rPr>
+                            <m:t>h</m:t>
+                          </m:r>
+                        </m:e>
+                        <m:sub>
+                          <m:r>
+                            <a:rPr lang="en-US" sz="1400" b="0" i="1" smtClean="0">
+                              <a:solidFill>
+                                <a:schemeClr val="accent1">
+                                  <a:lumMod val="40000"/>
+                                  <a:lumOff val="60000"/>
+                                </a:schemeClr>
+                              </a:solidFill>
+                              <a:latin typeface="Cambria Math" panose="02040503050406030204" pitchFamily="18" charset="0"/>
+                            </a:rPr>
+                            <m:t>𝑔𝑤</m:t>
+                          </m:r>
+                        </m:sub>
+                      </m:sSub>
+                    </m:oMath>
+                  </m:oMathPara>
+                </a14:m>
+                <a:endParaRPr lang="en-US" sz="1400" dirty="0">
+                  <a:solidFill>
+                    <a:schemeClr val="accent1">
+                      <a:lumMod val="40000"/>
+                      <a:lumOff val="60000"/>
+                    </a:schemeClr>
+                  </a:solidFill>
+                  <a:latin typeface="Times New Roman" panose="02020603050405020304" pitchFamily="18" charset="0"/>
+                  <a:cs typeface="Times New Roman" panose="02020603050405020304" pitchFamily="18" charset="0"/>
+                </a:endParaRPr>
+              </a:p>
+            </p:txBody>
+          </p:sp>
+        </mc:Choice>
+        <mc:Fallback xmlns="">
+          <p:sp>
+            <p:nvSpPr>
+              <p:cNvPr id="239" name="TextBox 238">
+                <a:extLst>
+                  <a:ext uri="{FF2B5EF4-FFF2-40B4-BE49-F238E27FC236}">
+                    <a16:creationId xmlns:a16="http://schemas.microsoft.com/office/drawing/2014/main" id="{063AB4E8-A01A-689C-5746-358A8EE3FFB0}"/>
+                  </a:ext>
+                </a:extLst>
+              </p:cNvPr>
+              <p:cNvSpPr txBox="1">
+                <a:spLocks noRot="1" noChangeAspect="1" noMove="1" noResize="1" noEditPoints="1" noAdjustHandles="1" noChangeArrowheads="1" noChangeShapeType="1" noTextEdit="1"/>
+              </p:cNvSpPr>
+              <p:nvPr/>
+            </p:nvSpPr>
+            <p:spPr>
+              <a:xfrm>
+                <a:off x="2705593" y="1586774"/>
+                <a:ext cx="410472" cy="235834"/>
+              </a:xfrm>
+              <a:prstGeom prst="rect">
+                <a:avLst/>
+              </a:prstGeom>
+              <a:blipFill>
+                <a:blip r:embed="rId8"/>
+                <a:stretch>
+                  <a:fillRect l="-3030" b="-15000"/>
+                </a:stretch>
+              </a:blipFill>
+            </p:spPr>
+            <p:txBody>
+              <a:bodyPr/>
+              <a:lstStyle/>
+              <a:p>
+                <a:r>
+                  <a:rPr lang="en-US">
+                    <a:noFill/>
+                  </a:rPr>
+                  <a:t> </a:t>
+                </a:r>
+              </a:p>
+            </p:txBody>
+          </p:sp>
+        </mc:Fallback>
+      </mc:AlternateContent>
+      <mc:AlternateContent xmlns:mc="http://schemas.openxmlformats.org/markup-compatibility/2006" xmlns:a14="http://schemas.microsoft.com/office/drawing/2010/main">
+        <mc:Choice Requires="a14">
+          <p:sp>
+            <p:nvSpPr>
+              <p:cNvPr id="240" name="TextBox 239">
+                <a:extLst>
+                  <a:ext uri="{FF2B5EF4-FFF2-40B4-BE49-F238E27FC236}">
+                    <a16:creationId xmlns:a16="http://schemas.microsoft.com/office/drawing/2014/main" id="{D12CBB9A-9CAC-B560-DC0D-23ECF51D1D5F}"/>
+                  </a:ext>
+                </a:extLst>
+              </p:cNvPr>
+              <p:cNvSpPr txBox="1"/>
+              <p:nvPr/>
+            </p:nvSpPr>
+            <p:spPr>
+              <a:xfrm>
+                <a:off x="2623181" y="2990309"/>
+                <a:ext cx="758700" cy="232949"/>
+              </a:xfrm>
+              <a:prstGeom prst="rect">
+                <a:avLst/>
+              </a:prstGeom>
+              <a:noFill/>
+            </p:spPr>
+            <p:txBody>
+              <a:bodyPr wrap="square" lIns="0" tIns="0" rIns="0" bIns="0" rtlCol="0">
+                <a:spAutoFit/>
+              </a:bodyPr>
+              <a:lstStyle/>
+              <a:p>
+                <a:pPr/>
+                <a14:m>
+                  <m:oMathPara xmlns:m="http://schemas.openxmlformats.org/officeDocument/2006/math">
+                    <m:oMathParaPr>
+                      <m:jc m:val="centerGroup"/>
+                    </m:oMathParaPr>
+                    <m:oMath xmlns:m="http://schemas.openxmlformats.org/officeDocument/2006/math">
+                      <m:r>
+                        <a:rPr lang="en-US" sz="1400" b="0" i="1" smtClean="0">
+                          <a:solidFill>
+                            <a:schemeClr val="accent1">
+                              <a:lumMod val="40000"/>
+                              <a:lumOff val="60000"/>
+                            </a:schemeClr>
+                          </a:solidFill>
+                          <a:latin typeface="Cambria Math" panose="02040503050406030204" pitchFamily="18" charset="0"/>
+                        </a:rPr>
+                        <m:t>h</m:t>
+                      </m:r>
+                      <m:r>
+                        <a:rPr lang="en-US" sz="1400" b="0" i="1" smtClean="0">
+                          <a:solidFill>
+                            <a:schemeClr val="accent1">
+                              <a:lumMod val="40000"/>
+                              <a:lumOff val="60000"/>
+                            </a:schemeClr>
+                          </a:solidFill>
+                          <a:latin typeface="Cambria Math" panose="02040503050406030204" pitchFamily="18" charset="0"/>
+                        </a:rPr>
+                        <m:t>−</m:t>
+                      </m:r>
+                      <m:sSub>
+                        <m:sSubPr>
+                          <m:ctrlPr>
+                            <a:rPr lang="en-US" sz="1400" b="0" i="1" smtClean="0">
+                              <a:solidFill>
+                                <a:schemeClr val="accent1">
+                                  <a:lumMod val="40000"/>
+                                  <a:lumOff val="60000"/>
+                                </a:schemeClr>
+                              </a:solidFill>
+                              <a:latin typeface="Cambria Math" panose="02040503050406030204" pitchFamily="18" charset="0"/>
+                            </a:rPr>
+                          </m:ctrlPr>
+                        </m:sSubPr>
+                        <m:e>
+                          <m:r>
+                            <a:rPr lang="en-US" sz="1400" b="0" i="1" smtClean="0">
+                              <a:solidFill>
+                                <a:schemeClr val="accent1">
+                                  <a:lumMod val="40000"/>
+                                  <a:lumOff val="60000"/>
+                                </a:schemeClr>
+                              </a:solidFill>
+                              <a:latin typeface="Cambria Math" panose="02040503050406030204" pitchFamily="18" charset="0"/>
+                            </a:rPr>
+                            <m:t>h</m:t>
+                          </m:r>
+                        </m:e>
+                        <m:sub>
+                          <m:r>
+                            <a:rPr lang="en-US" sz="1400" b="0" i="1" smtClean="0">
+                              <a:solidFill>
+                                <a:schemeClr val="accent1">
+                                  <a:lumMod val="40000"/>
+                                  <a:lumOff val="60000"/>
+                                </a:schemeClr>
+                              </a:solidFill>
+                              <a:latin typeface="Cambria Math" panose="02040503050406030204" pitchFamily="18" charset="0"/>
+                            </a:rPr>
+                            <m:t>𝑔𝑤</m:t>
+                          </m:r>
+                        </m:sub>
+                      </m:sSub>
+                    </m:oMath>
+                  </m:oMathPara>
+                </a14:m>
+                <a:endParaRPr lang="en-US" sz="1400" dirty="0">
+                  <a:solidFill>
+                    <a:schemeClr val="accent1">
+                      <a:lumMod val="40000"/>
+                      <a:lumOff val="60000"/>
+                    </a:schemeClr>
+                  </a:solidFill>
+                  <a:latin typeface="Times New Roman" panose="02020603050405020304" pitchFamily="18" charset="0"/>
+                  <a:cs typeface="Times New Roman" panose="02020603050405020304" pitchFamily="18" charset="0"/>
+                </a:endParaRPr>
+              </a:p>
+            </p:txBody>
+          </p:sp>
+        </mc:Choice>
+        <mc:Fallback xmlns="">
+          <p:sp>
+            <p:nvSpPr>
+              <p:cNvPr id="240" name="TextBox 239">
+                <a:extLst>
+                  <a:ext uri="{FF2B5EF4-FFF2-40B4-BE49-F238E27FC236}">
+                    <a16:creationId xmlns:a16="http://schemas.microsoft.com/office/drawing/2014/main" id="{8B8373D2-6B18-3C24-C97D-74DB6CC0AE5A}"/>
+                  </a:ext>
+                </a:extLst>
+              </p:cNvPr>
+              <p:cNvSpPr txBox="1">
+                <a:spLocks noRot="1" noChangeAspect="1" noMove="1" noResize="1" noEditPoints="1" noAdjustHandles="1" noChangeArrowheads="1" noChangeShapeType="1" noTextEdit="1"/>
+              </p:cNvSpPr>
+              <p:nvPr/>
+            </p:nvSpPr>
+            <p:spPr>
+              <a:xfrm>
+                <a:off x="2623181" y="2990309"/>
+                <a:ext cx="758700" cy="232949"/>
+              </a:xfrm>
+              <a:prstGeom prst="rect">
+                <a:avLst/>
+              </a:prstGeom>
+              <a:blipFill>
+                <a:blip r:embed="rId9"/>
+                <a:stretch>
+                  <a:fillRect b="-21053"/>
+                </a:stretch>
+              </a:blipFill>
+            </p:spPr>
+            <p:txBody>
+              <a:bodyPr/>
+              <a:lstStyle/>
+              <a:p>
+                <a:r>
+                  <a:rPr lang="en-US">
+                    <a:noFill/>
+                  </a:rPr>
+                  <a:t> </a:t>
+                </a:r>
+              </a:p>
+            </p:txBody>
+          </p:sp>
+        </mc:Fallback>
+      </mc:AlternateContent>
+      <p:sp>
+        <p:nvSpPr>
+          <p:cNvPr id="242" name="TextBox 241">
+            <a:extLst>
+              <a:ext uri="{FF2B5EF4-FFF2-40B4-BE49-F238E27FC236}">
+                <a16:creationId xmlns:a16="http://schemas.microsoft.com/office/drawing/2014/main" id="{26D25E53-F38A-88FF-5C7B-3D1AEE098843}"/>
+              </a:ext>
+            </a:extLst>
+          </p:cNvPr>
+          <p:cNvSpPr txBox="1"/>
+          <p:nvPr/>
+        </p:nvSpPr>
+        <p:spPr>
+          <a:xfrm>
+            <a:off x="5223045" y="3884616"/>
+            <a:ext cx="659155" cy="369332"/>
+          </a:xfrm>
+          <a:prstGeom prst="rect">
+            <a:avLst/>
+          </a:prstGeom>
+          <a:noFill/>
+          <a:ln>
+            <a:noFill/>
+          </a:ln>
+        </p:spPr>
+        <p:txBody>
+          <a:bodyPr wrap="none" rtlCol="0">
+            <a:spAutoFit/>
+          </a:bodyPr>
+          <a:lstStyle/>
+          <a:p>
+            <a:r>
+              <a:rPr lang="en-US" dirty="0">
+                <a:solidFill>
+                  <a:schemeClr val="accent2">
+                    <a:lumMod val="75000"/>
+                  </a:schemeClr>
+                </a:solidFill>
+                <a:latin typeface="Times New Roman" panose="02020603050405020304" pitchFamily="18" charset="0"/>
+                <a:cs typeface="Times New Roman" panose="02020603050405020304" pitchFamily="18" charset="0"/>
+              </a:rPr>
+              <a:t>Fault</a:t>
+            </a:r>
+          </a:p>
+        </p:txBody>
+      </p:sp>
+      <p:sp>
+        <p:nvSpPr>
+          <p:cNvPr id="243" name="Oval 242">
+            <a:extLst>
+              <a:ext uri="{FF2B5EF4-FFF2-40B4-BE49-F238E27FC236}">
+                <a16:creationId xmlns:a16="http://schemas.microsoft.com/office/drawing/2014/main" id="{DD4C8CA7-BED4-802F-3DDE-F59AC376DCA1}"/>
+              </a:ext>
+            </a:extLst>
+          </p:cNvPr>
+          <p:cNvSpPr>
+            <a:spLocks noChangeAspect="1"/>
+          </p:cNvSpPr>
+          <p:nvPr/>
+        </p:nvSpPr>
+        <p:spPr>
+          <a:xfrm>
+            <a:off x="6065247" y="4399598"/>
+            <a:ext cx="91440" cy="91440"/>
+          </a:xfrm>
+          <a:prstGeom prst="ellipse">
+            <a:avLst/>
+          </a:prstGeom>
+        </p:spPr>
+        <p:style>
+          <a:lnRef idx="1">
+            <a:schemeClr val="accent4"/>
+          </a:lnRef>
+          <a:fillRef idx="3">
+            <a:schemeClr val="accent4"/>
+          </a:fillRef>
+          <a:effectRef idx="2">
+            <a:schemeClr val="accent4"/>
+          </a:effectRef>
+          <a:fontRef idx="minor">
+            <a:schemeClr val="lt1"/>
+          </a:fontRef>
+        </p:style>
+        <p:txBody>
+          <a:bodyPr rtlCol="0" anchor="ctr"/>
+          <a:lstStyle/>
+          <a:p>
+            <a:pPr algn="ctr"/>
+            <a:endParaRPr lang="en-US"/>
+          </a:p>
+        </p:txBody>
+      </p:sp>
+      <p:sp>
+        <p:nvSpPr>
+          <p:cNvPr id="247" name="TextBox 246">
+            <a:extLst>
+              <a:ext uri="{FF2B5EF4-FFF2-40B4-BE49-F238E27FC236}">
+                <a16:creationId xmlns:a16="http://schemas.microsoft.com/office/drawing/2014/main" id="{71780DC7-761A-220F-05BC-B63A6B1F2780}"/>
+              </a:ext>
+            </a:extLst>
+          </p:cNvPr>
+          <p:cNvSpPr txBox="1"/>
+          <p:nvPr/>
+        </p:nvSpPr>
+        <p:spPr>
+          <a:xfrm>
+            <a:off x="5708158" y="4122796"/>
+            <a:ext cx="813043" cy="307777"/>
+          </a:xfrm>
+          <a:prstGeom prst="rect">
+            <a:avLst/>
+          </a:prstGeom>
+          <a:noFill/>
+          <a:ln>
+            <a:noFill/>
+          </a:ln>
+        </p:spPr>
+        <p:txBody>
+          <a:bodyPr wrap="none" rtlCol="0">
+            <a:spAutoFit/>
+          </a:bodyPr>
+          <a:lstStyle/>
+          <a:p>
+            <a:r>
+              <a:rPr lang="en-US" sz="1400" dirty="0">
+                <a:solidFill>
+                  <a:srgbClr val="96DCF8"/>
+                </a:solidFill>
+                <a:latin typeface="Times New Roman" panose="02020603050405020304" pitchFamily="18" charset="0"/>
+                <a:cs typeface="Times New Roman" panose="02020603050405020304" pitchFamily="18" charset="0"/>
+              </a:rPr>
+              <a:t>injection</a:t>
+            </a:r>
+            <a:endParaRPr lang="en-US" dirty="0">
+              <a:solidFill>
+                <a:srgbClr val="96DCF8"/>
+              </a:solidFill>
+              <a:latin typeface="Times New Roman" panose="02020603050405020304" pitchFamily="18" charset="0"/>
+              <a:cs typeface="Times New Roman" panose="02020603050405020304" pitchFamily="18" charset="0"/>
+            </a:endParaRPr>
+          </a:p>
+        </p:txBody>
+      </p:sp>
+      <p:cxnSp>
+        <p:nvCxnSpPr>
+          <p:cNvPr id="254" name="Straight Connector 253">
+            <a:extLst>
+              <a:ext uri="{FF2B5EF4-FFF2-40B4-BE49-F238E27FC236}">
+                <a16:creationId xmlns:a16="http://schemas.microsoft.com/office/drawing/2014/main" id="{27A1E1C1-28FB-60BE-164D-99740E923786}"/>
+              </a:ext>
+            </a:extLst>
+          </p:cNvPr>
+          <p:cNvCxnSpPr>
+            <a:cxnSpLocks/>
+          </p:cNvCxnSpPr>
+          <p:nvPr/>
+        </p:nvCxnSpPr>
+        <p:spPr>
+          <a:xfrm flipH="1">
+            <a:off x="2270042" y="4437523"/>
+            <a:ext cx="3819880" cy="0"/>
+          </a:xfrm>
+          <a:prstGeom prst="line">
+            <a:avLst/>
+          </a:prstGeom>
+          <a:ln w="6350">
+            <a:prstDash val="dashDot"/>
+          </a:ln>
+        </p:spPr>
+        <p:style>
+          <a:lnRef idx="1">
+            <a:schemeClr val="dk1"/>
+          </a:lnRef>
+          <a:fillRef idx="0">
+            <a:schemeClr val="dk1"/>
+          </a:fillRef>
+          <a:effectRef idx="0">
+            <a:schemeClr val="dk1"/>
+          </a:effectRef>
+          <a:fontRef idx="minor">
+            <a:schemeClr val="tx1"/>
+          </a:fontRef>
+        </p:style>
+      </p:cxnSp>
+      <mc:AlternateContent xmlns:mc="http://schemas.openxmlformats.org/markup-compatibility/2006" xmlns:a14="http://schemas.microsoft.com/office/drawing/2010/main">
+        <mc:Choice Requires="a14">
+          <p:sp>
+            <p:nvSpPr>
+              <p:cNvPr id="257" name="TextBox 256">
+                <a:extLst>
+                  <a:ext uri="{FF2B5EF4-FFF2-40B4-BE49-F238E27FC236}">
+                    <a16:creationId xmlns:a16="http://schemas.microsoft.com/office/drawing/2014/main" id="{31CAA0E0-6498-0F0C-7504-785B7CE66B97}"/>
+                  </a:ext>
+                </a:extLst>
+              </p:cNvPr>
+              <p:cNvSpPr txBox="1"/>
+              <p:nvPr/>
+            </p:nvSpPr>
+            <p:spPr>
+              <a:xfrm>
+                <a:off x="1918355" y="2958116"/>
+                <a:ext cx="330891" cy="215444"/>
+              </a:xfrm>
+              <a:prstGeom prst="rect">
+                <a:avLst/>
+              </a:prstGeom>
+              <a:noFill/>
+            </p:spPr>
+            <p:txBody>
+              <a:bodyPr wrap="square" lIns="0" tIns="0" rIns="0" bIns="0" rtlCol="0">
+                <a:spAutoFit/>
+              </a:bodyPr>
+              <a:lstStyle/>
+              <a:p>
+                <a:pPr/>
+                <a14:m>
+                  <m:oMathPara xmlns:m="http://schemas.openxmlformats.org/officeDocument/2006/math">
+                    <m:oMathParaPr>
+                      <m:jc m:val="centerGroup"/>
+                    </m:oMathParaPr>
+                    <m:oMath xmlns:m="http://schemas.openxmlformats.org/officeDocument/2006/math">
+                      <m:r>
+                        <a:rPr lang="en-US" sz="1400" b="0" i="1" smtClean="0">
+                          <a:latin typeface="Cambria Math" panose="02040503050406030204" pitchFamily="18" charset="0"/>
+                          <a:cs typeface="Times New Roman" panose="02020603050405020304" pitchFamily="18" charset="0"/>
+                        </a:rPr>
+                        <m:t>h</m:t>
+                      </m:r>
+                    </m:oMath>
+                  </m:oMathPara>
+                </a14:m>
+                <a:endParaRPr lang="en-US" sz="1400" dirty="0">
+                  <a:latin typeface="Times New Roman" panose="02020603050405020304" pitchFamily="18" charset="0"/>
+                  <a:cs typeface="Times New Roman" panose="02020603050405020304" pitchFamily="18" charset="0"/>
+                </a:endParaRPr>
+              </a:p>
+            </p:txBody>
+          </p:sp>
+        </mc:Choice>
+        <mc:Fallback xmlns="">
+          <p:sp>
+            <p:nvSpPr>
+              <p:cNvPr id="257" name="TextBox 256">
+                <a:extLst>
+                  <a:ext uri="{FF2B5EF4-FFF2-40B4-BE49-F238E27FC236}">
+                    <a16:creationId xmlns:a16="http://schemas.microsoft.com/office/drawing/2014/main" id="{882107B8-8852-9385-A172-60FFCD8C7E9E}"/>
+                  </a:ext>
+                </a:extLst>
+              </p:cNvPr>
+              <p:cNvSpPr txBox="1">
+                <a:spLocks noRot="1" noChangeAspect="1" noMove="1" noResize="1" noEditPoints="1" noAdjustHandles="1" noChangeArrowheads="1" noChangeShapeType="1" noTextEdit="1"/>
+              </p:cNvSpPr>
+              <p:nvPr/>
+            </p:nvSpPr>
+            <p:spPr>
+              <a:xfrm>
+                <a:off x="1918355" y="2958116"/>
+                <a:ext cx="330891" cy="215444"/>
+              </a:xfrm>
+              <a:prstGeom prst="rect">
+                <a:avLst/>
+              </a:prstGeom>
+              <a:blipFill>
+                <a:blip r:embed="rId10"/>
+                <a:stretch>
+                  <a:fillRect b="-10526"/>
+                </a:stretch>
+              </a:blipFill>
+            </p:spPr>
+            <p:txBody>
+              <a:bodyPr/>
+              <a:lstStyle/>
+              <a:p>
+                <a:r>
+                  <a:rPr lang="en-US">
+                    <a:noFill/>
+                  </a:rPr>
+                  <a:t> </a:t>
+                </a:r>
+              </a:p>
+            </p:txBody>
+          </p:sp>
+        </mc:Fallback>
+      </mc:AlternateContent>
+      <mc:AlternateContent xmlns:mc="http://schemas.openxmlformats.org/markup-compatibility/2006" xmlns:a14="http://schemas.microsoft.com/office/drawing/2010/main">
+        <mc:Choice Requires="a14">
+          <p:sp>
+            <p:nvSpPr>
+              <p:cNvPr id="258" name="TextBox 257">
+                <a:extLst>
+                  <a:ext uri="{FF2B5EF4-FFF2-40B4-BE49-F238E27FC236}">
+                    <a16:creationId xmlns:a16="http://schemas.microsoft.com/office/drawing/2014/main" id="{74DE6CE3-3155-3273-7516-B2810561A15B}"/>
+                  </a:ext>
+                </a:extLst>
+              </p:cNvPr>
+              <p:cNvSpPr txBox="1"/>
+              <p:nvPr/>
+            </p:nvSpPr>
+            <p:spPr>
+              <a:xfrm>
+                <a:off x="3262061" y="4587437"/>
+                <a:ext cx="330891" cy="215444"/>
+              </a:xfrm>
+              <a:prstGeom prst="rect">
+                <a:avLst/>
+              </a:prstGeom>
+              <a:noFill/>
+            </p:spPr>
+            <p:txBody>
+              <a:bodyPr wrap="square" lIns="0" tIns="0" rIns="0" bIns="0" rtlCol="0">
+                <a:spAutoFit/>
+              </a:bodyPr>
+              <a:lstStyle/>
+              <a:p>
+                <a:pPr/>
+                <a14:m>
+                  <m:oMathPara xmlns:m="http://schemas.openxmlformats.org/officeDocument/2006/math">
+                    <m:oMathParaPr>
+                      <m:jc m:val="centerGroup"/>
+                    </m:oMathParaPr>
+                    <m:oMath xmlns:m="http://schemas.openxmlformats.org/officeDocument/2006/math">
+                      <m:r>
+                        <a:rPr lang="en-US" sz="1400" b="0" i="1" smtClean="0">
+                          <a:solidFill>
+                            <a:schemeClr val="tx1"/>
+                          </a:solidFill>
+                          <a:latin typeface="Cambria Math" panose="02040503050406030204" pitchFamily="18" charset="0"/>
+                          <a:cs typeface="Times New Roman" panose="02020603050405020304" pitchFamily="18" charset="0"/>
+                        </a:rPr>
+                        <m:t>𝐻</m:t>
+                      </m:r>
+                    </m:oMath>
+                  </m:oMathPara>
+                </a14:m>
+                <a:endParaRPr lang="en-US" sz="1400" dirty="0">
+                  <a:solidFill>
+                    <a:schemeClr val="tx1"/>
+                  </a:solidFill>
+                  <a:latin typeface="Times New Roman" panose="02020603050405020304" pitchFamily="18" charset="0"/>
+                  <a:cs typeface="Times New Roman" panose="02020603050405020304" pitchFamily="18" charset="0"/>
+                </a:endParaRPr>
+              </a:p>
+            </p:txBody>
+          </p:sp>
+        </mc:Choice>
+        <mc:Fallback xmlns="">
+          <p:sp>
+            <p:nvSpPr>
+              <p:cNvPr id="258" name="TextBox 257">
+                <a:extLst>
+                  <a:ext uri="{FF2B5EF4-FFF2-40B4-BE49-F238E27FC236}">
+                    <a16:creationId xmlns:a16="http://schemas.microsoft.com/office/drawing/2014/main" id="{86C123FD-AB42-B6D0-7597-84C16DE3A4B6}"/>
+                  </a:ext>
+                </a:extLst>
+              </p:cNvPr>
+              <p:cNvSpPr txBox="1">
+                <a:spLocks noRot="1" noChangeAspect="1" noMove="1" noResize="1" noEditPoints="1" noAdjustHandles="1" noChangeArrowheads="1" noChangeShapeType="1" noTextEdit="1"/>
+              </p:cNvSpPr>
+              <p:nvPr/>
+            </p:nvSpPr>
+            <p:spPr>
+              <a:xfrm>
+                <a:off x="3262061" y="4587437"/>
+                <a:ext cx="330891" cy="215444"/>
+              </a:xfrm>
+              <a:prstGeom prst="rect">
+                <a:avLst/>
+              </a:prstGeom>
+              <a:blipFill>
+                <a:blip r:embed="rId11"/>
+                <a:stretch>
+                  <a:fillRect b="-11111"/>
+                </a:stretch>
+              </a:blipFill>
+            </p:spPr>
+            <p:txBody>
+              <a:bodyPr/>
+              <a:lstStyle/>
+              <a:p>
+                <a:r>
+                  <a:rPr lang="en-US">
+                    <a:noFill/>
+                  </a:rPr>
+                  <a:t> </a:t>
+                </a:r>
+              </a:p>
+            </p:txBody>
+          </p:sp>
+        </mc:Fallback>
+      </mc:AlternateContent>
+      <mc:AlternateContent xmlns:mc="http://schemas.openxmlformats.org/markup-compatibility/2006" xmlns:a14="http://schemas.microsoft.com/office/drawing/2010/main">
+        <mc:Choice Requires="a14">
+          <p:sp>
+            <p:nvSpPr>
+              <p:cNvPr id="259" name="TextBox 258">
+                <a:extLst>
+                  <a:ext uri="{FF2B5EF4-FFF2-40B4-BE49-F238E27FC236}">
+                    <a16:creationId xmlns:a16="http://schemas.microsoft.com/office/drawing/2014/main" id="{C6603ED7-BFE3-6AE3-3FF8-03059197EC43}"/>
+                  </a:ext>
+                </a:extLst>
+              </p:cNvPr>
+              <p:cNvSpPr txBox="1"/>
+              <p:nvPr/>
+            </p:nvSpPr>
+            <p:spPr>
+              <a:xfrm>
+                <a:off x="3725884" y="2908951"/>
+                <a:ext cx="330891" cy="215444"/>
+              </a:xfrm>
+              <a:prstGeom prst="rect">
+                <a:avLst/>
+              </a:prstGeom>
+              <a:noFill/>
+            </p:spPr>
+            <p:txBody>
+              <a:bodyPr wrap="square" lIns="0" tIns="0" rIns="0" bIns="0" rtlCol="0">
+                <a:spAutoFit/>
+              </a:bodyPr>
+              <a:lstStyle/>
+              <a:p>
+                <a:pPr/>
+                <a14:m>
+                  <m:oMathPara xmlns:m="http://schemas.openxmlformats.org/officeDocument/2006/math">
+                    <m:oMathParaPr>
+                      <m:jc m:val="centerGroup"/>
+                    </m:oMathParaPr>
+                    <m:oMath xmlns:m="http://schemas.openxmlformats.org/officeDocument/2006/math">
+                      <m:r>
+                        <a:rPr lang="en-US" sz="1400" b="0" i="1" smtClean="0">
+                          <a:solidFill>
+                            <a:schemeClr val="tx1"/>
+                          </a:solidFill>
+                          <a:latin typeface="Cambria Math" panose="02040503050406030204" pitchFamily="18" charset="0"/>
+                          <a:cs typeface="Times New Roman" panose="02020603050405020304" pitchFamily="18" charset="0"/>
+                        </a:rPr>
+                        <m:t>𝑇</m:t>
+                      </m:r>
+                    </m:oMath>
+                  </m:oMathPara>
+                </a14:m>
+                <a:endParaRPr lang="en-US" sz="1400" dirty="0">
+                  <a:solidFill>
+                    <a:schemeClr val="tx1"/>
+                  </a:solidFill>
+                  <a:latin typeface="Times New Roman" panose="02020603050405020304" pitchFamily="18" charset="0"/>
+                  <a:cs typeface="Times New Roman" panose="02020603050405020304" pitchFamily="18" charset="0"/>
+                </a:endParaRPr>
+              </a:p>
+            </p:txBody>
+          </p:sp>
+        </mc:Choice>
+        <mc:Fallback xmlns="">
+          <p:sp>
+            <p:nvSpPr>
+              <p:cNvPr id="259" name="TextBox 258">
+                <a:extLst>
+                  <a:ext uri="{FF2B5EF4-FFF2-40B4-BE49-F238E27FC236}">
+                    <a16:creationId xmlns:a16="http://schemas.microsoft.com/office/drawing/2014/main" id="{719FBAB5-C53B-B565-62AD-30BA8AE92079}"/>
+                  </a:ext>
+                </a:extLst>
+              </p:cNvPr>
+              <p:cNvSpPr txBox="1">
+                <a:spLocks noRot="1" noChangeAspect="1" noMove="1" noResize="1" noEditPoints="1" noAdjustHandles="1" noChangeArrowheads="1" noChangeShapeType="1" noTextEdit="1"/>
+              </p:cNvSpPr>
+              <p:nvPr/>
+            </p:nvSpPr>
+            <p:spPr>
+              <a:xfrm>
+                <a:off x="3725884" y="2908951"/>
+                <a:ext cx="330891" cy="215444"/>
+              </a:xfrm>
+              <a:prstGeom prst="rect">
+                <a:avLst/>
+              </a:prstGeom>
+              <a:blipFill>
+                <a:blip r:embed="rId12"/>
+                <a:stretch>
+                  <a:fillRect b="-5263"/>
+                </a:stretch>
+              </a:blipFill>
+            </p:spPr>
+            <p:txBody>
+              <a:bodyPr/>
+              <a:lstStyle/>
+              <a:p>
+                <a:r>
+                  <a:rPr lang="en-US">
+                    <a:noFill/>
+                  </a:rPr>
+                  <a:t> </a:t>
+                </a:r>
+              </a:p>
+            </p:txBody>
+          </p:sp>
+        </mc:Fallback>
+      </mc:AlternateContent>
+      <mc:AlternateContent xmlns:mc="http://schemas.openxmlformats.org/markup-compatibility/2006">
+        <mc:Choice xmlns:a14="http://schemas.microsoft.com/office/drawing/2010/main" Requires="a14">
+          <p:sp>
+            <p:nvSpPr>
+              <p:cNvPr id="260" name="TextBox 259">
+                <a:extLst>
+                  <a:ext uri="{FF2B5EF4-FFF2-40B4-BE49-F238E27FC236}">
+                    <a16:creationId xmlns:a16="http://schemas.microsoft.com/office/drawing/2014/main" id="{40ABC9A0-9F0B-8E1F-6D18-A8F810372090}"/>
+                  </a:ext>
+                </a:extLst>
+              </p:cNvPr>
+              <p:cNvSpPr txBox="1"/>
+              <p:nvPr/>
+            </p:nvSpPr>
+            <p:spPr>
+              <a:xfrm>
+                <a:off x="6383660" y="2036265"/>
+                <a:ext cx="330891" cy="215444"/>
+              </a:xfrm>
+              <a:prstGeom prst="rect">
+                <a:avLst/>
+              </a:prstGeom>
+              <a:noFill/>
+            </p:spPr>
+            <p:txBody>
+              <a:bodyPr wrap="square" lIns="0" tIns="0" rIns="0" bIns="0" rtlCol="0">
+                <a:spAutoFit/>
+              </a:bodyPr>
+              <a:lstStyle/>
+              <a:p>
+                <a:pPr/>
+                <a14:m>
+                  <m:oMathPara xmlns:m="http://schemas.openxmlformats.org/officeDocument/2006/math">
+                    <m:oMathParaPr>
+                      <m:jc m:val="centerGroup"/>
+                    </m:oMathParaPr>
+                    <m:oMath xmlns:m="http://schemas.openxmlformats.org/officeDocument/2006/math">
+                      <m:r>
+                        <a:rPr lang="en-US" sz="1400" b="0" i="1" smtClean="0">
+                          <a:solidFill>
+                            <a:schemeClr val="tx1"/>
+                          </a:solidFill>
+                          <a:latin typeface="Cambria Math" panose="02040503050406030204" pitchFamily="18" charset="0"/>
+                          <a:cs typeface="Times New Roman" panose="02020603050405020304" pitchFamily="18" charset="0"/>
+                        </a:rPr>
+                        <m:t>𝑊</m:t>
+                      </m:r>
+                    </m:oMath>
+                  </m:oMathPara>
+                </a14:m>
+                <a:endParaRPr lang="en-US" sz="1400" dirty="0">
+                  <a:solidFill>
+                    <a:schemeClr val="tx1"/>
+                  </a:solidFill>
+                  <a:latin typeface="Times New Roman" panose="02020603050405020304" pitchFamily="18" charset="0"/>
+                  <a:cs typeface="Times New Roman" panose="02020603050405020304" pitchFamily="18" charset="0"/>
+                </a:endParaRPr>
+              </a:p>
+            </p:txBody>
+          </p:sp>
+        </mc:Choice>
+        <mc:Fallback>
+          <p:sp>
+            <p:nvSpPr>
+              <p:cNvPr id="260" name="TextBox 259">
+                <a:extLst>
+                  <a:ext uri="{FF2B5EF4-FFF2-40B4-BE49-F238E27FC236}">
+                    <a16:creationId xmlns:a16="http://schemas.microsoft.com/office/drawing/2014/main" id="{40ABC9A0-9F0B-8E1F-6D18-A8F810372090}"/>
+                  </a:ext>
+                </a:extLst>
+              </p:cNvPr>
+              <p:cNvSpPr txBox="1">
+                <a:spLocks noRot="1" noChangeAspect="1" noMove="1" noResize="1" noEditPoints="1" noAdjustHandles="1" noChangeArrowheads="1" noChangeShapeType="1" noTextEdit="1"/>
+              </p:cNvSpPr>
+              <p:nvPr/>
+            </p:nvSpPr>
+            <p:spPr>
+              <a:xfrm>
+                <a:off x="6383660" y="2036265"/>
+                <a:ext cx="330891" cy="215444"/>
+              </a:xfrm>
+              <a:prstGeom prst="rect">
+                <a:avLst/>
+              </a:prstGeom>
+              <a:blipFill>
+                <a:blip r:embed="rId13"/>
+                <a:stretch>
+                  <a:fillRect b="-11111"/>
+                </a:stretch>
+              </a:blipFill>
+            </p:spPr>
+            <p:txBody>
+              <a:bodyPr/>
+              <a:lstStyle/>
+              <a:p>
+                <a:r>
+                  <a:rPr lang="en-US">
+                    <a:noFill/>
+                  </a:rPr>
+                  <a:t> </a:t>
+                </a:r>
+              </a:p>
+            </p:txBody>
+          </p:sp>
+        </mc:Fallback>
+      </mc:AlternateContent>
+      <mc:AlternateContent xmlns:mc="http://schemas.openxmlformats.org/markup-compatibility/2006">
+        <mc:Choice xmlns:a14="http://schemas.microsoft.com/office/drawing/2010/main" Requires="a14">
+          <p:sp>
+            <p:nvSpPr>
+              <p:cNvPr id="261" name="TextBox 260">
+                <a:extLst>
+                  <a:ext uri="{FF2B5EF4-FFF2-40B4-BE49-F238E27FC236}">
+                    <a16:creationId xmlns:a16="http://schemas.microsoft.com/office/drawing/2014/main" id="{0905D6D8-DD54-201A-EAD5-A55A91DEA673}"/>
+                  </a:ext>
+                </a:extLst>
+              </p:cNvPr>
+              <p:cNvSpPr txBox="1"/>
+              <p:nvPr/>
+            </p:nvSpPr>
+            <p:spPr>
+              <a:xfrm>
+                <a:off x="7436579" y="4084124"/>
+                <a:ext cx="491545" cy="276999"/>
+              </a:xfrm>
+              <a:prstGeom prst="rect">
+                <a:avLst/>
+              </a:prstGeom>
+              <a:noFill/>
+            </p:spPr>
+            <p:txBody>
+              <a:bodyPr wrap="square" lIns="0" tIns="0" rIns="0" bIns="0" rtlCol="0">
+                <a:spAutoFit/>
+              </a:bodyPr>
+              <a:lstStyle/>
+              <a:p>
+                <a:pPr/>
+                <a14:m>
+                  <m:oMathPara xmlns:m="http://schemas.openxmlformats.org/officeDocument/2006/math">
+                    <m:oMathParaPr>
+                      <m:jc m:val="centerGroup"/>
+                    </m:oMathParaPr>
+                    <m:oMath xmlns:m="http://schemas.openxmlformats.org/officeDocument/2006/math">
+                      <m:sSub>
+                        <m:sSubPr>
+                          <m:ctrlPr>
+                            <a:rPr lang="en-US" i="1" smtClean="0">
+                              <a:solidFill>
+                                <a:srgbClr val="004BB8"/>
+                              </a:solidFill>
+                              <a:latin typeface="Cambria Math" panose="02040503050406030204" pitchFamily="18" charset="0"/>
+                            </a:rPr>
+                          </m:ctrlPr>
+                        </m:sSubPr>
+                        <m:e>
+                          <m:r>
+                            <a:rPr lang="en-US" b="0" i="1" smtClean="0">
+                              <a:solidFill>
+                                <a:srgbClr val="004BB8"/>
+                              </a:solidFill>
+                              <a:latin typeface="Cambria Math" panose="02040503050406030204" pitchFamily="18" charset="0"/>
+                            </a:rPr>
+                            <m:t>𝜎</m:t>
+                          </m:r>
+                        </m:e>
+                        <m:sub>
+                          <m:r>
+                            <a:rPr lang="en-US" b="0" i="1" smtClean="0">
+                              <a:solidFill>
+                                <a:srgbClr val="004BB8"/>
+                              </a:solidFill>
+                              <a:latin typeface="Cambria Math" panose="02040503050406030204" pitchFamily="18" charset="0"/>
+                            </a:rPr>
+                            <m:t>𝐻</m:t>
+                          </m:r>
+                        </m:sub>
+                      </m:sSub>
+                    </m:oMath>
+                  </m:oMathPara>
+                </a14:m>
+                <a:endParaRPr lang="en-US" dirty="0">
+                  <a:solidFill>
+                    <a:srgbClr val="004BB8"/>
+                  </a:solidFill>
+                  <a:latin typeface="Times New Roman" panose="02020603050405020304" pitchFamily="18" charset="0"/>
+                  <a:cs typeface="Times New Roman" panose="02020603050405020304" pitchFamily="18" charset="0"/>
+                </a:endParaRPr>
+              </a:p>
+            </p:txBody>
+          </p:sp>
+        </mc:Choice>
+        <mc:Fallback>
+          <p:sp>
+            <p:nvSpPr>
+              <p:cNvPr id="261" name="TextBox 260">
+                <a:extLst>
+                  <a:ext uri="{FF2B5EF4-FFF2-40B4-BE49-F238E27FC236}">
+                    <a16:creationId xmlns:a16="http://schemas.microsoft.com/office/drawing/2014/main" id="{0905D6D8-DD54-201A-EAD5-A55A91DEA673}"/>
+                  </a:ext>
+                </a:extLst>
+              </p:cNvPr>
+              <p:cNvSpPr txBox="1">
+                <a:spLocks noRot="1" noChangeAspect="1" noMove="1" noResize="1" noEditPoints="1" noAdjustHandles="1" noChangeArrowheads="1" noChangeShapeType="1" noTextEdit="1"/>
+              </p:cNvSpPr>
+              <p:nvPr/>
+            </p:nvSpPr>
+            <p:spPr>
+              <a:xfrm>
+                <a:off x="7436579" y="4084124"/>
+                <a:ext cx="491545" cy="276999"/>
+              </a:xfrm>
+              <a:prstGeom prst="rect">
+                <a:avLst/>
+              </a:prstGeom>
+              <a:blipFill>
+                <a:blip r:embed="rId14"/>
+                <a:stretch>
+                  <a:fillRect b="-13043"/>
+                </a:stretch>
+              </a:blipFill>
+            </p:spPr>
+            <p:txBody>
+              <a:bodyPr/>
+              <a:lstStyle/>
+              <a:p>
+                <a:r>
+                  <a:rPr lang="en-US">
+                    <a:noFill/>
+                  </a:rPr>
+                  <a:t> </a:t>
+                </a:r>
+              </a:p>
+            </p:txBody>
+          </p:sp>
+        </mc:Fallback>
+      </mc:AlternateContent>
+      <p:cxnSp>
+        <p:nvCxnSpPr>
+          <p:cNvPr id="262" name="Straight Connector 261">
+            <a:extLst>
+              <a:ext uri="{FF2B5EF4-FFF2-40B4-BE49-F238E27FC236}">
+                <a16:creationId xmlns:a16="http://schemas.microsoft.com/office/drawing/2014/main" id="{1757B017-E21C-1E12-1F73-549B40C2DC01}"/>
+              </a:ext>
+            </a:extLst>
+          </p:cNvPr>
+          <p:cNvCxnSpPr>
+            <a:cxnSpLocks/>
+          </p:cNvCxnSpPr>
+          <p:nvPr/>
+        </p:nvCxnSpPr>
+        <p:spPr>
+          <a:xfrm flipH="1">
+            <a:off x="4368495" y="2795017"/>
+            <a:ext cx="411485" cy="374497"/>
+          </a:xfrm>
+          <a:prstGeom prst="line">
+            <a:avLst/>
+          </a:prstGeom>
+          <a:ln w="9525" cap="flat" cmpd="sng" algn="ctr">
+            <a:solidFill>
+              <a:schemeClr val="dk1"/>
+            </a:solidFill>
+            <a:prstDash val="solid"/>
+            <a:round/>
+            <a:headEnd type="triangle" w="med" len="med"/>
+            <a:tailEnd type="triangle" w="med" len="med"/>
+          </a:ln>
+        </p:spPr>
+        <p:style>
+          <a:lnRef idx="0">
+            <a:scrgbClr r="0" g="0" b="0"/>
+          </a:lnRef>
+          <a:fillRef idx="0">
+            <a:scrgbClr r="0" g="0" b="0"/>
+          </a:fillRef>
+          <a:effectRef idx="0">
+            <a:scrgbClr r="0" g="0" b="0"/>
+          </a:effectRef>
+          <a:fontRef idx="minor">
+            <a:schemeClr val="tx1"/>
+          </a:fontRef>
+        </p:style>
+      </p:cxnSp>
+      <p:cxnSp>
+        <p:nvCxnSpPr>
+          <p:cNvPr id="264" name="Straight Connector 263">
+            <a:extLst>
+              <a:ext uri="{FF2B5EF4-FFF2-40B4-BE49-F238E27FC236}">
+                <a16:creationId xmlns:a16="http://schemas.microsoft.com/office/drawing/2014/main" id="{F0651482-A0F0-E1A2-906D-DC2EBCC54CD0}"/>
+              </a:ext>
+            </a:extLst>
+          </p:cNvPr>
+          <p:cNvCxnSpPr>
+            <a:cxnSpLocks/>
+          </p:cNvCxnSpPr>
+          <p:nvPr/>
+        </p:nvCxnSpPr>
+        <p:spPr>
+          <a:xfrm flipH="1">
+            <a:off x="4319938" y="2778263"/>
+            <a:ext cx="1148403" cy="18275"/>
+          </a:xfrm>
+          <a:prstGeom prst="line">
+            <a:avLst/>
+          </a:prstGeom>
+          <a:ln w="6350">
+            <a:prstDash val="dashDot"/>
+          </a:ln>
+        </p:spPr>
+        <p:style>
+          <a:lnRef idx="1">
+            <a:schemeClr val="dk1"/>
+          </a:lnRef>
+          <a:fillRef idx="0">
+            <a:schemeClr val="dk1"/>
+          </a:fillRef>
+          <a:effectRef idx="0">
+            <a:schemeClr val="dk1"/>
+          </a:effectRef>
+          <a:fontRef idx="minor">
+            <a:schemeClr val="tx1"/>
+          </a:fontRef>
+        </p:style>
+      </p:cxnSp>
+      <p:cxnSp>
+        <p:nvCxnSpPr>
+          <p:cNvPr id="267" name="Straight Connector 266">
+            <a:extLst>
+              <a:ext uri="{FF2B5EF4-FFF2-40B4-BE49-F238E27FC236}">
+                <a16:creationId xmlns:a16="http://schemas.microsoft.com/office/drawing/2014/main" id="{B4436C15-492E-A7E7-BF79-A3871F4F88FB}"/>
+              </a:ext>
+            </a:extLst>
+          </p:cNvPr>
+          <p:cNvCxnSpPr>
+            <a:cxnSpLocks/>
+          </p:cNvCxnSpPr>
+          <p:nvPr/>
+        </p:nvCxnSpPr>
+        <p:spPr>
+          <a:xfrm flipH="1">
+            <a:off x="3522188" y="3552424"/>
+            <a:ext cx="1148403" cy="18275"/>
+          </a:xfrm>
+          <a:prstGeom prst="line">
+            <a:avLst/>
+          </a:prstGeom>
+          <a:ln w="6350">
+            <a:prstDash val="dashDot"/>
+          </a:ln>
+        </p:spPr>
+        <p:style>
+          <a:lnRef idx="1">
+            <a:schemeClr val="dk1"/>
+          </a:lnRef>
+          <a:fillRef idx="0">
+            <a:schemeClr val="dk1"/>
+          </a:fillRef>
+          <a:effectRef idx="0">
+            <a:schemeClr val="dk1"/>
+          </a:effectRef>
+          <a:fontRef idx="minor">
+            <a:schemeClr val="tx1"/>
+          </a:fontRef>
+        </p:style>
+      </p:cxnSp>
+      <p:cxnSp>
+        <p:nvCxnSpPr>
+          <p:cNvPr id="269" name="Straight Connector 268">
+            <a:extLst>
+              <a:ext uri="{FF2B5EF4-FFF2-40B4-BE49-F238E27FC236}">
+                <a16:creationId xmlns:a16="http://schemas.microsoft.com/office/drawing/2014/main" id="{7E5025DA-D858-A460-6F5E-07B940F7096C}"/>
+              </a:ext>
+            </a:extLst>
+          </p:cNvPr>
+          <p:cNvCxnSpPr>
+            <a:cxnSpLocks/>
+          </p:cNvCxnSpPr>
+          <p:nvPr/>
+        </p:nvCxnSpPr>
+        <p:spPr>
+          <a:xfrm flipH="1">
+            <a:off x="4398632" y="3147784"/>
+            <a:ext cx="653526" cy="7596"/>
+          </a:xfrm>
+          <a:prstGeom prst="line">
+            <a:avLst/>
+          </a:prstGeom>
+          <a:ln w="6350">
+            <a:prstDash val="dashDot"/>
+          </a:ln>
+        </p:spPr>
+        <p:style>
+          <a:lnRef idx="1">
+            <a:schemeClr val="dk1"/>
+          </a:lnRef>
+          <a:fillRef idx="0">
+            <a:schemeClr val="dk1"/>
+          </a:fillRef>
+          <a:effectRef idx="0">
+            <a:schemeClr val="dk1"/>
+          </a:effectRef>
+          <a:fontRef idx="minor">
+            <a:schemeClr val="tx1"/>
+          </a:fontRef>
+        </p:style>
+      </p:cxnSp>
+      <mc:AlternateContent xmlns:mc="http://schemas.openxmlformats.org/markup-compatibility/2006" xmlns:a14="http://schemas.microsoft.com/office/drawing/2010/main">
+        <mc:Choice Requires="a14">
+          <p:sp>
+            <p:nvSpPr>
+              <p:cNvPr id="273" name="TextBox 272">
+                <a:extLst>
+                  <a:ext uri="{FF2B5EF4-FFF2-40B4-BE49-F238E27FC236}">
+                    <a16:creationId xmlns:a16="http://schemas.microsoft.com/office/drawing/2014/main" id="{181D9FD8-6917-9162-102D-70FF677C1D03}"/>
+                  </a:ext>
+                </a:extLst>
+              </p:cNvPr>
+              <p:cNvSpPr txBox="1"/>
+              <p:nvPr/>
+            </p:nvSpPr>
+            <p:spPr>
+              <a:xfrm>
+                <a:off x="4262735" y="2832215"/>
+                <a:ext cx="330891" cy="215444"/>
+              </a:xfrm>
+              <a:prstGeom prst="rect">
+                <a:avLst/>
+              </a:prstGeom>
+              <a:noFill/>
+            </p:spPr>
+            <p:txBody>
+              <a:bodyPr wrap="square" lIns="0" tIns="0" rIns="0" bIns="0" rtlCol="0">
+                <a:spAutoFit/>
+              </a:bodyPr>
+              <a:lstStyle/>
+              <a:p>
+                <a:pPr/>
+                <a14:m>
+                  <m:oMathPara xmlns:m="http://schemas.openxmlformats.org/officeDocument/2006/math">
+                    <m:oMathParaPr>
+                      <m:jc m:val="centerGroup"/>
+                    </m:oMathParaPr>
+                    <m:oMath xmlns:m="http://schemas.openxmlformats.org/officeDocument/2006/math">
+                      <m:r>
+                        <a:rPr lang="en-US" sz="1400" b="0" i="1" smtClean="0">
+                          <a:solidFill>
+                            <a:schemeClr val="tx1"/>
+                          </a:solidFill>
+                          <a:latin typeface="Cambria Math" panose="02040503050406030204" pitchFamily="18" charset="0"/>
+                          <a:cs typeface="Times New Roman" panose="02020603050405020304" pitchFamily="18" charset="0"/>
+                        </a:rPr>
+                        <m:t>𝑇</m:t>
+                      </m:r>
+                      <m:r>
+                        <a:rPr lang="en-US" sz="1400" b="0" i="1" smtClean="0">
+                          <a:solidFill>
+                            <a:schemeClr val="tx1"/>
+                          </a:solidFill>
+                          <a:latin typeface="Cambria Math" panose="02040503050406030204" pitchFamily="18" charset="0"/>
+                          <a:cs typeface="Times New Roman" panose="02020603050405020304" pitchFamily="18" charset="0"/>
+                        </a:rPr>
+                        <m:t>/2</m:t>
+                      </m:r>
+                    </m:oMath>
+                  </m:oMathPara>
+                </a14:m>
+                <a:endParaRPr lang="en-US" sz="1400" dirty="0">
+                  <a:solidFill>
+                    <a:schemeClr val="tx1"/>
+                  </a:solidFill>
+                  <a:latin typeface="Times New Roman" panose="02020603050405020304" pitchFamily="18" charset="0"/>
+                  <a:cs typeface="Times New Roman" panose="02020603050405020304" pitchFamily="18" charset="0"/>
+                </a:endParaRPr>
+              </a:p>
+            </p:txBody>
+          </p:sp>
+        </mc:Choice>
+        <mc:Fallback xmlns="">
+          <p:sp>
+            <p:nvSpPr>
+              <p:cNvPr id="273" name="TextBox 272">
+                <a:extLst>
+                  <a:ext uri="{FF2B5EF4-FFF2-40B4-BE49-F238E27FC236}">
+                    <a16:creationId xmlns:a16="http://schemas.microsoft.com/office/drawing/2014/main" id="{75CA7E6F-E08F-44D7-0AF6-1F9AE0B2A4ED}"/>
+                  </a:ext>
+                </a:extLst>
+              </p:cNvPr>
+              <p:cNvSpPr txBox="1">
+                <a:spLocks noRot="1" noChangeAspect="1" noMove="1" noResize="1" noEditPoints="1" noAdjustHandles="1" noChangeArrowheads="1" noChangeShapeType="1" noTextEdit="1"/>
+              </p:cNvSpPr>
+              <p:nvPr/>
+            </p:nvSpPr>
+            <p:spPr>
+              <a:xfrm>
+                <a:off x="4262735" y="2832215"/>
+                <a:ext cx="330891" cy="215444"/>
+              </a:xfrm>
+              <a:prstGeom prst="rect">
+                <a:avLst/>
+              </a:prstGeom>
+              <a:blipFill>
+                <a:blip r:embed="rId15"/>
+                <a:stretch>
+                  <a:fillRect l="-11111" r="-14815" b="-33333"/>
+                </a:stretch>
+              </a:blipFill>
+            </p:spPr>
+            <p:txBody>
+              <a:bodyPr/>
+              <a:lstStyle/>
+              <a:p>
+                <a:r>
+                  <a:rPr lang="en-US">
+                    <a:noFill/>
+                  </a:rPr>
+                  <a:t> </a:t>
+                </a:r>
+              </a:p>
+            </p:txBody>
+          </p:sp>
+        </mc:Fallback>
+      </mc:AlternateContent>
+      <p:cxnSp>
+        <p:nvCxnSpPr>
+          <p:cNvPr id="275" name="Straight Connector 274">
+            <a:extLst>
+              <a:ext uri="{FF2B5EF4-FFF2-40B4-BE49-F238E27FC236}">
+                <a16:creationId xmlns:a16="http://schemas.microsoft.com/office/drawing/2014/main" id="{0AD7FF0C-4870-0FF2-B930-3CE2054CC8FF}"/>
+              </a:ext>
+            </a:extLst>
+          </p:cNvPr>
+          <p:cNvCxnSpPr>
+            <a:cxnSpLocks/>
+          </p:cNvCxnSpPr>
+          <p:nvPr/>
+        </p:nvCxnSpPr>
+        <p:spPr>
+          <a:xfrm flipH="1">
+            <a:off x="3503723" y="6018452"/>
+            <a:ext cx="1148403" cy="18275"/>
+          </a:xfrm>
+          <a:prstGeom prst="line">
+            <a:avLst/>
+          </a:prstGeom>
+          <a:ln w="6350">
+            <a:prstDash val="dashDot"/>
+          </a:ln>
+        </p:spPr>
+        <p:style>
+          <a:lnRef idx="1">
+            <a:schemeClr val="dk1"/>
+          </a:lnRef>
+          <a:fillRef idx="0">
+            <a:schemeClr val="dk1"/>
+          </a:fillRef>
+          <a:effectRef idx="0">
+            <a:schemeClr val="dk1"/>
+          </a:effectRef>
+          <a:fontRef idx="minor">
+            <a:schemeClr val="tx1"/>
+          </a:fontRef>
+        </p:style>
+      </p:cxnSp>
+      <p:cxnSp>
+        <p:nvCxnSpPr>
+          <p:cNvPr id="277" name="Straight Connector 276">
+            <a:extLst>
+              <a:ext uri="{FF2B5EF4-FFF2-40B4-BE49-F238E27FC236}">
+                <a16:creationId xmlns:a16="http://schemas.microsoft.com/office/drawing/2014/main" id="{B57DB81D-6A24-4F0B-7A0D-C7030277CAD1}"/>
+              </a:ext>
+            </a:extLst>
+          </p:cNvPr>
+          <p:cNvCxnSpPr>
+            <a:cxnSpLocks/>
+          </p:cNvCxnSpPr>
+          <p:nvPr/>
+        </p:nvCxnSpPr>
+        <p:spPr>
+          <a:xfrm flipV="1">
+            <a:off x="5392852" y="2182099"/>
+            <a:ext cx="10086" cy="574879"/>
+          </a:xfrm>
+          <a:prstGeom prst="line">
+            <a:avLst/>
+          </a:prstGeom>
+          <a:ln w="6350">
+            <a:prstDash val="dashDot"/>
+          </a:ln>
+        </p:spPr>
+        <p:style>
+          <a:lnRef idx="1">
+            <a:schemeClr val="dk1"/>
+          </a:lnRef>
+          <a:fillRef idx="0">
+            <a:schemeClr val="dk1"/>
+          </a:fillRef>
+          <a:effectRef idx="0">
+            <a:schemeClr val="dk1"/>
+          </a:effectRef>
+          <a:fontRef idx="minor">
+            <a:schemeClr val="tx1"/>
+          </a:fontRef>
+        </p:style>
+      </p:cxnSp>
+      <p:cxnSp>
+        <p:nvCxnSpPr>
+          <p:cNvPr id="280" name="Straight Connector 279">
+            <a:extLst>
+              <a:ext uri="{FF2B5EF4-FFF2-40B4-BE49-F238E27FC236}">
+                <a16:creationId xmlns:a16="http://schemas.microsoft.com/office/drawing/2014/main" id="{338B4680-293F-298F-04B3-1A6E0D8FF2F5}"/>
+              </a:ext>
+            </a:extLst>
+          </p:cNvPr>
+          <p:cNvCxnSpPr>
+            <a:cxnSpLocks/>
+          </p:cNvCxnSpPr>
+          <p:nvPr/>
+        </p:nvCxnSpPr>
+        <p:spPr>
+          <a:xfrm flipV="1">
+            <a:off x="7774910" y="2140038"/>
+            <a:ext cx="10086" cy="574879"/>
+          </a:xfrm>
+          <a:prstGeom prst="line">
+            <a:avLst/>
+          </a:prstGeom>
+          <a:ln w="6350">
+            <a:prstDash val="dashDot"/>
+          </a:ln>
+        </p:spPr>
+        <p:style>
+          <a:lnRef idx="1">
+            <a:schemeClr val="dk1"/>
+          </a:lnRef>
+          <a:fillRef idx="0">
+            <a:schemeClr val="dk1"/>
+          </a:fillRef>
+          <a:effectRef idx="0">
+            <a:schemeClr val="dk1"/>
+          </a:effectRef>
+          <a:fontRef idx="minor">
+            <a:schemeClr val="tx1"/>
+          </a:fontRef>
+        </p:style>
+      </p:cxnSp>
+      <mc:AlternateContent xmlns:mc="http://schemas.openxmlformats.org/markup-compatibility/2006" xmlns:a14="http://schemas.microsoft.com/office/drawing/2010/main">
+        <mc:Choice Requires="a14">
+          <p:sp>
+            <p:nvSpPr>
+              <p:cNvPr id="282" name="TextBox 281">
+                <a:extLst>
+                  <a:ext uri="{FF2B5EF4-FFF2-40B4-BE49-F238E27FC236}">
+                    <a16:creationId xmlns:a16="http://schemas.microsoft.com/office/drawing/2014/main" id="{60421AA2-A977-F2EA-272C-D7099574E1CC}"/>
+                  </a:ext>
+                </a:extLst>
+              </p:cNvPr>
+              <p:cNvSpPr txBox="1"/>
+              <p:nvPr/>
+            </p:nvSpPr>
+            <p:spPr>
+              <a:xfrm>
+                <a:off x="1625828" y="4467413"/>
+                <a:ext cx="1722186" cy="235834"/>
+              </a:xfrm>
+              <a:prstGeom prst="rect">
+                <a:avLst/>
+              </a:prstGeom>
+              <a:noFill/>
+            </p:spPr>
+            <p:txBody>
+              <a:bodyPr wrap="square" lIns="0" tIns="0" rIns="0" bIns="0" rtlCol="0">
+                <a:spAutoFit/>
+              </a:bodyPr>
+              <a:lstStyle/>
+              <a:p>
+                <a:pPr/>
+                <a14:m>
+                  <m:oMathPara xmlns:m="http://schemas.openxmlformats.org/officeDocument/2006/math">
+                    <m:oMathParaPr>
+                      <m:jc m:val="centerGroup"/>
+                    </m:oMathParaPr>
+                    <m:oMath xmlns:m="http://schemas.openxmlformats.org/officeDocument/2006/math">
+                      <m:sSub>
+                        <m:sSubPr>
+                          <m:ctrlPr>
+                            <a:rPr lang="en-US" sz="1400" b="0" i="1" smtClean="0">
+                              <a:solidFill>
+                                <a:srgbClr val="96DCF8"/>
+                              </a:solidFill>
+                              <a:latin typeface="Cambria Math" panose="02040503050406030204" pitchFamily="18" charset="0"/>
+                            </a:rPr>
+                          </m:ctrlPr>
+                        </m:sSubPr>
+                        <m:e>
+                          <m:r>
+                            <a:rPr lang="en-US" sz="1400" b="0" i="1" smtClean="0">
+                              <a:solidFill>
+                                <a:srgbClr val="96DCF8"/>
+                              </a:solidFill>
+                              <a:latin typeface="Cambria Math" panose="02040503050406030204" pitchFamily="18" charset="0"/>
+                            </a:rPr>
+                            <m:t>𝑝</m:t>
+                          </m:r>
+                        </m:e>
+                        <m:sub>
+                          <m:r>
+                            <a:rPr lang="en-US" sz="1400" b="0" i="1" smtClean="0">
+                              <a:solidFill>
+                                <a:srgbClr val="96DCF8"/>
+                              </a:solidFill>
+                              <a:latin typeface="Cambria Math" panose="02040503050406030204" pitchFamily="18" charset="0"/>
+                            </a:rPr>
+                            <m:t>𝑖𝑛𝑖𝑡</m:t>
+                          </m:r>
+                          <m:r>
+                            <a:rPr lang="en-US" sz="1400" b="0" i="1" smtClean="0">
+                              <a:solidFill>
+                                <a:srgbClr val="96DCF8"/>
+                              </a:solidFill>
+                              <a:latin typeface="Cambria Math" panose="02040503050406030204" pitchFamily="18" charset="0"/>
+                            </a:rPr>
+                            <m:t> </m:t>
+                          </m:r>
+                        </m:sub>
+                      </m:sSub>
+                      <m:r>
+                        <a:rPr lang="en-US" sz="1400" i="1">
+                          <a:solidFill>
+                            <a:srgbClr val="96DCF8"/>
+                          </a:solidFill>
+                          <a:latin typeface="Cambria Math" panose="02040503050406030204" pitchFamily="18" charset="0"/>
+                        </a:rPr>
+                        <m:t>=</m:t>
+                      </m:r>
+                      <m:sSub>
+                        <m:sSubPr>
+                          <m:ctrlPr>
+                            <a:rPr lang="en-US" sz="1400" b="1" i="1" smtClean="0">
+                              <a:solidFill>
+                                <a:srgbClr val="96DCF8"/>
+                              </a:solidFill>
+                              <a:latin typeface="Cambria Math" panose="02040503050406030204" pitchFamily="18" charset="0"/>
+                            </a:rPr>
+                          </m:ctrlPr>
+                        </m:sSubPr>
+                        <m:e>
+                          <m:r>
+                            <a:rPr lang="en-US" sz="1400" b="1" i="1" smtClean="0">
+                              <a:solidFill>
+                                <a:srgbClr val="96DCF8"/>
+                              </a:solidFill>
+                              <a:latin typeface="Cambria Math" panose="02040503050406030204" pitchFamily="18" charset="0"/>
+                            </a:rPr>
+                            <m:t>𝝆</m:t>
+                          </m:r>
+                        </m:e>
+                        <m:sub>
+                          <m:r>
+                            <a:rPr lang="en-US" sz="1400" b="1" i="1" smtClean="0">
+                              <a:solidFill>
+                                <a:srgbClr val="96DCF8"/>
+                              </a:solidFill>
+                              <a:latin typeface="Cambria Math" panose="02040503050406030204" pitchFamily="18" charset="0"/>
+                            </a:rPr>
+                            <m:t>𝒇</m:t>
+                          </m:r>
+                        </m:sub>
+                      </m:sSub>
+                      <m:r>
+                        <a:rPr lang="en-US" sz="1400" b="1">
+                          <a:solidFill>
+                            <a:srgbClr val="96DCF8"/>
+                          </a:solidFill>
+                          <a:latin typeface="Cambria Math" panose="02040503050406030204" pitchFamily="18" charset="0"/>
+                        </a:rPr>
+                        <m:t>𝐠</m:t>
+                      </m:r>
+                      <m:r>
+                        <a:rPr lang="en-US" sz="1400" i="1">
+                          <a:solidFill>
+                            <a:srgbClr val="96DCF8"/>
+                          </a:solidFill>
+                          <a:latin typeface="Cambria Math" panose="02040503050406030204" pitchFamily="18" charset="0"/>
+                        </a:rPr>
+                        <m:t>(</m:t>
+                      </m:r>
+                      <m:r>
+                        <a:rPr lang="en-US" sz="1400" b="0" i="1" smtClean="0">
+                          <a:solidFill>
+                            <a:srgbClr val="96DCF8"/>
+                          </a:solidFill>
+                          <a:latin typeface="Cambria Math" panose="02040503050406030204" pitchFamily="18" charset="0"/>
+                        </a:rPr>
+                        <m:t>h</m:t>
+                      </m:r>
+                      <m:r>
+                        <a:rPr lang="en-US" sz="1400" b="0" i="1" smtClean="0">
+                          <a:solidFill>
+                            <a:srgbClr val="96DCF8"/>
+                          </a:solidFill>
+                          <a:latin typeface="Cambria Math" panose="02040503050406030204" pitchFamily="18" charset="0"/>
+                        </a:rPr>
+                        <m:t>−</m:t>
+                      </m:r>
+                      <m:sSub>
+                        <m:sSubPr>
+                          <m:ctrlPr>
+                            <a:rPr lang="en-US" sz="1400" b="0" i="1" smtClean="0">
+                              <a:solidFill>
+                                <a:srgbClr val="96DCF8"/>
+                              </a:solidFill>
+                              <a:latin typeface="Cambria Math" panose="02040503050406030204" pitchFamily="18" charset="0"/>
+                            </a:rPr>
+                          </m:ctrlPr>
+                        </m:sSubPr>
+                        <m:e>
+                          <m:r>
+                            <a:rPr lang="en-US" sz="1400" b="0" i="1" smtClean="0">
+                              <a:solidFill>
+                                <a:srgbClr val="96DCF8"/>
+                              </a:solidFill>
+                              <a:latin typeface="Cambria Math" panose="02040503050406030204" pitchFamily="18" charset="0"/>
+                            </a:rPr>
+                            <m:t>h</m:t>
+                          </m:r>
+                        </m:e>
+                        <m:sub>
+                          <m:r>
+                            <a:rPr lang="en-US" sz="1400" b="0" i="1" smtClean="0">
+                              <a:solidFill>
+                                <a:srgbClr val="96DCF8"/>
+                              </a:solidFill>
+                              <a:latin typeface="Cambria Math" panose="02040503050406030204" pitchFamily="18" charset="0"/>
+                            </a:rPr>
+                            <m:t>𝑔𝑤</m:t>
+                          </m:r>
+                        </m:sub>
+                      </m:sSub>
+                      <m:r>
+                        <a:rPr lang="en-US" sz="1400" i="1">
+                          <a:solidFill>
+                            <a:srgbClr val="96DCF8"/>
+                          </a:solidFill>
+                          <a:latin typeface="Cambria Math" panose="02040503050406030204" pitchFamily="18" charset="0"/>
+                        </a:rPr>
+                        <m:t>)</m:t>
+                      </m:r>
+                    </m:oMath>
+                  </m:oMathPara>
+                </a14:m>
+                <a:endParaRPr lang="en-US" sz="1400" dirty="0">
+                  <a:solidFill>
+                    <a:srgbClr val="96DCF8"/>
+                  </a:solidFill>
+                  <a:latin typeface="Times New Roman" panose="02020603050405020304" pitchFamily="18" charset="0"/>
+                  <a:cs typeface="Times New Roman" panose="02020603050405020304" pitchFamily="18" charset="0"/>
+                </a:endParaRPr>
+              </a:p>
+            </p:txBody>
+          </p:sp>
+        </mc:Choice>
+        <mc:Fallback xmlns="">
+          <p:sp>
+            <p:nvSpPr>
+              <p:cNvPr id="282" name="TextBox 281">
+                <a:extLst>
+                  <a:ext uri="{FF2B5EF4-FFF2-40B4-BE49-F238E27FC236}">
+                    <a16:creationId xmlns:a16="http://schemas.microsoft.com/office/drawing/2014/main" id="{3A6293DA-23BC-6CBE-084B-3A66316E75C5}"/>
+                  </a:ext>
+                </a:extLst>
+              </p:cNvPr>
+              <p:cNvSpPr txBox="1">
+                <a:spLocks noRot="1" noChangeAspect="1" noMove="1" noResize="1" noEditPoints="1" noAdjustHandles="1" noChangeArrowheads="1" noChangeShapeType="1" noTextEdit="1"/>
+              </p:cNvSpPr>
+              <p:nvPr/>
+            </p:nvSpPr>
+            <p:spPr>
+              <a:xfrm>
+                <a:off x="1625828" y="4467413"/>
+                <a:ext cx="1722186" cy="235834"/>
+              </a:xfrm>
+              <a:prstGeom prst="rect">
+                <a:avLst/>
+              </a:prstGeom>
+              <a:blipFill>
+                <a:blip r:embed="rId16"/>
+                <a:stretch>
+                  <a:fillRect l="-1471" r="-2206" b="-20000"/>
+                </a:stretch>
+              </a:blipFill>
+            </p:spPr>
+            <p:txBody>
+              <a:bodyPr/>
+              <a:lstStyle/>
+              <a:p>
+                <a:r>
+                  <a:rPr lang="en-US">
+                    <a:noFill/>
+                  </a:rPr>
+                  <a:t> </a:t>
+                </a:r>
+              </a:p>
+            </p:txBody>
+          </p:sp>
+        </mc:Fallback>
+      </mc:AlternateContent>
+      <p:sp>
+        <p:nvSpPr>
+          <p:cNvPr id="283" name="TextBox 282">
+            <a:extLst>
+              <a:ext uri="{FF2B5EF4-FFF2-40B4-BE49-F238E27FC236}">
+                <a16:creationId xmlns:a16="http://schemas.microsoft.com/office/drawing/2014/main" id="{CA03E640-7F11-BD13-8094-A6400DB9D497}"/>
+              </a:ext>
+            </a:extLst>
+          </p:cNvPr>
+          <p:cNvSpPr txBox="1"/>
+          <p:nvPr/>
+        </p:nvSpPr>
+        <p:spPr>
+          <a:xfrm>
+            <a:off x="667480" y="5098329"/>
+            <a:ext cx="853119" cy="261610"/>
+          </a:xfrm>
+          <a:prstGeom prst="rect">
+            <a:avLst/>
+          </a:prstGeom>
+          <a:noFill/>
+          <a:ln>
+            <a:noFill/>
+          </a:ln>
+        </p:spPr>
+        <p:txBody>
+          <a:bodyPr wrap="none" rtlCol="0">
+            <a:spAutoFit/>
+          </a:bodyPr>
+          <a:lstStyle/>
+          <a:p>
+            <a:r>
+              <a:rPr lang="en-US" sz="1100" dirty="0">
+                <a:latin typeface="Times New Roman" panose="02020603050405020304" pitchFamily="18" charset="0"/>
+                <a:cs typeface="Times New Roman" panose="02020603050405020304" pitchFamily="18" charset="0"/>
+              </a:rPr>
+              <a:t>Top surface</a:t>
+            </a:r>
+          </a:p>
+        </p:txBody>
+      </p:sp>
+      <mc:AlternateContent xmlns:mc="http://schemas.openxmlformats.org/markup-compatibility/2006" xmlns:a14="http://schemas.microsoft.com/office/drawing/2010/main">
+        <mc:Choice Requires="a14">
+          <p:sp>
+            <p:nvSpPr>
+              <p:cNvPr id="284" name="TextBox 283">
+                <a:extLst>
+                  <a:ext uri="{FF2B5EF4-FFF2-40B4-BE49-F238E27FC236}">
+                    <a16:creationId xmlns:a16="http://schemas.microsoft.com/office/drawing/2014/main" id="{0A6F795C-799E-6B0C-1F06-7580DD64C4EE}"/>
+                  </a:ext>
+                </a:extLst>
+              </p:cNvPr>
+              <p:cNvSpPr txBox="1"/>
+              <p:nvPr/>
+            </p:nvSpPr>
+            <p:spPr>
+              <a:xfrm>
+                <a:off x="504623" y="6170220"/>
+                <a:ext cx="973343" cy="400110"/>
+              </a:xfrm>
+              <a:prstGeom prst="rect">
+                <a:avLst/>
+              </a:prstGeom>
+              <a:noFill/>
+              <a:ln>
+                <a:noFill/>
+              </a:ln>
+            </p:spPr>
+            <p:txBody>
+              <a:bodyPr wrap="none" rtlCol="0">
+                <a:spAutoFit/>
+              </a:bodyPr>
+              <a:lstStyle/>
+              <a:p>
+                <a:pPr algn="ctr"/>
+                <a:r>
+                  <a:rPr lang="en-US" sz="1000" dirty="0">
+                    <a:latin typeface="Times New Roman" panose="02020603050405020304" pitchFamily="18" charset="0"/>
+                    <a:cs typeface="Times New Roman" panose="02020603050405020304" pitchFamily="18" charset="0"/>
+                  </a:rPr>
+                  <a:t>Bottom surface</a:t>
+                </a:r>
+                <a:br>
+                  <a:rPr lang="en-US" sz="1000" dirty="0">
+                    <a:latin typeface="Times New Roman" panose="02020603050405020304" pitchFamily="18" charset="0"/>
+                    <a:cs typeface="Times New Roman" panose="02020603050405020304" pitchFamily="18" charset="0"/>
+                  </a:rPr>
+                </a:br>
+                <a14:m>
+                  <m:oMath xmlns:m="http://schemas.openxmlformats.org/officeDocument/2006/math">
+                    <m:sSub>
+                      <m:sSubPr>
+                        <m:ctrlPr>
+                          <a:rPr lang="en-US" sz="1000" b="0" i="1" smtClean="0">
+                            <a:latin typeface="Cambria Math" panose="02040503050406030204" pitchFamily="18" charset="0"/>
+                            <a:cs typeface="Times New Roman" panose="02020603050405020304" pitchFamily="18" charset="0"/>
+                          </a:rPr>
+                        </m:ctrlPr>
+                      </m:sSubPr>
+                      <m:e>
+                        <m:r>
+                          <a:rPr lang="en-US" sz="1000" b="0" i="1" smtClean="0">
+                            <a:latin typeface="Cambria Math" panose="02040503050406030204" pitchFamily="18" charset="0"/>
+                            <a:cs typeface="Times New Roman" panose="02020603050405020304" pitchFamily="18" charset="0"/>
+                          </a:rPr>
+                          <m:t>𝑢</m:t>
+                        </m:r>
+                      </m:e>
+                      <m:sub>
+                        <m:r>
+                          <a:rPr lang="en-US" sz="1000" b="0" i="1" smtClean="0">
+                            <a:latin typeface="Cambria Math" panose="02040503050406030204" pitchFamily="18" charset="0"/>
+                            <a:cs typeface="Times New Roman" panose="02020603050405020304" pitchFamily="18" charset="0"/>
+                          </a:rPr>
+                          <m:t>𝑧</m:t>
+                        </m:r>
+                      </m:sub>
+                    </m:sSub>
+                  </m:oMath>
+                </a14:m>
+                <a:r>
+                  <a:rPr lang="en-US" sz="1000" dirty="0">
+                    <a:latin typeface="Times New Roman" panose="02020603050405020304" pitchFamily="18" charset="0"/>
+                    <a:cs typeface="Times New Roman" panose="02020603050405020304" pitchFamily="18" charset="0"/>
+                  </a:rPr>
+                  <a:t>=0</a:t>
+                </a:r>
+              </a:p>
+            </p:txBody>
+          </p:sp>
+        </mc:Choice>
+        <mc:Fallback xmlns="">
+          <p:sp>
+            <p:nvSpPr>
+              <p:cNvPr id="284" name="TextBox 283">
+                <a:extLst>
+                  <a:ext uri="{FF2B5EF4-FFF2-40B4-BE49-F238E27FC236}">
+                    <a16:creationId xmlns:a16="http://schemas.microsoft.com/office/drawing/2014/main" id="{92267237-500C-BF34-DE16-6B77F8744C46}"/>
+                  </a:ext>
+                </a:extLst>
+              </p:cNvPr>
+              <p:cNvSpPr txBox="1">
+                <a:spLocks noRot="1" noChangeAspect="1" noMove="1" noResize="1" noEditPoints="1" noAdjustHandles="1" noChangeArrowheads="1" noChangeShapeType="1" noTextEdit="1"/>
+              </p:cNvSpPr>
+              <p:nvPr/>
+            </p:nvSpPr>
+            <p:spPr>
+              <a:xfrm>
+                <a:off x="504623" y="6170220"/>
+                <a:ext cx="973343" cy="400110"/>
+              </a:xfrm>
+              <a:prstGeom prst="rect">
+                <a:avLst/>
+              </a:prstGeom>
+              <a:blipFill>
+                <a:blip r:embed="rId17"/>
+                <a:stretch>
+                  <a:fillRect b="-6061"/>
+                </a:stretch>
+              </a:blipFill>
+              <a:ln>
+                <a:noFill/>
+              </a:ln>
+            </p:spPr>
+            <p:txBody>
+              <a:bodyPr/>
+              <a:lstStyle/>
+              <a:p>
+                <a:r>
+                  <a:rPr lang="en-US">
+                    <a:noFill/>
+                  </a:rPr>
+                  <a:t> </a:t>
+                </a:r>
+              </a:p>
+            </p:txBody>
+          </p:sp>
+        </mc:Fallback>
+      </mc:AlternateContent>
+      <p:sp>
+        <p:nvSpPr>
+          <p:cNvPr id="285" name="TextBox 284">
+            <a:extLst>
+              <a:ext uri="{FF2B5EF4-FFF2-40B4-BE49-F238E27FC236}">
+                <a16:creationId xmlns:a16="http://schemas.microsoft.com/office/drawing/2014/main" id="{352B8D51-0FC7-7B66-F5D6-BA1AB8EE888E}"/>
+              </a:ext>
+            </a:extLst>
+          </p:cNvPr>
+          <p:cNvSpPr txBox="1"/>
+          <p:nvPr/>
+        </p:nvSpPr>
+        <p:spPr>
+          <a:xfrm rot="5400000">
+            <a:off x="1338165" y="5568469"/>
+            <a:ext cx="873957" cy="246221"/>
+          </a:xfrm>
+          <a:prstGeom prst="rect">
+            <a:avLst/>
+          </a:prstGeom>
+          <a:noFill/>
+          <a:ln>
+            <a:noFill/>
+          </a:ln>
+        </p:spPr>
+        <p:txBody>
+          <a:bodyPr wrap="none" rtlCol="0">
+            <a:spAutoFit/>
+          </a:bodyPr>
+          <a:lstStyle/>
+          <a:p>
+            <a:r>
+              <a:rPr lang="en-US" sz="1000" dirty="0">
+                <a:latin typeface="Times New Roman" panose="02020603050405020304" pitchFamily="18" charset="0"/>
+                <a:cs typeface="Times New Roman" panose="02020603050405020304" pitchFamily="18" charset="0"/>
+              </a:rPr>
+              <a:t>Right surface</a:t>
+            </a:r>
+          </a:p>
+        </p:txBody>
+      </p:sp>
+      <p:cxnSp>
+        <p:nvCxnSpPr>
+          <p:cNvPr id="287" name="Straight Arrow Connector 286">
+            <a:extLst>
+              <a:ext uri="{FF2B5EF4-FFF2-40B4-BE49-F238E27FC236}">
+                <a16:creationId xmlns:a16="http://schemas.microsoft.com/office/drawing/2014/main" id="{51915A55-67AF-DDF5-BB7B-E811B976A766}"/>
+              </a:ext>
+            </a:extLst>
+          </p:cNvPr>
+          <p:cNvCxnSpPr>
+            <a:cxnSpLocks noChangeAspect="1"/>
+          </p:cNvCxnSpPr>
+          <p:nvPr/>
+        </p:nvCxnSpPr>
+        <p:spPr>
+          <a:xfrm flipV="1">
+            <a:off x="2048407" y="6051429"/>
+            <a:ext cx="0" cy="328640"/>
+          </a:xfrm>
+          <a:prstGeom prst="straightConnector1">
+            <a:avLst/>
+          </a:prstGeom>
+          <a:ln w="19050" cap="flat" cmpd="sng" algn="ctr">
+            <a:solidFill>
+              <a:schemeClr val="accent5">
+                <a:lumMod val="75000"/>
+              </a:schemeClr>
+            </a:solidFill>
+            <a:prstDash val="solid"/>
+            <a:round/>
+            <a:headEnd type="none" w="med" len="med"/>
+            <a:tailEnd type="stealth" w="med" len="med"/>
+          </a:ln>
+        </p:spPr>
+        <p:style>
+          <a:lnRef idx="0">
+            <a:scrgbClr r="0" g="0" b="0"/>
+          </a:lnRef>
+          <a:fillRef idx="0">
+            <a:scrgbClr r="0" g="0" b="0"/>
+          </a:fillRef>
+          <a:effectRef idx="0">
+            <a:scrgbClr r="0" g="0" b="0"/>
+          </a:effectRef>
+          <a:fontRef idx="minor">
+            <a:schemeClr val="tx1"/>
+          </a:fontRef>
+        </p:style>
+      </p:cxnSp>
+      <p:cxnSp>
+        <p:nvCxnSpPr>
+          <p:cNvPr id="288" name="Straight Arrow Connector 287">
+            <a:extLst>
+              <a:ext uri="{FF2B5EF4-FFF2-40B4-BE49-F238E27FC236}">
+                <a16:creationId xmlns:a16="http://schemas.microsoft.com/office/drawing/2014/main" id="{FF5E41DB-E569-FA27-83D3-D913C996B137}"/>
+              </a:ext>
+            </a:extLst>
+          </p:cNvPr>
+          <p:cNvCxnSpPr>
+            <a:cxnSpLocks noChangeAspect="1"/>
+          </p:cNvCxnSpPr>
+          <p:nvPr/>
+        </p:nvCxnSpPr>
+        <p:spPr>
+          <a:xfrm flipV="1">
+            <a:off x="2043871" y="6374546"/>
+            <a:ext cx="360833" cy="3272"/>
+          </a:xfrm>
+          <a:prstGeom prst="straightConnector1">
+            <a:avLst/>
+          </a:prstGeom>
+          <a:ln w="19050" cap="flat" cmpd="sng" algn="ctr">
+            <a:solidFill>
+              <a:schemeClr val="accent5">
+                <a:lumMod val="75000"/>
+              </a:schemeClr>
+            </a:solidFill>
+            <a:prstDash val="solid"/>
+            <a:round/>
+            <a:headEnd type="none" w="med" len="med"/>
+            <a:tailEnd type="stealth" w="med" len="med"/>
+          </a:ln>
+        </p:spPr>
+        <p:style>
+          <a:lnRef idx="0">
+            <a:scrgbClr r="0" g="0" b="0"/>
+          </a:lnRef>
+          <a:fillRef idx="0">
+            <a:scrgbClr r="0" g="0" b="0"/>
+          </a:fillRef>
+          <a:effectRef idx="0">
+            <a:scrgbClr r="0" g="0" b="0"/>
+          </a:effectRef>
+          <a:fontRef idx="minor">
+            <a:schemeClr val="tx1"/>
+          </a:fontRef>
+        </p:style>
+      </p:cxnSp>
+      <p:cxnSp>
+        <p:nvCxnSpPr>
+          <p:cNvPr id="291" name="Straight Arrow Connector 290">
+            <a:extLst>
+              <a:ext uri="{FF2B5EF4-FFF2-40B4-BE49-F238E27FC236}">
+                <a16:creationId xmlns:a16="http://schemas.microsoft.com/office/drawing/2014/main" id="{F3AEDAE7-4273-228C-ABD4-3C15EF0C8EA8}"/>
+              </a:ext>
+            </a:extLst>
+          </p:cNvPr>
+          <p:cNvCxnSpPr>
+            <a:cxnSpLocks noChangeAspect="1"/>
+          </p:cNvCxnSpPr>
+          <p:nvPr/>
+        </p:nvCxnSpPr>
+        <p:spPr>
+          <a:xfrm flipH="1">
+            <a:off x="1840597" y="6374546"/>
+            <a:ext cx="209624" cy="228883"/>
+          </a:xfrm>
+          <a:prstGeom prst="straightConnector1">
+            <a:avLst/>
+          </a:prstGeom>
+          <a:ln w="19050" cap="flat" cmpd="sng" algn="ctr">
+            <a:solidFill>
+              <a:schemeClr val="accent5">
+                <a:lumMod val="75000"/>
+              </a:schemeClr>
+            </a:solidFill>
+            <a:prstDash val="solid"/>
+            <a:round/>
+            <a:headEnd type="none" w="med" len="med"/>
+            <a:tailEnd type="stealth" w="med" len="med"/>
+          </a:ln>
+        </p:spPr>
+        <p:style>
+          <a:lnRef idx="0">
+            <a:scrgbClr r="0" g="0" b="0"/>
+          </a:lnRef>
+          <a:fillRef idx="0">
+            <a:scrgbClr r="0" g="0" b="0"/>
+          </a:fillRef>
+          <a:effectRef idx="0">
+            <a:scrgbClr r="0" g="0" b="0"/>
+          </a:effectRef>
+          <a:fontRef idx="minor">
+            <a:schemeClr val="tx1"/>
+          </a:fontRef>
+        </p:style>
+      </p:cxnSp>
+      <mc:AlternateContent xmlns:mc="http://schemas.openxmlformats.org/markup-compatibility/2006" xmlns:a14="http://schemas.microsoft.com/office/drawing/2010/main">
+        <mc:Choice Requires="a14">
+          <p:sp>
+            <p:nvSpPr>
+              <p:cNvPr id="300" name="TextBox 299">
+                <a:extLst>
+                  <a:ext uri="{FF2B5EF4-FFF2-40B4-BE49-F238E27FC236}">
+                    <a16:creationId xmlns:a16="http://schemas.microsoft.com/office/drawing/2014/main" id="{D2FE5AEB-3B27-F6D9-6401-A22C13A96B37}"/>
+                  </a:ext>
+                </a:extLst>
+              </p:cNvPr>
+              <p:cNvSpPr txBox="1"/>
+              <p:nvPr/>
+            </p:nvSpPr>
+            <p:spPr>
+              <a:xfrm>
+                <a:off x="1884775" y="5859093"/>
+                <a:ext cx="330891" cy="215444"/>
+              </a:xfrm>
+              <a:prstGeom prst="rect">
+                <a:avLst/>
+              </a:prstGeom>
+              <a:noFill/>
+              <a:ln>
+                <a:noFill/>
+              </a:ln>
+            </p:spPr>
+            <p:txBody>
+              <a:bodyPr wrap="square" lIns="0" tIns="0" rIns="0" bIns="0" rtlCol="0">
+                <a:spAutoFit/>
+              </a:bodyPr>
+              <a:lstStyle/>
+              <a:p>
+                <a:pPr/>
+                <a14:m>
+                  <m:oMathPara xmlns:m="http://schemas.openxmlformats.org/officeDocument/2006/math">
+                    <m:oMathParaPr>
+                      <m:jc m:val="centerGroup"/>
+                    </m:oMathParaPr>
+                    <m:oMath xmlns:m="http://schemas.openxmlformats.org/officeDocument/2006/math">
+                      <m:r>
+                        <a:rPr lang="en-US" sz="1400" i="1">
+                          <a:latin typeface="Cambria Math" panose="02040503050406030204" pitchFamily="18" charset="0"/>
+                          <a:cs typeface="Times New Roman" panose="02020603050405020304" pitchFamily="18" charset="0"/>
+                        </a:rPr>
+                        <m:t>𝑧</m:t>
+                      </m:r>
+                    </m:oMath>
+                  </m:oMathPara>
+                </a14:m>
+                <a:endParaRPr lang="en-US" sz="1400" dirty="0">
+                  <a:latin typeface="Times New Roman" panose="02020603050405020304" pitchFamily="18" charset="0"/>
+                  <a:cs typeface="Times New Roman" panose="02020603050405020304" pitchFamily="18" charset="0"/>
+                </a:endParaRPr>
+              </a:p>
+            </p:txBody>
+          </p:sp>
+        </mc:Choice>
+        <mc:Fallback xmlns="">
+          <p:sp>
+            <p:nvSpPr>
+              <p:cNvPr id="300" name="TextBox 299">
+                <a:extLst>
+                  <a:ext uri="{FF2B5EF4-FFF2-40B4-BE49-F238E27FC236}">
+                    <a16:creationId xmlns:a16="http://schemas.microsoft.com/office/drawing/2014/main" id="{C2C1C249-0F9F-0E21-10C0-6BB022B6AA6D}"/>
+                  </a:ext>
+                </a:extLst>
+              </p:cNvPr>
+              <p:cNvSpPr txBox="1">
+                <a:spLocks noRot="1" noChangeAspect="1" noMove="1" noResize="1" noEditPoints="1" noAdjustHandles="1" noChangeArrowheads="1" noChangeShapeType="1" noTextEdit="1"/>
+              </p:cNvSpPr>
+              <p:nvPr/>
+            </p:nvSpPr>
+            <p:spPr>
+              <a:xfrm>
+                <a:off x="1884775" y="5859093"/>
+                <a:ext cx="330891" cy="215444"/>
+              </a:xfrm>
+              <a:prstGeom prst="rect">
+                <a:avLst/>
+              </a:prstGeom>
+              <a:blipFill>
+                <a:blip r:embed="rId18"/>
+                <a:stretch>
+                  <a:fillRect b="-5556"/>
+                </a:stretch>
+              </a:blipFill>
+              <a:ln>
+                <a:noFill/>
+              </a:ln>
+            </p:spPr>
+            <p:txBody>
+              <a:bodyPr/>
+              <a:lstStyle/>
+              <a:p>
+                <a:r>
+                  <a:rPr lang="en-US">
+                    <a:noFill/>
+                  </a:rPr>
+                  <a:t> </a:t>
+                </a:r>
+              </a:p>
+            </p:txBody>
+          </p:sp>
+        </mc:Fallback>
+      </mc:AlternateContent>
+      <mc:AlternateContent xmlns:mc="http://schemas.openxmlformats.org/markup-compatibility/2006" xmlns:a14="http://schemas.microsoft.com/office/drawing/2010/main">
+        <mc:Choice Requires="a14">
+          <p:sp>
+            <p:nvSpPr>
+              <p:cNvPr id="301" name="TextBox 300">
+                <a:extLst>
+                  <a:ext uri="{FF2B5EF4-FFF2-40B4-BE49-F238E27FC236}">
+                    <a16:creationId xmlns:a16="http://schemas.microsoft.com/office/drawing/2014/main" id="{BA3AFD30-CAE7-6252-EA1C-6D1098BBA8A1}"/>
+                  </a:ext>
+                </a:extLst>
+              </p:cNvPr>
+              <p:cNvSpPr txBox="1"/>
+              <p:nvPr/>
+            </p:nvSpPr>
+            <p:spPr>
+              <a:xfrm>
+                <a:off x="2305036" y="6243459"/>
+                <a:ext cx="330891" cy="215444"/>
+              </a:xfrm>
+              <a:prstGeom prst="rect">
+                <a:avLst/>
+              </a:prstGeom>
+              <a:noFill/>
+              <a:ln>
+                <a:noFill/>
+              </a:ln>
+            </p:spPr>
+            <p:txBody>
+              <a:bodyPr wrap="square" lIns="0" tIns="0" rIns="0" bIns="0" rtlCol="0">
+                <a:spAutoFit/>
+              </a:bodyPr>
+              <a:lstStyle/>
+              <a:p>
+                <a:pPr/>
+                <a14:m>
+                  <m:oMathPara xmlns:m="http://schemas.openxmlformats.org/officeDocument/2006/math">
+                    <m:oMathParaPr>
+                      <m:jc m:val="centerGroup"/>
+                    </m:oMathParaPr>
+                    <m:oMath xmlns:m="http://schemas.openxmlformats.org/officeDocument/2006/math">
+                      <m:r>
+                        <a:rPr lang="en-US" sz="1400" b="0" i="1" smtClean="0">
+                          <a:latin typeface="Cambria Math" panose="02040503050406030204" pitchFamily="18" charset="0"/>
+                          <a:cs typeface="Times New Roman" panose="02020603050405020304" pitchFamily="18" charset="0"/>
+                        </a:rPr>
+                        <m:t>𝑥</m:t>
+                      </m:r>
+                    </m:oMath>
+                  </m:oMathPara>
+                </a14:m>
+                <a:endParaRPr lang="en-US" sz="1400" dirty="0">
+                  <a:latin typeface="Times New Roman" panose="02020603050405020304" pitchFamily="18" charset="0"/>
+                  <a:cs typeface="Times New Roman" panose="02020603050405020304" pitchFamily="18" charset="0"/>
+                </a:endParaRPr>
+              </a:p>
+            </p:txBody>
+          </p:sp>
+        </mc:Choice>
+        <mc:Fallback xmlns="">
+          <p:sp>
+            <p:nvSpPr>
+              <p:cNvPr id="301" name="TextBox 300">
+                <a:extLst>
+                  <a:ext uri="{FF2B5EF4-FFF2-40B4-BE49-F238E27FC236}">
+                    <a16:creationId xmlns:a16="http://schemas.microsoft.com/office/drawing/2014/main" id="{106D8504-46E9-BF5F-D4B2-FFDE7B8E8BE4}"/>
+                  </a:ext>
+                </a:extLst>
+              </p:cNvPr>
+              <p:cNvSpPr txBox="1">
+                <a:spLocks noRot="1" noChangeAspect="1" noMove="1" noResize="1" noEditPoints="1" noAdjustHandles="1" noChangeArrowheads="1" noChangeShapeType="1" noTextEdit="1"/>
+              </p:cNvSpPr>
+              <p:nvPr/>
+            </p:nvSpPr>
+            <p:spPr>
+              <a:xfrm>
+                <a:off x="2305036" y="6243459"/>
+                <a:ext cx="330891" cy="215444"/>
+              </a:xfrm>
+              <a:prstGeom prst="rect">
+                <a:avLst/>
+              </a:prstGeom>
+              <a:blipFill>
+                <a:blip r:embed="rId19"/>
+                <a:stretch>
+                  <a:fillRect b="-5556"/>
+                </a:stretch>
+              </a:blipFill>
+              <a:ln>
+                <a:noFill/>
+              </a:ln>
+            </p:spPr>
+            <p:txBody>
+              <a:bodyPr/>
+              <a:lstStyle/>
+              <a:p>
+                <a:r>
+                  <a:rPr lang="en-US">
+                    <a:noFill/>
+                  </a:rPr>
+                  <a:t> </a:t>
+                </a:r>
+              </a:p>
+            </p:txBody>
+          </p:sp>
+        </mc:Fallback>
+      </mc:AlternateContent>
+      <mc:AlternateContent xmlns:mc="http://schemas.openxmlformats.org/markup-compatibility/2006" xmlns:a14="http://schemas.microsoft.com/office/drawing/2010/main">
+        <mc:Choice Requires="a14">
+          <p:sp>
+            <p:nvSpPr>
+              <p:cNvPr id="302" name="TextBox 301">
+                <a:extLst>
+                  <a:ext uri="{FF2B5EF4-FFF2-40B4-BE49-F238E27FC236}">
+                    <a16:creationId xmlns:a16="http://schemas.microsoft.com/office/drawing/2014/main" id="{F321B8D8-86C8-931D-B572-49F72BFEA9EA}"/>
+                  </a:ext>
+                </a:extLst>
+              </p:cNvPr>
+              <p:cNvSpPr txBox="1"/>
+              <p:nvPr/>
+            </p:nvSpPr>
+            <p:spPr>
+              <a:xfrm>
+                <a:off x="1629354" y="6527908"/>
+                <a:ext cx="330891" cy="215444"/>
+              </a:xfrm>
+              <a:prstGeom prst="rect">
+                <a:avLst/>
+              </a:prstGeom>
+              <a:noFill/>
+            </p:spPr>
+            <p:txBody>
+              <a:bodyPr wrap="square" lIns="0" tIns="0" rIns="0" bIns="0" rtlCol="0">
+                <a:spAutoFit/>
+              </a:bodyPr>
+              <a:lstStyle/>
+              <a:p>
+                <a:pPr/>
+                <a14:m>
+                  <m:oMathPara xmlns:m="http://schemas.openxmlformats.org/officeDocument/2006/math">
+                    <m:oMathParaPr>
+                      <m:jc m:val="centerGroup"/>
+                    </m:oMathParaPr>
+                    <m:oMath xmlns:m="http://schemas.openxmlformats.org/officeDocument/2006/math">
+                      <m:r>
+                        <a:rPr lang="en-US" sz="1400" b="0" i="1" smtClean="0">
+                          <a:latin typeface="Cambria Math" panose="02040503050406030204" pitchFamily="18" charset="0"/>
+                          <a:cs typeface="Times New Roman" panose="02020603050405020304" pitchFamily="18" charset="0"/>
+                        </a:rPr>
+                        <m:t>𝑦</m:t>
+                      </m:r>
+                    </m:oMath>
+                  </m:oMathPara>
+                </a14:m>
+                <a:endParaRPr lang="en-US" sz="1400" dirty="0">
+                  <a:latin typeface="Times New Roman" panose="02020603050405020304" pitchFamily="18" charset="0"/>
+                  <a:cs typeface="Times New Roman" panose="02020603050405020304" pitchFamily="18" charset="0"/>
+                </a:endParaRPr>
+              </a:p>
+            </p:txBody>
+          </p:sp>
+        </mc:Choice>
+        <mc:Fallback xmlns="">
+          <p:sp>
+            <p:nvSpPr>
+              <p:cNvPr id="302" name="TextBox 301">
+                <a:extLst>
+                  <a:ext uri="{FF2B5EF4-FFF2-40B4-BE49-F238E27FC236}">
+                    <a16:creationId xmlns:a16="http://schemas.microsoft.com/office/drawing/2014/main" id="{1F25F46F-96C8-D773-6FC7-935D1767A5F7}"/>
+                  </a:ext>
+                </a:extLst>
+              </p:cNvPr>
+              <p:cNvSpPr txBox="1">
+                <a:spLocks noRot="1" noChangeAspect="1" noMove="1" noResize="1" noEditPoints="1" noAdjustHandles="1" noChangeArrowheads="1" noChangeShapeType="1" noTextEdit="1"/>
+              </p:cNvSpPr>
+              <p:nvPr/>
+            </p:nvSpPr>
+            <p:spPr>
+              <a:xfrm>
+                <a:off x="1629354" y="6527908"/>
+                <a:ext cx="330891" cy="215444"/>
+              </a:xfrm>
+              <a:prstGeom prst="rect">
+                <a:avLst/>
+              </a:prstGeom>
+              <a:blipFill>
+                <a:blip r:embed="rId20"/>
+                <a:stretch>
+                  <a:fillRect b="-35294"/>
+                </a:stretch>
+              </a:blipFill>
+            </p:spPr>
+            <p:txBody>
+              <a:bodyPr/>
+              <a:lstStyle/>
+              <a:p>
+                <a:r>
+                  <a:rPr lang="en-US">
+                    <a:noFill/>
+                  </a:rPr>
+                  <a:t> </a:t>
+                </a:r>
+              </a:p>
+            </p:txBody>
+          </p:sp>
+        </mc:Fallback>
+      </mc:AlternateContent>
+      <mc:AlternateContent xmlns:mc="http://schemas.openxmlformats.org/markup-compatibility/2006" xmlns:a14="http://schemas.microsoft.com/office/drawing/2010/main">
+        <mc:Choice Requires="a14">
+          <p:sp>
+            <p:nvSpPr>
+              <p:cNvPr id="303" name="TextBox 302">
+                <a:extLst>
+                  <a:ext uri="{FF2B5EF4-FFF2-40B4-BE49-F238E27FC236}">
+                    <a16:creationId xmlns:a16="http://schemas.microsoft.com/office/drawing/2014/main" id="{E78845CE-AD0E-6A9B-F233-B13489896F40}"/>
+                  </a:ext>
+                </a:extLst>
+              </p:cNvPr>
+              <p:cNvSpPr txBox="1"/>
+              <p:nvPr/>
+            </p:nvSpPr>
+            <p:spPr>
+              <a:xfrm rot="16200000">
+                <a:off x="-47965" y="5535682"/>
+                <a:ext cx="805029" cy="412292"/>
+              </a:xfrm>
+              <a:prstGeom prst="rect">
+                <a:avLst/>
+              </a:prstGeom>
+              <a:noFill/>
+              <a:ln>
+                <a:noFill/>
+              </a:ln>
+            </p:spPr>
+            <p:txBody>
+              <a:bodyPr wrap="none" rtlCol="0">
+                <a:spAutoFit/>
+              </a:bodyPr>
+              <a:lstStyle/>
+              <a:p>
+                <a:pPr algn="ctr"/>
+                <a:r>
+                  <a:rPr lang="en-US" sz="1000" dirty="0">
+                    <a:latin typeface="Times New Roman" panose="02020603050405020304" pitchFamily="18" charset="0"/>
+                    <a:cs typeface="Times New Roman" panose="02020603050405020304" pitchFamily="18" charset="0"/>
+                  </a:rPr>
+                  <a:t>Left surface</a:t>
+                </a:r>
+              </a:p>
+              <a:p>
+                <a:pPr algn="ctr"/>
+                <a14:m>
+                  <m:oMath xmlns:m="http://schemas.openxmlformats.org/officeDocument/2006/math">
+                    <m:sSub>
+                      <m:sSubPr>
+                        <m:ctrlPr>
+                          <a:rPr lang="en-US" sz="1000" i="1">
+                            <a:latin typeface="Cambria Math" panose="02040503050406030204" pitchFamily="18" charset="0"/>
+                            <a:cs typeface="Times New Roman" panose="02020603050405020304" pitchFamily="18" charset="0"/>
+                          </a:rPr>
+                        </m:ctrlPr>
+                      </m:sSubPr>
+                      <m:e>
+                        <m:r>
+                          <a:rPr lang="en-US" sz="1000" i="1">
+                            <a:latin typeface="Cambria Math" panose="02040503050406030204" pitchFamily="18" charset="0"/>
+                            <a:cs typeface="Times New Roman" panose="02020603050405020304" pitchFamily="18" charset="0"/>
+                          </a:rPr>
+                          <m:t>𝑢</m:t>
+                        </m:r>
+                      </m:e>
+                      <m:sub>
+                        <m:r>
+                          <a:rPr lang="en-US" sz="1000" b="0" i="1" smtClean="0">
+                            <a:latin typeface="Cambria Math" panose="02040503050406030204" pitchFamily="18" charset="0"/>
+                            <a:cs typeface="Times New Roman" panose="02020603050405020304" pitchFamily="18" charset="0"/>
+                          </a:rPr>
+                          <m:t>𝑥</m:t>
+                        </m:r>
+                      </m:sub>
+                    </m:sSub>
+                  </m:oMath>
+                </a14:m>
+                <a:r>
+                  <a:rPr lang="en-US" sz="1000" dirty="0">
+                    <a:latin typeface="Times New Roman" panose="02020603050405020304" pitchFamily="18" charset="0"/>
+                    <a:cs typeface="Times New Roman" panose="02020603050405020304" pitchFamily="18" charset="0"/>
+                  </a:rPr>
+                  <a:t>=0</a:t>
+                </a:r>
+              </a:p>
+            </p:txBody>
+          </p:sp>
+        </mc:Choice>
+        <mc:Fallback xmlns="">
+          <p:sp>
+            <p:nvSpPr>
+              <p:cNvPr id="303" name="TextBox 302">
+                <a:extLst>
+                  <a:ext uri="{FF2B5EF4-FFF2-40B4-BE49-F238E27FC236}">
+                    <a16:creationId xmlns:a16="http://schemas.microsoft.com/office/drawing/2014/main" id="{DABEB20B-AA15-6655-3AA7-79FECF880128}"/>
+                  </a:ext>
+                </a:extLst>
+              </p:cNvPr>
+              <p:cNvSpPr txBox="1">
+                <a:spLocks noRot="1" noChangeAspect="1" noMove="1" noResize="1" noEditPoints="1" noAdjustHandles="1" noChangeArrowheads="1" noChangeShapeType="1" noTextEdit="1"/>
+              </p:cNvSpPr>
+              <p:nvPr/>
+            </p:nvSpPr>
+            <p:spPr>
+              <a:xfrm rot="16200000">
+                <a:off x="-47965" y="5535682"/>
+                <a:ext cx="805029" cy="412292"/>
+              </a:xfrm>
+              <a:prstGeom prst="rect">
+                <a:avLst/>
+              </a:prstGeom>
+              <a:blipFill>
+                <a:blip r:embed="rId21"/>
+                <a:stretch>
+                  <a:fillRect r="-2941"/>
+                </a:stretch>
+              </a:blipFill>
+              <a:ln>
+                <a:noFill/>
+              </a:ln>
+            </p:spPr>
+            <p:txBody>
+              <a:bodyPr/>
+              <a:lstStyle/>
+              <a:p>
+                <a:r>
+                  <a:rPr lang="en-US">
+                    <a:noFill/>
+                  </a:rPr>
+                  <a:t> </a:t>
+                </a:r>
+              </a:p>
+            </p:txBody>
+          </p:sp>
+        </mc:Fallback>
+      </mc:AlternateContent>
+      <p:sp>
+        <p:nvSpPr>
+          <p:cNvPr id="305" name="Cube 304">
+            <a:extLst>
+              <a:ext uri="{FF2B5EF4-FFF2-40B4-BE49-F238E27FC236}">
+                <a16:creationId xmlns:a16="http://schemas.microsoft.com/office/drawing/2014/main" id="{4034CC2C-FD21-428D-38F6-D058AE39135D}"/>
+              </a:ext>
+            </a:extLst>
+          </p:cNvPr>
+          <p:cNvSpPr>
+            <a:spLocks noChangeAspect="1"/>
+          </p:cNvSpPr>
+          <p:nvPr/>
+        </p:nvSpPr>
+        <p:spPr>
+          <a:xfrm>
+            <a:off x="571754" y="5151960"/>
+            <a:ext cx="1024258" cy="1051684"/>
+          </a:xfrm>
+          <a:prstGeom prst="cube">
+            <a:avLst>
+              <a:gd name="adj" fmla="val 24232"/>
+            </a:avLst>
+          </a:prstGeom>
+          <a:blipFill dpi="0" rotWithShape="1">
+            <a:blip r:embed="rId5">
+              <a:alphaModFix amt="61061"/>
+            </a:blip>
+            <a:srcRect/>
+            <a:tile tx="0" ty="0" sx="100000" sy="100000" flip="none" algn="tl"/>
+          </a:blipFill>
+          <a:ln w="9525" cap="flat" cmpd="sng" algn="ctr">
+            <a:gradFill>
+              <a:gsLst>
+                <a:gs pos="0">
+                  <a:schemeClr val="accent1">
+                    <a:lumMod val="5000"/>
+                    <a:lumOff val="95000"/>
+                    <a:alpha val="0"/>
+                  </a:schemeClr>
+                </a:gs>
+                <a:gs pos="74000">
+                  <a:schemeClr val="accent1">
+                    <a:lumMod val="45000"/>
+                    <a:lumOff val="55000"/>
+                  </a:schemeClr>
+                </a:gs>
+                <a:gs pos="83000">
+                  <a:schemeClr val="accent1">
+                    <a:lumMod val="45000"/>
+                    <a:lumOff val="55000"/>
+                  </a:schemeClr>
+                </a:gs>
+                <a:gs pos="100000">
+                  <a:schemeClr val="accent1">
+                    <a:lumMod val="30000"/>
+                    <a:lumOff val="70000"/>
+                  </a:schemeClr>
+                </a:gs>
+              </a:gsLst>
+              <a:lin ang="5400000" scaled="1"/>
+            </a:gradFill>
+            <a:prstDash val="solid"/>
+            <a:round/>
+            <a:headEnd type="none" w="med" len="med"/>
+            <a:tailEnd type="none" w="med" len="med"/>
+          </a:ln>
+        </p:spPr>
+        <p:style>
+          <a:lnRef idx="0">
+            <a:scrgbClr r="0" g="0" b="0"/>
+          </a:lnRef>
+          <a:fillRef idx="0">
+            <a:scrgbClr r="0" g="0" b="0"/>
+          </a:fillRef>
+          <a:effectRef idx="0">
+            <a:scrgbClr r="0" g="0" b="0"/>
+          </a:effectRef>
+          <a:fontRef idx="minor">
+            <a:schemeClr val="dk1"/>
+          </a:fontRef>
+        </p:style>
+        <p:txBody>
+          <a:bodyPr rtlCol="0" anchor="ctr"/>
+          <a:lstStyle/>
+          <a:p>
+            <a:pPr algn="ctr"/>
+            <a:endParaRPr lang="en-US" dirty="0"/>
+          </a:p>
+        </p:txBody>
+      </p:sp>
+      <p:sp>
+        <p:nvSpPr>
+          <p:cNvPr id="306" name="TextBox 305">
+            <a:extLst>
+              <a:ext uri="{FF2B5EF4-FFF2-40B4-BE49-F238E27FC236}">
+                <a16:creationId xmlns:a16="http://schemas.microsoft.com/office/drawing/2014/main" id="{5CC8DEC2-D4DB-EC8C-8A8D-16C6B26813F9}"/>
+              </a:ext>
+            </a:extLst>
+          </p:cNvPr>
+          <p:cNvSpPr txBox="1"/>
+          <p:nvPr/>
+        </p:nvSpPr>
+        <p:spPr>
+          <a:xfrm>
+            <a:off x="532287" y="5705132"/>
+            <a:ext cx="867545" cy="246221"/>
+          </a:xfrm>
+          <a:prstGeom prst="rect">
+            <a:avLst/>
+          </a:prstGeom>
+          <a:noFill/>
+          <a:ln>
+            <a:noFill/>
+          </a:ln>
+        </p:spPr>
+        <p:txBody>
+          <a:bodyPr wrap="none" rtlCol="0">
+            <a:spAutoFit/>
+          </a:bodyPr>
+          <a:lstStyle/>
+          <a:p>
+            <a:r>
+              <a:rPr lang="en-US" sz="1000" dirty="0">
+                <a:latin typeface="Times New Roman" panose="02020603050405020304" pitchFamily="18" charset="0"/>
+                <a:cs typeface="Times New Roman" panose="02020603050405020304" pitchFamily="18" charset="0"/>
+              </a:rPr>
+              <a:t>Front surface</a:t>
+            </a:r>
+          </a:p>
+        </p:txBody>
+      </p:sp>
+      <mc:AlternateContent xmlns:mc="http://schemas.openxmlformats.org/markup-compatibility/2006">
+        <mc:Choice xmlns:a14="http://schemas.microsoft.com/office/drawing/2010/main" Requires="a14">
+          <p:sp>
+            <p:nvSpPr>
+              <p:cNvPr id="309" name="TextBox 308">
+                <a:extLst>
+                  <a:ext uri="{FF2B5EF4-FFF2-40B4-BE49-F238E27FC236}">
+                    <a16:creationId xmlns:a16="http://schemas.microsoft.com/office/drawing/2014/main" id="{938CFFDB-FE7A-0A33-B4A5-10B7CDA21EC5}"/>
+                  </a:ext>
+                </a:extLst>
+              </p:cNvPr>
+              <p:cNvSpPr txBox="1"/>
+              <p:nvPr/>
+            </p:nvSpPr>
+            <p:spPr>
+              <a:xfrm>
+                <a:off x="769301" y="4731643"/>
+                <a:ext cx="854721" cy="566181"/>
+              </a:xfrm>
+              <a:prstGeom prst="rect">
+                <a:avLst/>
+              </a:prstGeom>
+              <a:noFill/>
+              <a:ln>
+                <a:noFill/>
+              </a:ln>
+            </p:spPr>
+            <p:txBody>
+              <a:bodyPr wrap="none" rtlCol="0">
+                <a:spAutoFit/>
+              </a:bodyPr>
+              <a:lstStyle/>
+              <a:p>
+                <a:pPr algn="ctr"/>
+                <a:r>
+                  <a:rPr lang="en-US" sz="1000" dirty="0">
+                    <a:latin typeface="Times New Roman" panose="02020603050405020304" pitchFamily="18" charset="0"/>
+                    <a:cs typeface="Times New Roman" panose="02020603050405020304" pitchFamily="18" charset="0"/>
+                  </a:rPr>
+                  <a:t>Back surface</a:t>
+                </a:r>
+              </a:p>
+              <a:p>
+                <a:pPr algn="ctr"/>
+                <a14:m>
+                  <m:oMath xmlns:m="http://schemas.openxmlformats.org/officeDocument/2006/math">
+                    <m:sSub>
+                      <m:sSubPr>
+                        <m:ctrlPr>
+                          <a:rPr lang="en-US" sz="1000" i="1">
+                            <a:latin typeface="Cambria Math" panose="02040503050406030204" pitchFamily="18" charset="0"/>
+                            <a:cs typeface="Times New Roman" panose="02020603050405020304" pitchFamily="18" charset="0"/>
+                          </a:rPr>
+                        </m:ctrlPr>
+                      </m:sSubPr>
+                      <m:e>
+                        <m:r>
+                          <a:rPr lang="en-US" sz="1000" i="1">
+                            <a:latin typeface="Cambria Math" panose="02040503050406030204" pitchFamily="18" charset="0"/>
+                            <a:cs typeface="Times New Roman" panose="02020603050405020304" pitchFamily="18" charset="0"/>
+                          </a:rPr>
+                          <m:t>𝑢</m:t>
+                        </m:r>
+                      </m:e>
+                      <m:sub>
+                        <m:r>
+                          <a:rPr lang="en-US" sz="1000" b="0" i="1" smtClean="0">
+                            <a:latin typeface="Cambria Math" panose="02040503050406030204" pitchFamily="18" charset="0"/>
+                            <a:cs typeface="Times New Roman" panose="02020603050405020304" pitchFamily="18" charset="0"/>
+                          </a:rPr>
+                          <m:t>𝑦</m:t>
+                        </m:r>
+                      </m:sub>
+                    </m:sSub>
+                  </m:oMath>
+                </a14:m>
+                <a:r>
+                  <a:rPr lang="en-US" sz="1000" dirty="0">
+                    <a:latin typeface="Times New Roman" panose="02020603050405020304" pitchFamily="18" charset="0"/>
+                    <a:cs typeface="Times New Roman" panose="02020603050405020304" pitchFamily="18" charset="0"/>
+                  </a:rPr>
+                  <a:t>=0</a:t>
+                </a:r>
+              </a:p>
+              <a:p>
+                <a:pPr algn="ctr"/>
+                <a:endParaRPr lang="en-US" sz="1000" dirty="0">
+                  <a:latin typeface="Times New Roman" panose="02020603050405020304" pitchFamily="18" charset="0"/>
+                  <a:cs typeface="Times New Roman" panose="02020603050405020304" pitchFamily="18" charset="0"/>
+                </a:endParaRPr>
+              </a:p>
+            </p:txBody>
+          </p:sp>
+        </mc:Choice>
+        <mc:Fallback>
+          <p:sp>
+            <p:nvSpPr>
+              <p:cNvPr id="309" name="TextBox 308">
+                <a:extLst>
+                  <a:ext uri="{FF2B5EF4-FFF2-40B4-BE49-F238E27FC236}">
+                    <a16:creationId xmlns:a16="http://schemas.microsoft.com/office/drawing/2014/main" id="{938CFFDB-FE7A-0A33-B4A5-10B7CDA21EC5}"/>
+                  </a:ext>
+                </a:extLst>
+              </p:cNvPr>
+              <p:cNvSpPr txBox="1">
+                <a:spLocks noRot="1" noChangeAspect="1" noMove="1" noResize="1" noEditPoints="1" noAdjustHandles="1" noChangeArrowheads="1" noChangeShapeType="1" noTextEdit="1"/>
+              </p:cNvSpPr>
+              <p:nvPr/>
+            </p:nvSpPr>
+            <p:spPr>
+              <a:xfrm>
+                <a:off x="769301" y="4731643"/>
+                <a:ext cx="854721" cy="566181"/>
+              </a:xfrm>
+              <a:prstGeom prst="rect">
+                <a:avLst/>
+              </a:prstGeom>
+              <a:blipFill>
+                <a:blip r:embed="rId22"/>
+                <a:stretch>
+                  <a:fillRect/>
+                </a:stretch>
+              </a:blipFill>
+              <a:ln>
+                <a:noFill/>
+              </a:ln>
+            </p:spPr>
+            <p:txBody>
+              <a:bodyPr/>
+              <a:lstStyle/>
+              <a:p>
+                <a:r>
+                  <a:rPr lang="en-US">
+                    <a:noFill/>
+                  </a:rPr>
+                  <a:t> </a:t>
+                </a:r>
+              </a:p>
+            </p:txBody>
+          </p:sp>
+        </mc:Fallback>
+      </mc:AlternateContent>
+      <p:grpSp>
+        <p:nvGrpSpPr>
+          <p:cNvPr id="3" name="Group 2">
+            <a:extLst>
+              <a:ext uri="{FF2B5EF4-FFF2-40B4-BE49-F238E27FC236}">
+                <a16:creationId xmlns:a16="http://schemas.microsoft.com/office/drawing/2014/main" id="{BEDC4212-617F-1D41-2D70-577464FAFD1D}"/>
+              </a:ext>
+            </a:extLst>
+          </p:cNvPr>
+          <p:cNvGrpSpPr/>
+          <p:nvPr/>
+        </p:nvGrpSpPr>
+        <p:grpSpPr>
+          <a:xfrm rot="5400000" flipH="1">
+            <a:off x="6021996" y="3822330"/>
+            <a:ext cx="3158482" cy="1115817"/>
+            <a:chOff x="4638048" y="2432899"/>
+            <a:chExt cx="3158482" cy="1115817"/>
+          </a:xfrm>
+        </p:grpSpPr>
+        <p:cxnSp>
+          <p:nvCxnSpPr>
+            <p:cNvPr id="4" name="Straight Connector 3">
+              <a:extLst>
+                <a:ext uri="{FF2B5EF4-FFF2-40B4-BE49-F238E27FC236}">
+                  <a16:creationId xmlns:a16="http://schemas.microsoft.com/office/drawing/2014/main" id="{390DC4B1-1293-4FE2-17E7-A9677C6308A1}"/>
+                </a:ext>
+              </a:extLst>
+            </p:cNvPr>
+            <p:cNvCxnSpPr>
+              <a:cxnSpLocks/>
+            </p:cNvCxnSpPr>
+            <p:nvPr/>
+          </p:nvCxnSpPr>
+          <p:spPr>
+            <a:xfrm rot="5400000">
+              <a:off x="6860951" y="3370833"/>
+              <a:ext cx="343734" cy="0"/>
+            </a:xfrm>
+            <a:prstGeom prst="line">
+              <a:avLst/>
+            </a:prstGeom>
+            <a:ln w="19050" cap="flat" cmpd="sng" algn="ctr">
+              <a:solidFill>
+                <a:srgbClr val="004BB8"/>
+              </a:solidFill>
+              <a:prstDash val="solid"/>
+              <a:round/>
+              <a:headEnd type="none" w="med" len="med"/>
+              <a:tailEnd type="arrow" w="med" len="med"/>
+            </a:ln>
+          </p:spPr>
+          <p:style>
+            <a:lnRef idx="0">
+              <a:scrgbClr r="0" g="0" b="0"/>
+            </a:lnRef>
+            <a:fillRef idx="0">
+              <a:scrgbClr r="0" g="0" b="0"/>
+            </a:fillRef>
+            <a:effectRef idx="0">
+              <a:scrgbClr r="0" g="0" b="0"/>
+            </a:effectRef>
+            <a:fontRef idx="minor">
+              <a:schemeClr val="tx1"/>
+            </a:fontRef>
+          </p:style>
+        </p:cxnSp>
+        <p:cxnSp>
+          <p:nvCxnSpPr>
+            <p:cNvPr id="5" name="Straight Connector 4">
+              <a:extLst>
+                <a:ext uri="{FF2B5EF4-FFF2-40B4-BE49-F238E27FC236}">
+                  <a16:creationId xmlns:a16="http://schemas.microsoft.com/office/drawing/2014/main" id="{ED4092C4-4358-186F-0076-4F949B8E10BF}"/>
+                </a:ext>
+              </a:extLst>
+            </p:cNvPr>
+            <p:cNvCxnSpPr>
+              <a:cxnSpLocks/>
+            </p:cNvCxnSpPr>
+            <p:nvPr/>
+          </p:nvCxnSpPr>
+          <p:spPr>
+            <a:xfrm rot="5400000">
+              <a:off x="6489325" y="3370833"/>
+              <a:ext cx="343734" cy="0"/>
+            </a:xfrm>
+            <a:prstGeom prst="line">
+              <a:avLst/>
+            </a:prstGeom>
+            <a:ln w="19050" cap="flat" cmpd="sng" algn="ctr">
+              <a:solidFill>
+                <a:srgbClr val="004BB8"/>
+              </a:solidFill>
+              <a:prstDash val="solid"/>
+              <a:round/>
+              <a:headEnd type="none" w="med" len="med"/>
+              <a:tailEnd type="arrow" w="med" len="med"/>
+            </a:ln>
+          </p:spPr>
+          <p:style>
+            <a:lnRef idx="0">
+              <a:scrgbClr r="0" g="0" b="0"/>
+            </a:lnRef>
+            <a:fillRef idx="0">
+              <a:scrgbClr r="0" g="0" b="0"/>
+            </a:fillRef>
+            <a:effectRef idx="0">
+              <a:scrgbClr r="0" g="0" b="0"/>
+            </a:effectRef>
+            <a:fontRef idx="minor">
+              <a:schemeClr val="tx1"/>
+            </a:fontRef>
+          </p:style>
+        </p:cxnSp>
+        <p:cxnSp>
+          <p:nvCxnSpPr>
+            <p:cNvPr id="6" name="Straight Connector 5">
+              <a:extLst>
+                <a:ext uri="{FF2B5EF4-FFF2-40B4-BE49-F238E27FC236}">
+                  <a16:creationId xmlns:a16="http://schemas.microsoft.com/office/drawing/2014/main" id="{35C1D3F4-2B92-B97B-6AE5-D940CBF1555D}"/>
+                </a:ext>
+              </a:extLst>
+            </p:cNvPr>
+            <p:cNvCxnSpPr>
+              <a:cxnSpLocks/>
+            </p:cNvCxnSpPr>
+            <p:nvPr/>
+          </p:nvCxnSpPr>
+          <p:spPr>
+            <a:xfrm rot="5400000">
+              <a:off x="6097607" y="3369816"/>
+              <a:ext cx="343734" cy="0"/>
+            </a:xfrm>
+            <a:prstGeom prst="line">
+              <a:avLst/>
+            </a:prstGeom>
+            <a:ln w="19050" cap="flat" cmpd="sng" algn="ctr">
+              <a:solidFill>
+                <a:srgbClr val="004BB8"/>
+              </a:solidFill>
+              <a:prstDash val="solid"/>
+              <a:round/>
+              <a:headEnd type="none" w="med" len="med"/>
+              <a:tailEnd type="arrow" w="med" len="med"/>
+            </a:ln>
+          </p:spPr>
+          <p:style>
+            <a:lnRef idx="0">
+              <a:scrgbClr r="0" g="0" b="0"/>
+            </a:lnRef>
+            <a:fillRef idx="0">
+              <a:scrgbClr r="0" g="0" b="0"/>
+            </a:fillRef>
+            <a:effectRef idx="0">
+              <a:scrgbClr r="0" g="0" b="0"/>
+            </a:effectRef>
+            <a:fontRef idx="minor">
+              <a:schemeClr val="tx1"/>
+            </a:fontRef>
+          </p:style>
+        </p:cxnSp>
+        <p:cxnSp>
+          <p:nvCxnSpPr>
+            <p:cNvPr id="7" name="Straight Connector 6">
+              <a:extLst>
+                <a:ext uri="{FF2B5EF4-FFF2-40B4-BE49-F238E27FC236}">
+                  <a16:creationId xmlns:a16="http://schemas.microsoft.com/office/drawing/2014/main" id="{F0351BF6-6BA7-89FF-E48E-0AAC6EFF528C}"/>
+                </a:ext>
+              </a:extLst>
+            </p:cNvPr>
+            <p:cNvCxnSpPr>
+              <a:cxnSpLocks/>
+            </p:cNvCxnSpPr>
+            <p:nvPr/>
+          </p:nvCxnSpPr>
+          <p:spPr>
+            <a:xfrm rot="5400000">
+              <a:off x="5690680" y="3376849"/>
+              <a:ext cx="343734" cy="0"/>
+            </a:xfrm>
+            <a:prstGeom prst="line">
+              <a:avLst/>
+            </a:prstGeom>
+            <a:ln w="19050" cap="flat" cmpd="sng" algn="ctr">
+              <a:solidFill>
+                <a:srgbClr val="004BB8"/>
+              </a:solidFill>
+              <a:prstDash val="solid"/>
+              <a:round/>
+              <a:headEnd type="none" w="med" len="med"/>
+              <a:tailEnd type="arrow" w="med" len="med"/>
+            </a:ln>
+          </p:spPr>
+          <p:style>
+            <a:lnRef idx="0">
+              <a:scrgbClr r="0" g="0" b="0"/>
+            </a:lnRef>
+            <a:fillRef idx="0">
+              <a:scrgbClr r="0" g="0" b="0"/>
+            </a:fillRef>
+            <a:effectRef idx="0">
+              <a:scrgbClr r="0" g="0" b="0"/>
+            </a:effectRef>
+            <a:fontRef idx="minor">
+              <a:schemeClr val="tx1"/>
+            </a:fontRef>
+          </p:style>
+        </p:cxnSp>
+        <p:cxnSp>
+          <p:nvCxnSpPr>
+            <p:cNvPr id="9" name="Straight Connector 8">
+              <a:extLst>
+                <a:ext uri="{FF2B5EF4-FFF2-40B4-BE49-F238E27FC236}">
+                  <a16:creationId xmlns:a16="http://schemas.microsoft.com/office/drawing/2014/main" id="{0AA2BBEA-7DA2-42DC-50AC-0644DCB28588}"/>
+                </a:ext>
+              </a:extLst>
+            </p:cNvPr>
+            <p:cNvCxnSpPr>
+              <a:cxnSpLocks/>
+            </p:cNvCxnSpPr>
+            <p:nvPr/>
+          </p:nvCxnSpPr>
+          <p:spPr>
+            <a:xfrm rot="5400000">
+              <a:off x="5314854" y="3376849"/>
+              <a:ext cx="343734" cy="0"/>
+            </a:xfrm>
+            <a:prstGeom prst="line">
+              <a:avLst/>
+            </a:prstGeom>
+            <a:ln w="19050" cap="flat" cmpd="sng" algn="ctr">
+              <a:solidFill>
+                <a:srgbClr val="004BB8"/>
+              </a:solidFill>
+              <a:prstDash val="solid"/>
+              <a:round/>
+              <a:headEnd type="none" w="med" len="med"/>
+              <a:tailEnd type="arrow" w="med" len="med"/>
+            </a:ln>
+          </p:spPr>
+          <p:style>
+            <a:lnRef idx="0">
+              <a:scrgbClr r="0" g="0" b="0"/>
+            </a:lnRef>
+            <a:fillRef idx="0">
+              <a:scrgbClr r="0" g="0" b="0"/>
+            </a:fillRef>
+            <a:effectRef idx="0">
+              <a:scrgbClr r="0" g="0" b="0"/>
+            </a:effectRef>
+            <a:fontRef idx="minor">
+              <a:schemeClr val="tx1"/>
+            </a:fontRef>
+          </p:style>
+        </p:cxnSp>
+        <p:cxnSp>
+          <p:nvCxnSpPr>
+            <p:cNvPr id="10" name="Straight Connector 9">
+              <a:extLst>
+                <a:ext uri="{FF2B5EF4-FFF2-40B4-BE49-F238E27FC236}">
+                  <a16:creationId xmlns:a16="http://schemas.microsoft.com/office/drawing/2014/main" id="{73C74F44-C8F8-38B4-6FF4-459E7C42FC53}"/>
+                </a:ext>
+              </a:extLst>
+            </p:cNvPr>
+            <p:cNvCxnSpPr>
+              <a:cxnSpLocks/>
+            </p:cNvCxnSpPr>
+            <p:nvPr/>
+          </p:nvCxnSpPr>
+          <p:spPr>
+            <a:xfrm rot="5400000">
+              <a:off x="4885012" y="3376849"/>
+              <a:ext cx="343734" cy="0"/>
+            </a:xfrm>
+            <a:prstGeom prst="line">
+              <a:avLst/>
+            </a:prstGeom>
+            <a:ln w="19050" cap="flat" cmpd="sng" algn="ctr">
+              <a:solidFill>
+                <a:srgbClr val="004BB8"/>
+              </a:solidFill>
+              <a:prstDash val="solid"/>
+              <a:round/>
+              <a:headEnd type="none" w="med" len="med"/>
+              <a:tailEnd type="arrow" w="med" len="med"/>
+            </a:ln>
+          </p:spPr>
+          <p:style>
+            <a:lnRef idx="0">
+              <a:scrgbClr r="0" g="0" b="0"/>
+            </a:lnRef>
+            <a:fillRef idx="0">
+              <a:scrgbClr r="0" g="0" b="0"/>
+            </a:fillRef>
+            <a:effectRef idx="0">
+              <a:scrgbClr r="0" g="0" b="0"/>
+            </a:effectRef>
+            <a:fontRef idx="minor">
+              <a:schemeClr val="tx1"/>
+            </a:fontRef>
+          </p:style>
+        </p:cxnSp>
+        <p:cxnSp>
+          <p:nvCxnSpPr>
+            <p:cNvPr id="13" name="Straight Connector 12">
+              <a:extLst>
+                <a:ext uri="{FF2B5EF4-FFF2-40B4-BE49-F238E27FC236}">
+                  <a16:creationId xmlns:a16="http://schemas.microsoft.com/office/drawing/2014/main" id="{A27EBFCF-5E1B-9818-2B3A-6AA308665A01}"/>
+                </a:ext>
+              </a:extLst>
+            </p:cNvPr>
+            <p:cNvCxnSpPr>
+              <a:cxnSpLocks/>
+            </p:cNvCxnSpPr>
+            <p:nvPr/>
+          </p:nvCxnSpPr>
+          <p:spPr>
+            <a:xfrm rot="5400000">
+              <a:off x="4477274" y="3370833"/>
+              <a:ext cx="343734" cy="0"/>
+            </a:xfrm>
+            <a:prstGeom prst="line">
+              <a:avLst/>
+            </a:prstGeom>
+            <a:ln w="19050" cap="flat" cmpd="sng" algn="ctr">
+              <a:solidFill>
+                <a:srgbClr val="004BB8"/>
+              </a:solidFill>
+              <a:prstDash val="solid"/>
+              <a:round/>
+              <a:headEnd type="none" w="med" len="med"/>
+              <a:tailEnd type="arrow" w="med" len="med"/>
+            </a:ln>
+          </p:spPr>
+          <p:style>
+            <a:lnRef idx="0">
+              <a:scrgbClr r="0" g="0" b="0"/>
+            </a:lnRef>
+            <a:fillRef idx="0">
+              <a:scrgbClr r="0" g="0" b="0"/>
+            </a:fillRef>
+            <a:effectRef idx="0">
+              <a:scrgbClr r="0" g="0" b="0"/>
+            </a:effectRef>
+            <a:fontRef idx="minor">
+              <a:schemeClr val="tx1"/>
+            </a:fontRef>
+          </p:style>
+        </p:cxnSp>
+        <p:cxnSp>
+          <p:nvCxnSpPr>
+            <p:cNvPr id="14" name="Straight Connector 13">
+              <a:extLst>
+                <a:ext uri="{FF2B5EF4-FFF2-40B4-BE49-F238E27FC236}">
+                  <a16:creationId xmlns:a16="http://schemas.microsoft.com/office/drawing/2014/main" id="{5F7882BD-EB68-EB51-ACD9-6697B0F7742D}"/>
+                </a:ext>
+              </a:extLst>
+            </p:cNvPr>
+            <p:cNvCxnSpPr>
+              <a:cxnSpLocks/>
+            </p:cNvCxnSpPr>
+            <p:nvPr/>
+          </p:nvCxnSpPr>
+          <p:spPr>
+            <a:xfrm flipH="1">
+              <a:off x="4652126" y="3197949"/>
+              <a:ext cx="2393081" cy="9731"/>
+            </a:xfrm>
+            <a:prstGeom prst="line">
+              <a:avLst/>
+            </a:prstGeom>
+            <a:ln>
+              <a:solidFill>
+                <a:srgbClr val="004BB8"/>
+              </a:solidFill>
+            </a:ln>
+          </p:spPr>
+          <p:style>
+            <a:lnRef idx="2">
+              <a:schemeClr val="accent1"/>
+            </a:lnRef>
+            <a:fillRef idx="0">
+              <a:schemeClr val="accent1"/>
+            </a:fillRef>
+            <a:effectRef idx="1">
+              <a:schemeClr val="accent1"/>
+            </a:effectRef>
+            <a:fontRef idx="minor">
+              <a:schemeClr val="tx1"/>
+            </a:fontRef>
+          </p:style>
+        </p:cxnSp>
+        <p:grpSp>
+          <p:nvGrpSpPr>
+            <p:cNvPr id="17" name="Group 16">
+              <a:extLst>
+                <a:ext uri="{FF2B5EF4-FFF2-40B4-BE49-F238E27FC236}">
+                  <a16:creationId xmlns:a16="http://schemas.microsoft.com/office/drawing/2014/main" id="{5AEC0141-625A-7512-787B-5F6DC20A534D}"/>
+                </a:ext>
+              </a:extLst>
+            </p:cNvPr>
+            <p:cNvGrpSpPr/>
+            <p:nvPr/>
+          </p:nvGrpSpPr>
+          <p:grpSpPr>
+            <a:xfrm>
+              <a:off x="5400464" y="2435943"/>
+              <a:ext cx="2396066" cy="350767"/>
+              <a:chOff x="4801541" y="3350349"/>
+              <a:chExt cx="2396066" cy="350767"/>
+            </a:xfrm>
+          </p:grpSpPr>
+          <p:cxnSp>
+            <p:nvCxnSpPr>
+              <p:cNvPr id="23" name="Straight Connector 22">
+                <a:extLst>
+                  <a:ext uri="{FF2B5EF4-FFF2-40B4-BE49-F238E27FC236}">
+                    <a16:creationId xmlns:a16="http://schemas.microsoft.com/office/drawing/2014/main" id="{2C5BCCBF-6BD7-7BAB-CC08-0414E3E430DD}"/>
+                  </a:ext>
+                </a:extLst>
+              </p:cNvPr>
+              <p:cNvCxnSpPr>
+                <a:cxnSpLocks/>
+              </p:cNvCxnSpPr>
+              <p:nvPr/>
+            </p:nvCxnSpPr>
+            <p:spPr>
+              <a:xfrm rot="5400000">
+                <a:off x="7013351" y="3523233"/>
+                <a:ext cx="343734" cy="0"/>
+              </a:xfrm>
+              <a:prstGeom prst="line">
+                <a:avLst/>
+              </a:prstGeom>
+              <a:ln w="19050" cap="flat" cmpd="sng" algn="ctr">
+                <a:solidFill>
+                  <a:srgbClr val="004BB8"/>
+                </a:solidFill>
+                <a:prstDash val="solid"/>
+                <a:round/>
+                <a:headEnd type="none" w="med" len="med"/>
+                <a:tailEnd type="arrow" w="med" len="med"/>
+              </a:ln>
+            </p:spPr>
+            <p:style>
+              <a:lnRef idx="0">
+                <a:scrgbClr r="0" g="0" b="0"/>
+              </a:lnRef>
+              <a:fillRef idx="0">
+                <a:scrgbClr r="0" g="0" b="0"/>
+              </a:fillRef>
+              <a:effectRef idx="0">
+                <a:scrgbClr r="0" g="0" b="0"/>
+              </a:effectRef>
+              <a:fontRef idx="minor">
+                <a:schemeClr val="tx1"/>
+              </a:fontRef>
+            </p:style>
+          </p:cxnSp>
+          <p:cxnSp>
+            <p:nvCxnSpPr>
+              <p:cNvPr id="26" name="Straight Connector 25">
+                <a:extLst>
+                  <a:ext uri="{FF2B5EF4-FFF2-40B4-BE49-F238E27FC236}">
+                    <a16:creationId xmlns:a16="http://schemas.microsoft.com/office/drawing/2014/main" id="{68B21F2C-EF9C-7C3B-399F-1DB03DC5098B}"/>
+                  </a:ext>
+                </a:extLst>
+              </p:cNvPr>
+              <p:cNvCxnSpPr>
+                <a:cxnSpLocks/>
+              </p:cNvCxnSpPr>
+              <p:nvPr/>
+            </p:nvCxnSpPr>
+            <p:spPr>
+              <a:xfrm rot="5400000">
+                <a:off x="6641725" y="3523233"/>
+                <a:ext cx="343734" cy="0"/>
+              </a:xfrm>
+              <a:prstGeom prst="line">
+                <a:avLst/>
+              </a:prstGeom>
+              <a:ln w="19050" cap="flat" cmpd="sng" algn="ctr">
+                <a:solidFill>
+                  <a:srgbClr val="004BB8"/>
+                </a:solidFill>
+                <a:prstDash val="solid"/>
+                <a:round/>
+                <a:headEnd type="none" w="med" len="med"/>
+                <a:tailEnd type="arrow" w="med" len="med"/>
+              </a:ln>
+            </p:spPr>
+            <p:style>
+              <a:lnRef idx="0">
+                <a:scrgbClr r="0" g="0" b="0"/>
+              </a:lnRef>
+              <a:fillRef idx="0">
+                <a:scrgbClr r="0" g="0" b="0"/>
+              </a:fillRef>
+              <a:effectRef idx="0">
+                <a:scrgbClr r="0" g="0" b="0"/>
+              </a:effectRef>
+              <a:fontRef idx="minor">
+                <a:schemeClr val="tx1"/>
+              </a:fontRef>
+            </p:style>
+          </p:cxnSp>
+          <p:cxnSp>
+            <p:nvCxnSpPr>
+              <p:cNvPr id="28" name="Straight Connector 27">
+                <a:extLst>
+                  <a:ext uri="{FF2B5EF4-FFF2-40B4-BE49-F238E27FC236}">
+                    <a16:creationId xmlns:a16="http://schemas.microsoft.com/office/drawing/2014/main" id="{93BC4564-E9E0-5433-6AAC-1964880CF786}"/>
+                  </a:ext>
+                </a:extLst>
+              </p:cNvPr>
+              <p:cNvCxnSpPr>
+                <a:cxnSpLocks/>
+              </p:cNvCxnSpPr>
+              <p:nvPr/>
+            </p:nvCxnSpPr>
+            <p:spPr>
+              <a:xfrm rot="5400000">
+                <a:off x="6250007" y="3522216"/>
+                <a:ext cx="343734" cy="0"/>
+              </a:xfrm>
+              <a:prstGeom prst="line">
+                <a:avLst/>
+              </a:prstGeom>
+              <a:ln w="19050" cap="flat" cmpd="sng" algn="ctr">
+                <a:solidFill>
+                  <a:srgbClr val="004BB8"/>
+                </a:solidFill>
+                <a:prstDash val="solid"/>
+                <a:round/>
+                <a:headEnd type="none" w="med" len="med"/>
+                <a:tailEnd type="arrow" w="med" len="med"/>
+              </a:ln>
+            </p:spPr>
+            <p:style>
+              <a:lnRef idx="0">
+                <a:scrgbClr r="0" g="0" b="0"/>
+              </a:lnRef>
+              <a:fillRef idx="0">
+                <a:scrgbClr r="0" g="0" b="0"/>
+              </a:fillRef>
+              <a:effectRef idx="0">
+                <a:scrgbClr r="0" g="0" b="0"/>
+              </a:effectRef>
+              <a:fontRef idx="minor">
+                <a:schemeClr val="tx1"/>
+              </a:fontRef>
+            </p:style>
+          </p:cxnSp>
+          <p:cxnSp>
+            <p:nvCxnSpPr>
+              <p:cNvPr id="30" name="Straight Connector 29">
+                <a:extLst>
+                  <a:ext uri="{FF2B5EF4-FFF2-40B4-BE49-F238E27FC236}">
+                    <a16:creationId xmlns:a16="http://schemas.microsoft.com/office/drawing/2014/main" id="{4C1CA028-6CEE-161F-6C46-94DF5CC8FD12}"/>
+                  </a:ext>
+                </a:extLst>
+              </p:cNvPr>
+              <p:cNvCxnSpPr>
+                <a:cxnSpLocks/>
+              </p:cNvCxnSpPr>
+              <p:nvPr/>
+            </p:nvCxnSpPr>
+            <p:spPr>
+              <a:xfrm rot="5400000">
+                <a:off x="5843080" y="3529249"/>
+                <a:ext cx="343734" cy="0"/>
+              </a:xfrm>
+              <a:prstGeom prst="line">
+                <a:avLst/>
+              </a:prstGeom>
+              <a:ln w="19050" cap="flat" cmpd="sng" algn="ctr">
+                <a:solidFill>
+                  <a:srgbClr val="004BB8"/>
+                </a:solidFill>
+                <a:prstDash val="solid"/>
+                <a:round/>
+                <a:headEnd type="none" w="med" len="med"/>
+                <a:tailEnd type="arrow" w="med" len="med"/>
+              </a:ln>
+            </p:spPr>
+            <p:style>
+              <a:lnRef idx="0">
+                <a:scrgbClr r="0" g="0" b="0"/>
+              </a:lnRef>
+              <a:fillRef idx="0">
+                <a:scrgbClr r="0" g="0" b="0"/>
+              </a:fillRef>
+              <a:effectRef idx="0">
+                <a:scrgbClr r="0" g="0" b="0"/>
+              </a:effectRef>
+              <a:fontRef idx="minor">
+                <a:schemeClr val="tx1"/>
+              </a:fontRef>
+            </p:style>
+          </p:cxnSp>
+          <p:cxnSp>
+            <p:nvCxnSpPr>
+              <p:cNvPr id="31" name="Straight Connector 30">
+                <a:extLst>
+                  <a:ext uri="{FF2B5EF4-FFF2-40B4-BE49-F238E27FC236}">
+                    <a16:creationId xmlns:a16="http://schemas.microsoft.com/office/drawing/2014/main" id="{C4BBE083-021D-7FD6-E04E-3F5E356F9B5F}"/>
+                  </a:ext>
+                </a:extLst>
+              </p:cNvPr>
+              <p:cNvCxnSpPr>
+                <a:cxnSpLocks/>
+              </p:cNvCxnSpPr>
+              <p:nvPr/>
+            </p:nvCxnSpPr>
+            <p:spPr>
+              <a:xfrm rot="5400000">
+                <a:off x="5467254" y="3529249"/>
+                <a:ext cx="343734" cy="0"/>
+              </a:xfrm>
+              <a:prstGeom prst="line">
+                <a:avLst/>
+              </a:prstGeom>
+              <a:ln w="19050" cap="flat" cmpd="sng" algn="ctr">
+                <a:solidFill>
+                  <a:srgbClr val="004BB8"/>
+                </a:solidFill>
+                <a:prstDash val="solid"/>
+                <a:round/>
+                <a:headEnd type="none" w="med" len="med"/>
+                <a:tailEnd type="arrow" w="med" len="med"/>
+              </a:ln>
+            </p:spPr>
+            <p:style>
+              <a:lnRef idx="0">
+                <a:scrgbClr r="0" g="0" b="0"/>
+              </a:lnRef>
+              <a:fillRef idx="0">
+                <a:scrgbClr r="0" g="0" b="0"/>
+              </a:fillRef>
+              <a:effectRef idx="0">
+                <a:scrgbClr r="0" g="0" b="0"/>
+              </a:effectRef>
+              <a:fontRef idx="minor">
+                <a:schemeClr val="tx1"/>
+              </a:fontRef>
+            </p:style>
+          </p:cxnSp>
+          <p:cxnSp>
+            <p:nvCxnSpPr>
+              <p:cNvPr id="33" name="Straight Connector 32">
+                <a:extLst>
+                  <a:ext uri="{FF2B5EF4-FFF2-40B4-BE49-F238E27FC236}">
+                    <a16:creationId xmlns:a16="http://schemas.microsoft.com/office/drawing/2014/main" id="{6D81720F-7539-891F-2DE6-11019667879F}"/>
+                  </a:ext>
+                </a:extLst>
+              </p:cNvPr>
+              <p:cNvCxnSpPr>
+                <a:cxnSpLocks/>
+              </p:cNvCxnSpPr>
+              <p:nvPr/>
+            </p:nvCxnSpPr>
+            <p:spPr>
+              <a:xfrm rot="5400000">
+                <a:off x="5037412" y="3529249"/>
+                <a:ext cx="343734" cy="0"/>
+              </a:xfrm>
+              <a:prstGeom prst="line">
+                <a:avLst/>
+              </a:prstGeom>
+              <a:ln w="19050" cap="flat" cmpd="sng" algn="ctr">
+                <a:solidFill>
+                  <a:srgbClr val="004BB8"/>
+                </a:solidFill>
+                <a:prstDash val="solid"/>
+                <a:round/>
+                <a:headEnd type="none" w="med" len="med"/>
+                <a:tailEnd type="arrow" w="med" len="med"/>
+              </a:ln>
+            </p:spPr>
+            <p:style>
+              <a:lnRef idx="0">
+                <a:scrgbClr r="0" g="0" b="0"/>
+              </a:lnRef>
+              <a:fillRef idx="0">
+                <a:scrgbClr r="0" g="0" b="0"/>
+              </a:fillRef>
+              <a:effectRef idx="0">
+                <a:scrgbClr r="0" g="0" b="0"/>
+              </a:effectRef>
+              <a:fontRef idx="minor">
+                <a:schemeClr val="tx1"/>
+              </a:fontRef>
+            </p:style>
+          </p:cxnSp>
+          <p:cxnSp>
+            <p:nvCxnSpPr>
+              <p:cNvPr id="34" name="Straight Connector 33">
+                <a:extLst>
+                  <a:ext uri="{FF2B5EF4-FFF2-40B4-BE49-F238E27FC236}">
+                    <a16:creationId xmlns:a16="http://schemas.microsoft.com/office/drawing/2014/main" id="{AA33F1F7-B793-9E82-61C7-806A416438E7}"/>
+                  </a:ext>
+                </a:extLst>
+              </p:cNvPr>
+              <p:cNvCxnSpPr>
+                <a:cxnSpLocks/>
+              </p:cNvCxnSpPr>
+              <p:nvPr/>
+            </p:nvCxnSpPr>
+            <p:spPr>
+              <a:xfrm rot="5400000">
+                <a:off x="4629674" y="3523233"/>
+                <a:ext cx="343734" cy="0"/>
+              </a:xfrm>
+              <a:prstGeom prst="line">
+                <a:avLst/>
+              </a:prstGeom>
+              <a:ln w="19050" cap="flat" cmpd="sng" algn="ctr">
+                <a:solidFill>
+                  <a:srgbClr val="004BB8"/>
+                </a:solidFill>
+                <a:prstDash val="solid"/>
+                <a:round/>
+                <a:headEnd type="none" w="med" len="med"/>
+                <a:tailEnd type="arrow" w="med" len="med"/>
+              </a:ln>
+            </p:spPr>
+            <p:style>
+              <a:lnRef idx="0">
+                <a:scrgbClr r="0" g="0" b="0"/>
+              </a:lnRef>
+              <a:fillRef idx="0">
+                <a:scrgbClr r="0" g="0" b="0"/>
+              </a:fillRef>
+              <a:effectRef idx="0">
+                <a:scrgbClr r="0" g="0" b="0"/>
+              </a:effectRef>
+              <a:fontRef idx="minor">
+                <a:schemeClr val="tx1"/>
+              </a:fontRef>
+            </p:style>
+          </p:cxnSp>
+          <p:cxnSp>
+            <p:nvCxnSpPr>
+              <p:cNvPr id="37" name="Straight Connector 36">
+                <a:extLst>
+                  <a:ext uri="{FF2B5EF4-FFF2-40B4-BE49-F238E27FC236}">
+                    <a16:creationId xmlns:a16="http://schemas.microsoft.com/office/drawing/2014/main" id="{C9F0E76F-074A-C00C-8B97-48191423BAFC}"/>
+                  </a:ext>
+                </a:extLst>
+              </p:cNvPr>
+              <p:cNvCxnSpPr>
+                <a:cxnSpLocks/>
+              </p:cNvCxnSpPr>
+              <p:nvPr/>
+            </p:nvCxnSpPr>
+            <p:spPr>
+              <a:xfrm flipH="1">
+                <a:off x="4804526" y="3350349"/>
+                <a:ext cx="2393081" cy="9731"/>
+              </a:xfrm>
+              <a:prstGeom prst="line">
+                <a:avLst/>
+              </a:prstGeom>
+              <a:ln>
+                <a:solidFill>
+                  <a:srgbClr val="004BB8"/>
+                </a:solidFill>
+              </a:ln>
+            </p:spPr>
+            <p:style>
+              <a:lnRef idx="2">
+                <a:schemeClr val="accent1"/>
+              </a:lnRef>
+              <a:fillRef idx="0">
+                <a:schemeClr val="accent1"/>
+              </a:fillRef>
+              <a:effectRef idx="1">
+                <a:schemeClr val="accent1"/>
+              </a:effectRef>
+              <a:fontRef idx="minor">
+                <a:schemeClr val="tx1"/>
+              </a:fontRef>
+            </p:style>
+          </p:cxnSp>
+        </p:grpSp>
+        <p:cxnSp>
+          <p:nvCxnSpPr>
+            <p:cNvPr id="20" name="Straight Connector 19">
+              <a:extLst>
+                <a:ext uri="{FF2B5EF4-FFF2-40B4-BE49-F238E27FC236}">
+                  <a16:creationId xmlns:a16="http://schemas.microsoft.com/office/drawing/2014/main" id="{1B9681BC-486B-AD9A-DF0D-B1294E0AE9F4}"/>
+                </a:ext>
+              </a:extLst>
+            </p:cNvPr>
+            <p:cNvCxnSpPr/>
+            <p:nvPr/>
+          </p:nvCxnSpPr>
+          <p:spPr>
+            <a:xfrm flipH="1">
+              <a:off x="7030707" y="2432899"/>
+              <a:ext cx="765823" cy="766622"/>
+            </a:xfrm>
+            <a:prstGeom prst="line">
+              <a:avLst/>
+            </a:prstGeom>
+            <a:ln>
+              <a:solidFill>
+                <a:srgbClr val="004BB8"/>
+              </a:solidFill>
+            </a:ln>
+          </p:spPr>
+          <p:style>
+            <a:lnRef idx="2">
+              <a:schemeClr val="accent1"/>
+            </a:lnRef>
+            <a:fillRef idx="0">
+              <a:schemeClr val="accent1"/>
+            </a:fillRef>
+            <a:effectRef idx="1">
+              <a:schemeClr val="accent1"/>
+            </a:effectRef>
+            <a:fontRef idx="minor">
+              <a:schemeClr val="tx1"/>
+            </a:fontRef>
+          </p:style>
+        </p:cxnSp>
+        <p:cxnSp>
+          <p:nvCxnSpPr>
+            <p:cNvPr id="22" name="Straight Connector 21">
+              <a:extLst>
+                <a:ext uri="{FF2B5EF4-FFF2-40B4-BE49-F238E27FC236}">
+                  <a16:creationId xmlns:a16="http://schemas.microsoft.com/office/drawing/2014/main" id="{5A9635D9-3E6C-174C-D982-28584ABC2268}"/>
+                </a:ext>
+              </a:extLst>
+            </p:cNvPr>
+            <p:cNvCxnSpPr/>
+            <p:nvPr/>
+          </p:nvCxnSpPr>
+          <p:spPr>
+            <a:xfrm flipH="1">
+              <a:off x="4638048" y="2446382"/>
+              <a:ext cx="765823" cy="766622"/>
+            </a:xfrm>
+            <a:prstGeom prst="line">
+              <a:avLst/>
+            </a:prstGeom>
+            <a:ln>
+              <a:solidFill>
+                <a:srgbClr val="004BB8"/>
+              </a:solidFill>
+            </a:ln>
+          </p:spPr>
+          <p:style>
+            <a:lnRef idx="2">
+              <a:schemeClr val="accent1"/>
+            </a:lnRef>
+            <a:fillRef idx="0">
+              <a:schemeClr val="accent1"/>
+            </a:fillRef>
+            <a:effectRef idx="1">
+              <a:schemeClr val="accent1"/>
+            </a:effectRef>
+            <a:fontRef idx="minor">
+              <a:schemeClr val="tx1"/>
+            </a:fontRef>
+          </p:style>
+        </p:cxnSp>
+      </p:grpSp>
+      <p:cxnSp>
+        <p:nvCxnSpPr>
+          <p:cNvPr id="72" name="Straight Connector 71">
+            <a:extLst>
+              <a:ext uri="{FF2B5EF4-FFF2-40B4-BE49-F238E27FC236}">
+                <a16:creationId xmlns:a16="http://schemas.microsoft.com/office/drawing/2014/main" id="{FD243DDC-9A3A-01AB-C11B-BCA58110BEE2}"/>
+              </a:ext>
+            </a:extLst>
+          </p:cNvPr>
+          <p:cNvCxnSpPr>
+            <a:cxnSpLocks/>
+          </p:cNvCxnSpPr>
+          <p:nvPr/>
+        </p:nvCxnSpPr>
+        <p:spPr>
+          <a:xfrm flipV="1">
+            <a:off x="6777675" y="6027239"/>
+            <a:ext cx="258020" cy="269488"/>
+          </a:xfrm>
+          <a:prstGeom prst="line">
+            <a:avLst/>
+          </a:prstGeom>
+          <a:ln w="19050" cap="flat" cmpd="sng" algn="ctr">
+            <a:solidFill>
+              <a:srgbClr val="004BB8"/>
+            </a:solidFill>
+            <a:prstDash val="solid"/>
+            <a:round/>
+            <a:headEnd type="none" w="med" len="med"/>
+            <a:tailEnd type="arrow" w="med" len="med"/>
+          </a:ln>
+        </p:spPr>
+        <p:style>
+          <a:lnRef idx="0">
+            <a:scrgbClr r="0" g="0" b="0"/>
+          </a:lnRef>
+          <a:fillRef idx="0">
+            <a:scrgbClr r="0" g="0" b="0"/>
+          </a:fillRef>
+          <a:effectRef idx="0">
+            <a:scrgbClr r="0" g="0" b="0"/>
+          </a:effectRef>
+          <a:fontRef idx="minor">
+            <a:schemeClr val="tx1"/>
+          </a:fontRef>
+        </p:style>
+      </p:cxnSp>
+      <p:cxnSp>
+        <p:nvCxnSpPr>
+          <p:cNvPr id="99" name="Straight Connector 98">
+            <a:extLst>
+              <a:ext uri="{FF2B5EF4-FFF2-40B4-BE49-F238E27FC236}">
+                <a16:creationId xmlns:a16="http://schemas.microsoft.com/office/drawing/2014/main" id="{14DE8C01-992F-9B7B-B630-DC7B3E218C50}"/>
+              </a:ext>
+            </a:extLst>
+          </p:cNvPr>
+          <p:cNvCxnSpPr>
+            <a:cxnSpLocks/>
+          </p:cNvCxnSpPr>
+          <p:nvPr/>
+        </p:nvCxnSpPr>
+        <p:spPr>
+          <a:xfrm flipV="1">
+            <a:off x="4385546" y="6027239"/>
+            <a:ext cx="258020" cy="269488"/>
+          </a:xfrm>
+          <a:prstGeom prst="line">
+            <a:avLst/>
+          </a:prstGeom>
+          <a:ln w="19050" cap="flat" cmpd="sng" algn="ctr">
+            <a:solidFill>
+              <a:srgbClr val="004BB8"/>
+            </a:solidFill>
+            <a:prstDash val="solid"/>
+            <a:round/>
+            <a:headEnd type="none" w="med" len="med"/>
+            <a:tailEnd type="arrow" w="med" len="med"/>
+          </a:ln>
+        </p:spPr>
+        <p:style>
+          <a:lnRef idx="0">
+            <a:scrgbClr r="0" g="0" b="0"/>
+          </a:lnRef>
+          <a:fillRef idx="0">
+            <a:scrgbClr r="0" g="0" b="0"/>
+          </a:fillRef>
+          <a:effectRef idx="0">
+            <a:scrgbClr r="0" g="0" b="0"/>
+          </a:effectRef>
+          <a:fontRef idx="minor">
+            <a:schemeClr val="tx1"/>
+          </a:fontRef>
+        </p:style>
+      </p:cxnSp>
+      <p:cxnSp>
+        <p:nvCxnSpPr>
+          <p:cNvPr id="103" name="Straight Connector 102">
+            <a:extLst>
+              <a:ext uri="{FF2B5EF4-FFF2-40B4-BE49-F238E27FC236}">
+                <a16:creationId xmlns:a16="http://schemas.microsoft.com/office/drawing/2014/main" id="{A6010078-273D-049B-85E1-4BE4039FED52}"/>
+              </a:ext>
+            </a:extLst>
+          </p:cNvPr>
+          <p:cNvCxnSpPr>
+            <a:cxnSpLocks/>
+          </p:cNvCxnSpPr>
+          <p:nvPr/>
+        </p:nvCxnSpPr>
+        <p:spPr>
+          <a:xfrm flipV="1">
+            <a:off x="6777675" y="3563447"/>
+            <a:ext cx="258020" cy="269488"/>
+          </a:xfrm>
+          <a:prstGeom prst="line">
+            <a:avLst/>
+          </a:prstGeom>
+          <a:ln w="19050" cap="flat" cmpd="sng" algn="ctr">
+            <a:solidFill>
+              <a:srgbClr val="004BB8"/>
+            </a:solidFill>
+            <a:prstDash val="solid"/>
+            <a:round/>
+            <a:headEnd type="none" w="med" len="med"/>
+            <a:tailEnd type="arrow" w="med" len="med"/>
+          </a:ln>
+        </p:spPr>
+        <p:style>
+          <a:lnRef idx="0">
+            <a:scrgbClr r="0" g="0" b="0"/>
+          </a:lnRef>
+          <a:fillRef idx="0">
+            <a:scrgbClr r="0" g="0" b="0"/>
+          </a:fillRef>
+          <a:effectRef idx="0">
+            <a:scrgbClr r="0" g="0" b="0"/>
+          </a:effectRef>
+          <a:fontRef idx="minor">
+            <a:schemeClr val="tx1"/>
+          </a:fontRef>
+        </p:style>
+      </p:cxnSp>
+      <p:cxnSp>
+        <p:nvCxnSpPr>
+          <p:cNvPr id="104" name="Straight Connector 103">
+            <a:extLst>
+              <a:ext uri="{FF2B5EF4-FFF2-40B4-BE49-F238E27FC236}">
+                <a16:creationId xmlns:a16="http://schemas.microsoft.com/office/drawing/2014/main" id="{2AC7DD24-9612-8109-7756-ECCD1C99958F}"/>
+              </a:ext>
+            </a:extLst>
+          </p:cNvPr>
+          <p:cNvCxnSpPr>
+            <a:cxnSpLocks/>
+          </p:cNvCxnSpPr>
+          <p:nvPr/>
+        </p:nvCxnSpPr>
+        <p:spPr>
+          <a:xfrm flipV="1">
+            <a:off x="4385546" y="3563447"/>
+            <a:ext cx="258020" cy="269488"/>
+          </a:xfrm>
+          <a:prstGeom prst="line">
+            <a:avLst/>
+          </a:prstGeom>
+          <a:ln w="19050" cap="flat" cmpd="sng" algn="ctr">
+            <a:solidFill>
+              <a:srgbClr val="004BB8"/>
+            </a:solidFill>
+            <a:prstDash val="solid"/>
+            <a:round/>
+            <a:headEnd type="none" w="med" len="med"/>
+            <a:tailEnd type="arrow" w="med" len="med"/>
+          </a:ln>
+        </p:spPr>
+        <p:style>
+          <a:lnRef idx="0">
+            <a:scrgbClr r="0" g="0" b="0"/>
+          </a:lnRef>
+          <a:fillRef idx="0">
+            <a:scrgbClr r="0" g="0" b="0"/>
+          </a:fillRef>
+          <a:effectRef idx="0">
+            <a:scrgbClr r="0" g="0" b="0"/>
+          </a:effectRef>
+          <a:fontRef idx="minor">
+            <a:schemeClr val="tx1"/>
+          </a:fontRef>
+        </p:style>
+      </p:cxnSp>
+      <p:grpSp>
+        <p:nvGrpSpPr>
+          <p:cNvPr id="147" name="Group 146">
+            <a:extLst>
+              <a:ext uri="{FF2B5EF4-FFF2-40B4-BE49-F238E27FC236}">
+                <a16:creationId xmlns:a16="http://schemas.microsoft.com/office/drawing/2014/main" id="{3B87153F-3A78-E73C-8CBC-AEEDE6AF000A}"/>
+              </a:ext>
+            </a:extLst>
+          </p:cNvPr>
+          <p:cNvGrpSpPr/>
+          <p:nvPr/>
+        </p:nvGrpSpPr>
+        <p:grpSpPr>
+          <a:xfrm>
+            <a:off x="4389107" y="3829949"/>
+            <a:ext cx="2393140" cy="2466778"/>
+            <a:chOff x="4389107" y="3829949"/>
+            <a:chExt cx="2393140" cy="2466778"/>
+          </a:xfrm>
+        </p:grpSpPr>
+        <p:cxnSp>
+          <p:nvCxnSpPr>
+            <p:cNvPr id="100" name="Straight Connector 99">
+              <a:extLst>
+                <a:ext uri="{FF2B5EF4-FFF2-40B4-BE49-F238E27FC236}">
+                  <a16:creationId xmlns:a16="http://schemas.microsoft.com/office/drawing/2014/main" id="{50EA7256-69EF-C45D-BB4D-78C6B38D20E8}"/>
+                </a:ext>
+              </a:extLst>
+            </p:cNvPr>
+            <p:cNvCxnSpPr>
+              <a:cxnSpLocks/>
+            </p:cNvCxnSpPr>
+            <p:nvPr/>
+          </p:nvCxnSpPr>
+          <p:spPr>
+            <a:xfrm flipH="1" flipV="1">
+              <a:off x="4391297" y="6293741"/>
+              <a:ext cx="2390950" cy="2986"/>
+            </a:xfrm>
+            <a:prstGeom prst="line">
+              <a:avLst/>
+            </a:prstGeom>
+            <a:ln>
+              <a:solidFill>
+                <a:srgbClr val="004BB8"/>
+              </a:solidFill>
+            </a:ln>
+          </p:spPr>
+          <p:style>
+            <a:lnRef idx="2">
+              <a:schemeClr val="accent1"/>
+            </a:lnRef>
+            <a:fillRef idx="0">
+              <a:schemeClr val="accent1"/>
+            </a:fillRef>
+            <a:effectRef idx="1">
+              <a:schemeClr val="accent1"/>
+            </a:effectRef>
+            <a:fontRef idx="minor">
+              <a:schemeClr val="tx1"/>
+            </a:fontRef>
+          </p:style>
+        </p:cxnSp>
+        <p:cxnSp>
+          <p:nvCxnSpPr>
+            <p:cNvPr id="105" name="Straight Connector 104">
+              <a:extLst>
+                <a:ext uri="{FF2B5EF4-FFF2-40B4-BE49-F238E27FC236}">
+                  <a16:creationId xmlns:a16="http://schemas.microsoft.com/office/drawing/2014/main" id="{46D215A9-D9BF-922F-FC47-D12D4D5B3AAA}"/>
+                </a:ext>
+              </a:extLst>
+            </p:cNvPr>
+            <p:cNvCxnSpPr>
+              <a:cxnSpLocks/>
+            </p:cNvCxnSpPr>
+            <p:nvPr/>
+          </p:nvCxnSpPr>
+          <p:spPr>
+            <a:xfrm flipH="1" flipV="1">
+              <a:off x="4391297" y="3829949"/>
+              <a:ext cx="2390950" cy="2986"/>
+            </a:xfrm>
+            <a:prstGeom prst="line">
+              <a:avLst/>
+            </a:prstGeom>
+            <a:ln>
+              <a:solidFill>
+                <a:srgbClr val="004BB8"/>
+              </a:solidFill>
+            </a:ln>
+          </p:spPr>
+          <p:style>
+            <a:lnRef idx="2">
+              <a:schemeClr val="accent1"/>
+            </a:lnRef>
+            <a:fillRef idx="0">
+              <a:schemeClr val="accent1"/>
+            </a:fillRef>
+            <a:effectRef idx="1">
+              <a:schemeClr val="accent1"/>
+            </a:effectRef>
+            <a:fontRef idx="minor">
+              <a:schemeClr val="tx1"/>
+            </a:fontRef>
+          </p:style>
+        </p:cxnSp>
+        <p:cxnSp>
+          <p:nvCxnSpPr>
+            <p:cNvPr id="106" name="Straight Connector 105">
+              <a:extLst>
+                <a:ext uri="{FF2B5EF4-FFF2-40B4-BE49-F238E27FC236}">
+                  <a16:creationId xmlns:a16="http://schemas.microsoft.com/office/drawing/2014/main" id="{0D0BFC50-6FE8-DE8A-63E9-436102E4883B}"/>
+                </a:ext>
+              </a:extLst>
+            </p:cNvPr>
+            <p:cNvCxnSpPr>
+              <a:cxnSpLocks/>
+            </p:cNvCxnSpPr>
+            <p:nvPr/>
+          </p:nvCxnSpPr>
+          <p:spPr>
+            <a:xfrm>
+              <a:off x="6774124" y="3829949"/>
+              <a:ext cx="0" cy="2463792"/>
+            </a:xfrm>
+            <a:prstGeom prst="line">
+              <a:avLst/>
+            </a:prstGeom>
+            <a:ln>
+              <a:solidFill>
+                <a:srgbClr val="004BB8"/>
+              </a:solidFill>
+            </a:ln>
+          </p:spPr>
+          <p:style>
+            <a:lnRef idx="2">
+              <a:schemeClr val="accent1"/>
+            </a:lnRef>
+            <a:fillRef idx="0">
+              <a:schemeClr val="accent1"/>
+            </a:fillRef>
+            <a:effectRef idx="1">
+              <a:schemeClr val="accent1"/>
+            </a:effectRef>
+            <a:fontRef idx="minor">
+              <a:schemeClr val="tx1"/>
+            </a:fontRef>
+          </p:style>
+        </p:cxnSp>
+        <p:cxnSp>
+          <p:nvCxnSpPr>
+            <p:cNvPr id="119" name="Straight Connector 118">
+              <a:extLst>
+                <a:ext uri="{FF2B5EF4-FFF2-40B4-BE49-F238E27FC236}">
+                  <a16:creationId xmlns:a16="http://schemas.microsoft.com/office/drawing/2014/main" id="{12850DCE-4652-5CA5-FAD7-772A7818676A}"/>
+                </a:ext>
+              </a:extLst>
+            </p:cNvPr>
+            <p:cNvCxnSpPr>
+              <a:cxnSpLocks/>
+            </p:cNvCxnSpPr>
+            <p:nvPr/>
+          </p:nvCxnSpPr>
+          <p:spPr>
+            <a:xfrm>
+              <a:off x="4389107" y="3829949"/>
+              <a:ext cx="0" cy="2463792"/>
+            </a:xfrm>
+            <a:prstGeom prst="line">
+              <a:avLst/>
+            </a:prstGeom>
+            <a:ln>
+              <a:solidFill>
+                <a:srgbClr val="004BB8"/>
+              </a:solidFill>
+            </a:ln>
+          </p:spPr>
+          <p:style>
+            <a:lnRef idx="2">
+              <a:schemeClr val="accent1"/>
+            </a:lnRef>
+            <a:fillRef idx="0">
+              <a:schemeClr val="accent1"/>
+            </a:fillRef>
+            <a:effectRef idx="1">
+              <a:schemeClr val="accent1"/>
+            </a:effectRef>
+            <a:fontRef idx="minor">
+              <a:schemeClr val="tx1"/>
+            </a:fontRef>
+          </p:style>
+        </p:cxnSp>
+      </p:grpSp>
+      <p:cxnSp>
+        <p:nvCxnSpPr>
+          <p:cNvPr id="125" name="Straight Connector 124">
+            <a:extLst>
+              <a:ext uri="{FF2B5EF4-FFF2-40B4-BE49-F238E27FC236}">
+                <a16:creationId xmlns:a16="http://schemas.microsoft.com/office/drawing/2014/main" id="{08DE1547-7CAC-D2AF-0027-643D3D5AA013}"/>
+              </a:ext>
+            </a:extLst>
+          </p:cNvPr>
+          <p:cNvCxnSpPr>
+            <a:cxnSpLocks/>
+          </p:cNvCxnSpPr>
+          <p:nvPr/>
+        </p:nvCxnSpPr>
+        <p:spPr>
+          <a:xfrm flipV="1">
+            <a:off x="6774123" y="5537938"/>
+            <a:ext cx="258020" cy="269488"/>
+          </a:xfrm>
+          <a:prstGeom prst="line">
+            <a:avLst/>
+          </a:prstGeom>
+          <a:ln w="19050" cap="flat" cmpd="sng" algn="ctr">
+            <a:solidFill>
+              <a:srgbClr val="004BB8"/>
+            </a:solidFill>
+            <a:prstDash val="solid"/>
+            <a:round/>
+            <a:headEnd type="none" w="med" len="med"/>
+            <a:tailEnd type="arrow" w="med" len="med"/>
+          </a:ln>
+        </p:spPr>
+        <p:style>
+          <a:lnRef idx="0">
+            <a:scrgbClr r="0" g="0" b="0"/>
+          </a:lnRef>
+          <a:fillRef idx="0">
+            <a:scrgbClr r="0" g="0" b="0"/>
+          </a:fillRef>
+          <a:effectRef idx="0">
+            <a:scrgbClr r="0" g="0" b="0"/>
+          </a:effectRef>
+          <a:fontRef idx="minor">
+            <a:schemeClr val="tx1"/>
+          </a:fontRef>
+        </p:style>
+      </p:cxnSp>
+      <p:cxnSp>
+        <p:nvCxnSpPr>
+          <p:cNvPr id="126" name="Straight Connector 125">
+            <a:extLst>
+              <a:ext uri="{FF2B5EF4-FFF2-40B4-BE49-F238E27FC236}">
+                <a16:creationId xmlns:a16="http://schemas.microsoft.com/office/drawing/2014/main" id="{76D1BAD6-F4D6-9054-B565-38171684C17F}"/>
+              </a:ext>
+            </a:extLst>
+          </p:cNvPr>
+          <p:cNvCxnSpPr>
+            <a:cxnSpLocks/>
+          </p:cNvCxnSpPr>
+          <p:nvPr/>
+        </p:nvCxnSpPr>
+        <p:spPr>
+          <a:xfrm flipV="1">
+            <a:off x="6774123" y="5109852"/>
+            <a:ext cx="258020" cy="269488"/>
+          </a:xfrm>
+          <a:prstGeom prst="line">
+            <a:avLst/>
+          </a:prstGeom>
+          <a:ln w="19050" cap="flat" cmpd="sng" algn="ctr">
+            <a:solidFill>
+              <a:srgbClr val="004BB8"/>
+            </a:solidFill>
+            <a:prstDash val="solid"/>
+            <a:round/>
+            <a:headEnd type="none" w="med" len="med"/>
+            <a:tailEnd type="arrow" w="med" len="med"/>
+          </a:ln>
+        </p:spPr>
+        <p:style>
+          <a:lnRef idx="0">
+            <a:scrgbClr r="0" g="0" b="0"/>
+          </a:lnRef>
+          <a:fillRef idx="0">
+            <a:scrgbClr r="0" g="0" b="0"/>
+          </a:fillRef>
+          <a:effectRef idx="0">
+            <a:scrgbClr r="0" g="0" b="0"/>
+          </a:effectRef>
+          <a:fontRef idx="minor">
+            <a:schemeClr val="tx1"/>
+          </a:fontRef>
+        </p:style>
+      </p:cxnSp>
+      <p:cxnSp>
+        <p:nvCxnSpPr>
+          <p:cNvPr id="134" name="Straight Connector 133">
+            <a:extLst>
+              <a:ext uri="{FF2B5EF4-FFF2-40B4-BE49-F238E27FC236}">
+                <a16:creationId xmlns:a16="http://schemas.microsoft.com/office/drawing/2014/main" id="{63038394-4AF9-9301-F5CF-A56FEEC55DDD}"/>
+              </a:ext>
+            </a:extLst>
+          </p:cNvPr>
+          <p:cNvCxnSpPr>
+            <a:cxnSpLocks/>
+          </p:cNvCxnSpPr>
+          <p:nvPr/>
+        </p:nvCxnSpPr>
+        <p:spPr>
+          <a:xfrm flipV="1">
+            <a:off x="6769919" y="4736776"/>
+            <a:ext cx="258020" cy="269488"/>
+          </a:xfrm>
+          <a:prstGeom prst="line">
+            <a:avLst/>
+          </a:prstGeom>
+          <a:ln w="19050" cap="flat" cmpd="sng" algn="ctr">
+            <a:solidFill>
+              <a:srgbClr val="004BB8"/>
+            </a:solidFill>
+            <a:prstDash val="solid"/>
+            <a:round/>
+            <a:headEnd type="none" w="med" len="med"/>
+            <a:tailEnd type="arrow" w="med" len="med"/>
+          </a:ln>
+        </p:spPr>
+        <p:style>
+          <a:lnRef idx="0">
+            <a:scrgbClr r="0" g="0" b="0"/>
+          </a:lnRef>
+          <a:fillRef idx="0">
+            <a:scrgbClr r="0" g="0" b="0"/>
+          </a:fillRef>
+          <a:effectRef idx="0">
+            <a:scrgbClr r="0" g="0" b="0"/>
+          </a:effectRef>
+          <a:fontRef idx="minor">
+            <a:schemeClr val="tx1"/>
+          </a:fontRef>
+        </p:style>
+      </p:cxnSp>
+      <p:cxnSp>
+        <p:nvCxnSpPr>
+          <p:cNvPr id="136" name="Straight Connector 135">
+            <a:extLst>
+              <a:ext uri="{FF2B5EF4-FFF2-40B4-BE49-F238E27FC236}">
+                <a16:creationId xmlns:a16="http://schemas.microsoft.com/office/drawing/2014/main" id="{19423A34-1A1C-6180-1B0A-1EB0B77BD385}"/>
+              </a:ext>
+            </a:extLst>
+          </p:cNvPr>
+          <p:cNvCxnSpPr>
+            <a:cxnSpLocks/>
+          </p:cNvCxnSpPr>
+          <p:nvPr/>
+        </p:nvCxnSpPr>
+        <p:spPr>
+          <a:xfrm flipV="1">
+            <a:off x="6781879" y="4309144"/>
+            <a:ext cx="258020" cy="269488"/>
+          </a:xfrm>
+          <a:prstGeom prst="line">
+            <a:avLst/>
+          </a:prstGeom>
+          <a:ln w="19050" cap="flat" cmpd="sng" algn="ctr">
+            <a:solidFill>
+              <a:srgbClr val="004BB8"/>
+            </a:solidFill>
+            <a:prstDash val="solid"/>
+            <a:round/>
+            <a:headEnd type="none" w="med" len="med"/>
+            <a:tailEnd type="arrow" w="med" len="med"/>
+          </a:ln>
+        </p:spPr>
+        <p:style>
+          <a:lnRef idx="0">
+            <a:scrgbClr r="0" g="0" b="0"/>
+          </a:lnRef>
+          <a:fillRef idx="0">
+            <a:scrgbClr r="0" g="0" b="0"/>
+          </a:fillRef>
+          <a:effectRef idx="0">
+            <a:scrgbClr r="0" g="0" b="0"/>
+          </a:effectRef>
+          <a:fontRef idx="minor">
+            <a:schemeClr val="tx1"/>
+          </a:fontRef>
+        </p:style>
+      </p:cxnSp>
+      <p:cxnSp>
+        <p:nvCxnSpPr>
+          <p:cNvPr id="137" name="Straight Connector 136">
+            <a:extLst>
+              <a:ext uri="{FF2B5EF4-FFF2-40B4-BE49-F238E27FC236}">
+                <a16:creationId xmlns:a16="http://schemas.microsoft.com/office/drawing/2014/main" id="{41A62EF0-5268-7A25-68DC-25BA4AA59834}"/>
+              </a:ext>
+            </a:extLst>
+          </p:cNvPr>
+          <p:cNvCxnSpPr>
+            <a:cxnSpLocks/>
+          </p:cNvCxnSpPr>
+          <p:nvPr/>
+        </p:nvCxnSpPr>
+        <p:spPr>
+          <a:xfrm flipV="1">
+            <a:off x="6777675" y="3936068"/>
+            <a:ext cx="258020" cy="269488"/>
+          </a:xfrm>
+          <a:prstGeom prst="line">
+            <a:avLst/>
+          </a:prstGeom>
+          <a:ln w="19050" cap="flat" cmpd="sng" algn="ctr">
+            <a:solidFill>
+              <a:srgbClr val="004BB8"/>
+            </a:solidFill>
+            <a:prstDash val="solid"/>
+            <a:round/>
+            <a:headEnd type="none" w="med" len="med"/>
+            <a:tailEnd type="arrow" w="med" len="med"/>
+          </a:ln>
+        </p:spPr>
+        <p:style>
+          <a:lnRef idx="0">
+            <a:scrgbClr r="0" g="0" b="0"/>
+          </a:lnRef>
+          <a:fillRef idx="0">
+            <a:scrgbClr r="0" g="0" b="0"/>
+          </a:fillRef>
+          <a:effectRef idx="0">
+            <a:scrgbClr r="0" g="0" b="0"/>
+          </a:effectRef>
+          <a:fontRef idx="minor">
+            <a:schemeClr val="tx1"/>
+          </a:fontRef>
+        </p:style>
+      </p:cxnSp>
+      <p:cxnSp>
+        <p:nvCxnSpPr>
+          <p:cNvPr id="139" name="Straight Connector 138">
+            <a:extLst>
+              <a:ext uri="{FF2B5EF4-FFF2-40B4-BE49-F238E27FC236}">
+                <a16:creationId xmlns:a16="http://schemas.microsoft.com/office/drawing/2014/main" id="{37EBA075-DA6D-31D3-20C4-EC5A8DB94780}"/>
+              </a:ext>
+            </a:extLst>
+          </p:cNvPr>
+          <p:cNvCxnSpPr>
+            <a:cxnSpLocks/>
+          </p:cNvCxnSpPr>
+          <p:nvPr/>
+        </p:nvCxnSpPr>
+        <p:spPr>
+          <a:xfrm flipV="1">
+            <a:off x="4385031" y="5536621"/>
+            <a:ext cx="258020" cy="269488"/>
+          </a:xfrm>
+          <a:prstGeom prst="line">
+            <a:avLst/>
+          </a:prstGeom>
+          <a:ln w="19050" cap="flat" cmpd="sng" algn="ctr">
+            <a:solidFill>
+              <a:srgbClr val="004BB8"/>
+            </a:solidFill>
+            <a:prstDash val="solid"/>
+            <a:round/>
+            <a:headEnd type="none" w="med" len="med"/>
+            <a:tailEnd type="arrow" w="med" len="med"/>
+          </a:ln>
+        </p:spPr>
+        <p:style>
+          <a:lnRef idx="0">
+            <a:scrgbClr r="0" g="0" b="0"/>
+          </a:lnRef>
+          <a:fillRef idx="0">
+            <a:scrgbClr r="0" g="0" b="0"/>
+          </a:fillRef>
+          <a:effectRef idx="0">
+            <a:scrgbClr r="0" g="0" b="0"/>
+          </a:effectRef>
+          <a:fontRef idx="minor">
+            <a:schemeClr val="tx1"/>
+          </a:fontRef>
+        </p:style>
+      </p:cxnSp>
+      <p:cxnSp>
+        <p:nvCxnSpPr>
+          <p:cNvPr id="140" name="Straight Connector 139">
+            <a:extLst>
+              <a:ext uri="{FF2B5EF4-FFF2-40B4-BE49-F238E27FC236}">
+                <a16:creationId xmlns:a16="http://schemas.microsoft.com/office/drawing/2014/main" id="{6B1410EA-FD8D-3D86-4097-F95BB977020A}"/>
+              </a:ext>
+            </a:extLst>
+          </p:cNvPr>
+          <p:cNvCxnSpPr>
+            <a:cxnSpLocks/>
+          </p:cNvCxnSpPr>
+          <p:nvPr/>
+        </p:nvCxnSpPr>
+        <p:spPr>
+          <a:xfrm flipV="1">
+            <a:off x="4385031" y="5108535"/>
+            <a:ext cx="258020" cy="269488"/>
+          </a:xfrm>
+          <a:prstGeom prst="line">
+            <a:avLst/>
+          </a:prstGeom>
+          <a:ln w="19050" cap="flat" cmpd="sng" algn="ctr">
+            <a:solidFill>
+              <a:srgbClr val="004BB8"/>
+            </a:solidFill>
+            <a:prstDash val="solid"/>
+            <a:round/>
+            <a:headEnd type="none" w="med" len="med"/>
+            <a:tailEnd type="arrow" w="med" len="med"/>
+          </a:ln>
+        </p:spPr>
+        <p:style>
+          <a:lnRef idx="0">
+            <a:scrgbClr r="0" g="0" b="0"/>
+          </a:lnRef>
+          <a:fillRef idx="0">
+            <a:scrgbClr r="0" g="0" b="0"/>
+          </a:fillRef>
+          <a:effectRef idx="0">
+            <a:scrgbClr r="0" g="0" b="0"/>
+          </a:effectRef>
+          <a:fontRef idx="minor">
+            <a:schemeClr val="tx1"/>
+          </a:fontRef>
+        </p:style>
+      </p:cxnSp>
+      <p:cxnSp>
+        <p:nvCxnSpPr>
+          <p:cNvPr id="141" name="Straight Connector 140">
+            <a:extLst>
+              <a:ext uri="{FF2B5EF4-FFF2-40B4-BE49-F238E27FC236}">
+                <a16:creationId xmlns:a16="http://schemas.microsoft.com/office/drawing/2014/main" id="{A74AE739-46D5-267F-7558-97CBCA1C437B}"/>
+              </a:ext>
+            </a:extLst>
+          </p:cNvPr>
+          <p:cNvCxnSpPr>
+            <a:cxnSpLocks/>
+          </p:cNvCxnSpPr>
+          <p:nvPr/>
+        </p:nvCxnSpPr>
+        <p:spPr>
+          <a:xfrm flipV="1">
+            <a:off x="4380827" y="4735459"/>
+            <a:ext cx="258020" cy="269488"/>
+          </a:xfrm>
+          <a:prstGeom prst="line">
+            <a:avLst/>
+          </a:prstGeom>
+          <a:ln w="19050" cap="flat" cmpd="sng" algn="ctr">
+            <a:solidFill>
+              <a:srgbClr val="004BB8"/>
+            </a:solidFill>
+            <a:prstDash val="solid"/>
+            <a:round/>
+            <a:headEnd type="none" w="med" len="med"/>
+            <a:tailEnd type="arrow" w="med" len="med"/>
+          </a:ln>
+        </p:spPr>
+        <p:style>
+          <a:lnRef idx="0">
+            <a:scrgbClr r="0" g="0" b="0"/>
+          </a:lnRef>
+          <a:fillRef idx="0">
+            <a:scrgbClr r="0" g="0" b="0"/>
+          </a:fillRef>
+          <a:effectRef idx="0">
+            <a:scrgbClr r="0" g="0" b="0"/>
+          </a:effectRef>
+          <a:fontRef idx="minor">
+            <a:schemeClr val="tx1"/>
+          </a:fontRef>
+        </p:style>
+      </p:cxnSp>
+      <p:cxnSp>
+        <p:nvCxnSpPr>
+          <p:cNvPr id="142" name="Straight Connector 141">
+            <a:extLst>
+              <a:ext uri="{FF2B5EF4-FFF2-40B4-BE49-F238E27FC236}">
+                <a16:creationId xmlns:a16="http://schemas.microsoft.com/office/drawing/2014/main" id="{4BAFAB19-EEE0-FEB4-B471-F4FD81214F16}"/>
+              </a:ext>
+            </a:extLst>
+          </p:cNvPr>
+          <p:cNvCxnSpPr>
+            <a:cxnSpLocks/>
+          </p:cNvCxnSpPr>
+          <p:nvPr/>
+        </p:nvCxnSpPr>
+        <p:spPr>
+          <a:xfrm flipV="1">
+            <a:off x="4392787" y="4307827"/>
+            <a:ext cx="258020" cy="269488"/>
+          </a:xfrm>
+          <a:prstGeom prst="line">
+            <a:avLst/>
+          </a:prstGeom>
+          <a:ln w="19050" cap="flat" cmpd="sng" algn="ctr">
+            <a:solidFill>
+              <a:srgbClr val="004BB8"/>
+            </a:solidFill>
+            <a:prstDash val="solid"/>
+            <a:round/>
+            <a:headEnd type="none" w="med" len="med"/>
+            <a:tailEnd type="arrow" w="med" len="med"/>
+          </a:ln>
+        </p:spPr>
+        <p:style>
+          <a:lnRef idx="0">
+            <a:scrgbClr r="0" g="0" b="0"/>
+          </a:lnRef>
+          <a:fillRef idx="0">
+            <a:scrgbClr r="0" g="0" b="0"/>
+          </a:fillRef>
+          <a:effectRef idx="0">
+            <a:scrgbClr r="0" g="0" b="0"/>
+          </a:effectRef>
+          <a:fontRef idx="minor">
+            <a:schemeClr val="tx1"/>
+          </a:fontRef>
+        </p:style>
+      </p:cxnSp>
+      <p:cxnSp>
+        <p:nvCxnSpPr>
+          <p:cNvPr id="143" name="Straight Connector 142">
+            <a:extLst>
+              <a:ext uri="{FF2B5EF4-FFF2-40B4-BE49-F238E27FC236}">
+                <a16:creationId xmlns:a16="http://schemas.microsoft.com/office/drawing/2014/main" id="{6C985323-85E4-5108-0C62-4B967FE0A00F}"/>
+              </a:ext>
+            </a:extLst>
+          </p:cNvPr>
+          <p:cNvCxnSpPr>
+            <a:cxnSpLocks/>
+          </p:cNvCxnSpPr>
+          <p:nvPr/>
+        </p:nvCxnSpPr>
+        <p:spPr>
+          <a:xfrm flipV="1">
+            <a:off x="4388583" y="3934751"/>
+            <a:ext cx="258020" cy="269488"/>
+          </a:xfrm>
+          <a:prstGeom prst="line">
+            <a:avLst/>
+          </a:prstGeom>
+          <a:ln w="19050" cap="flat" cmpd="sng" algn="ctr">
+            <a:solidFill>
+              <a:srgbClr val="004BB8"/>
+            </a:solidFill>
+            <a:prstDash val="solid"/>
+            <a:round/>
+            <a:headEnd type="none" w="med" len="med"/>
+            <a:tailEnd type="arrow" w="med" len="med"/>
+          </a:ln>
+        </p:spPr>
+        <p:style>
+          <a:lnRef idx="0">
+            <a:scrgbClr r="0" g="0" b="0"/>
+          </a:lnRef>
+          <a:fillRef idx="0">
+            <a:scrgbClr r="0" g="0" b="0"/>
+          </a:fillRef>
+          <a:effectRef idx="0">
+            <a:scrgbClr r="0" g="0" b="0"/>
+          </a:effectRef>
+          <a:fontRef idx="minor">
+            <a:schemeClr val="tx1"/>
+          </a:fontRef>
+        </p:style>
+      </p:cxnSp>
+      <mc:AlternateContent xmlns:mc="http://schemas.openxmlformats.org/markup-compatibility/2006">
+        <mc:Choice xmlns:a14="http://schemas.microsoft.com/office/drawing/2010/main" Requires="a14">
+          <p:sp>
+            <p:nvSpPr>
+              <p:cNvPr id="146" name="TextBox 145">
+                <a:extLst>
+                  <a:ext uri="{FF2B5EF4-FFF2-40B4-BE49-F238E27FC236}">
+                    <a16:creationId xmlns:a16="http://schemas.microsoft.com/office/drawing/2014/main" id="{F3645ABC-1013-24F5-C5A5-549A012418D7}"/>
+                  </a:ext>
+                </a:extLst>
+              </p:cNvPr>
+              <p:cNvSpPr txBox="1"/>
+              <p:nvPr/>
+            </p:nvSpPr>
+            <p:spPr>
+              <a:xfrm>
+                <a:off x="5289080" y="6295045"/>
+                <a:ext cx="595384" cy="276999"/>
+              </a:xfrm>
+              <a:prstGeom prst="rect">
+                <a:avLst/>
+              </a:prstGeom>
+              <a:noFill/>
+            </p:spPr>
+            <p:txBody>
+              <a:bodyPr wrap="square" lIns="0" tIns="0" rIns="0" bIns="0" rtlCol="0">
+                <a:spAutoFit/>
+              </a:bodyPr>
+              <a:lstStyle/>
+              <a:p>
+                <a:pPr/>
+                <a14:m>
+                  <m:oMathPara xmlns:m="http://schemas.openxmlformats.org/officeDocument/2006/math">
+                    <m:oMathParaPr>
+                      <m:jc m:val="centerGroup"/>
+                    </m:oMathParaPr>
+                    <m:oMath xmlns:m="http://schemas.openxmlformats.org/officeDocument/2006/math">
+                      <m:sSub>
+                        <m:sSubPr>
+                          <m:ctrlPr>
+                            <a:rPr lang="en-US" i="1" smtClean="0">
+                              <a:solidFill>
+                                <a:srgbClr val="004BB8"/>
+                              </a:solidFill>
+                              <a:latin typeface="Cambria Math" panose="02040503050406030204" pitchFamily="18" charset="0"/>
+                            </a:rPr>
+                          </m:ctrlPr>
+                        </m:sSubPr>
+                        <m:e>
+                          <m:r>
+                            <a:rPr lang="en-US" b="0" i="1" smtClean="0">
+                              <a:solidFill>
+                                <a:srgbClr val="004BB8"/>
+                              </a:solidFill>
+                              <a:latin typeface="Cambria Math" panose="02040503050406030204" pitchFamily="18" charset="0"/>
+                            </a:rPr>
+                            <m:t>𝜎</m:t>
+                          </m:r>
+                        </m:e>
+                        <m:sub>
+                          <m:r>
+                            <a:rPr lang="en-US" b="0" i="1" smtClean="0">
+                              <a:solidFill>
+                                <a:srgbClr val="004BB8"/>
+                              </a:solidFill>
+                              <a:latin typeface="Cambria Math" panose="02040503050406030204" pitchFamily="18" charset="0"/>
+                            </a:rPr>
+                            <m:t>h</m:t>
+                          </m:r>
+                        </m:sub>
+                      </m:sSub>
+                    </m:oMath>
+                  </m:oMathPara>
+                </a14:m>
+                <a:endParaRPr lang="en-US" dirty="0">
+                  <a:solidFill>
+                    <a:srgbClr val="004BB8"/>
+                  </a:solidFill>
+                  <a:latin typeface="Times New Roman" panose="02020603050405020304" pitchFamily="18" charset="0"/>
+                  <a:cs typeface="Times New Roman" panose="02020603050405020304" pitchFamily="18" charset="0"/>
+                </a:endParaRPr>
+              </a:p>
+            </p:txBody>
+          </p:sp>
+        </mc:Choice>
+        <mc:Fallback>
+          <p:sp>
+            <p:nvSpPr>
+              <p:cNvPr id="146" name="TextBox 145">
+                <a:extLst>
+                  <a:ext uri="{FF2B5EF4-FFF2-40B4-BE49-F238E27FC236}">
+                    <a16:creationId xmlns:a16="http://schemas.microsoft.com/office/drawing/2014/main" id="{F3645ABC-1013-24F5-C5A5-549A012418D7}"/>
+                  </a:ext>
+                </a:extLst>
+              </p:cNvPr>
+              <p:cNvSpPr txBox="1">
+                <a:spLocks noRot="1" noChangeAspect="1" noMove="1" noResize="1" noEditPoints="1" noAdjustHandles="1" noChangeArrowheads="1" noChangeShapeType="1" noTextEdit="1"/>
+              </p:cNvSpPr>
+              <p:nvPr/>
+            </p:nvSpPr>
+            <p:spPr>
+              <a:xfrm>
+                <a:off x="5289080" y="6295045"/>
+                <a:ext cx="595384" cy="276999"/>
+              </a:xfrm>
+              <a:prstGeom prst="rect">
+                <a:avLst/>
+              </a:prstGeom>
+              <a:blipFill>
+                <a:blip r:embed="rId23"/>
+                <a:stretch>
+                  <a:fillRect b="-13043"/>
+                </a:stretch>
+              </a:blipFill>
+            </p:spPr>
+            <p:txBody>
+              <a:bodyPr/>
+              <a:lstStyle/>
+              <a:p>
+                <a:r>
+                  <a:rPr lang="en-US">
+                    <a:noFill/>
+                  </a:rPr>
+                  <a:t> </a:t>
+                </a:r>
+              </a:p>
+            </p:txBody>
+          </p:sp>
+        </mc:Fallback>
+      </mc:AlternateContent>
+    </p:spTree>
+    <p:extLst>
+      <p:ext uri="{BB962C8B-B14F-4D97-AF65-F5344CB8AC3E}">
+        <p14:creationId xmlns:p14="http://schemas.microsoft.com/office/powerpoint/2010/main" val="2270308928"/>
       </p:ext>
     </p:extLst>
   </p:cSld>
